--- a/Technasium-Dag-1-Presentatie-3-Vigenere versleuteling.pptx
+++ b/Technasium-Dag-1-Presentatie-3-Vigenere versleuteling.pptx
@@ -9,7 +9,7 @@
     <p:notesMasterId r:id="rId12"/>
   </p:notesMasterIdLst>
   <p:sldIdLst>
-    <p:sldId id="291" r:id="rId3"/>
+    <p:sldId id="256" r:id="rId3"/>
     <p:sldId id="325" r:id="rId4"/>
     <p:sldId id="326" r:id="rId5"/>
     <p:sldId id="327" r:id="rId6"/>
@@ -206,7 +206,7 @@
           <a:p>
             <a:fld id="{48889F6E-C11B-4B1C-99FB-05FA7D47BC5E}" type="datetimeFigureOut">
               <a:rPr lang="LID4096" smtClean="0"/>
-              <a:t>11/30/2023</a:t>
+              <a:t>11/06/2024</a:t>
             </a:fld>
             <a:endParaRPr lang="LID4096"/>
           </a:p>
@@ -493,7 +493,7 @@
       </p:grpSpPr>
       <p:sp>
         <p:nvSpPr>
-          <p:cNvPr id="12290" name="Slide Image Placeholder 1"/>
+          <p:cNvPr id="14338" name="Slide Image Placeholder 1"/>
           <p:cNvSpPr>
             <a:spLocks noGrp="1" noRot="1" noChangeAspect="1" noTextEdit="1"/>
           </p:cNvSpPr>
@@ -507,7 +507,7 @@
       </p:sp>
       <p:sp>
         <p:nvSpPr>
-          <p:cNvPr id="12291" name="Notes Placeholder 2"/>
+          <p:cNvPr id="14339" name="Notes Placeholder 2"/>
           <p:cNvSpPr>
             <a:spLocks noGrp="1"/>
           </p:cNvSpPr>
@@ -542,19 +542,362 @@
           <a:bodyPr/>
           <a:lstStyle/>
           <a:p>
-            <a:r>
-              <a:rPr lang="nl-NL" altLang="nl-NL">
-                <a:latin typeface="Arial" panose="020B0604020202020204" pitchFamily="34" charset="0"/>
-                <a:ea typeface="ＭＳ Ｐゴシック" panose="020B0600070205080204" pitchFamily="34" charset="-128"/>
+            <a:pPr marL="0" marR="0" lvl="0" indent="0" algn="l" defTabSz="914400" rtl="0" eaLnBrk="1" fontAlgn="auto" latinLnBrk="0" hangingPunct="1">
+              <a:lnSpc>
+                <a:spcPct val="100000"/>
+              </a:lnSpc>
+              <a:spcBef>
+                <a:spcPts val="0"/>
+              </a:spcBef>
+              <a:spcAft>
+                <a:spcPts val="0"/>
+              </a:spcAft>
+              <a:buClrTx/>
+              <a:buSzTx/>
+              <a:buFontTx/>
+              <a:buNone/>
+              <a:tabLst/>
+              <a:defRPr/>
+            </a:pPr>
+            <a:r>
+              <a:rPr kumimoji="0" lang="en-US" sz="1200" b="0" i="0" u="none" strike="noStrike" kern="1200" cap="none" spc="0" normalizeH="0" baseline="0" noProof="0" dirty="0">
+                <a:ln>
+                  <a:noFill/>
+                </a:ln>
+                <a:solidFill>
+                  <a:prstClr val="black"/>
+                </a:solidFill>
+                <a:effectLst/>
+                <a:uLnTx/>
+                <a:uFillTx/>
+                <a:latin typeface="Arial" panose="020B0604020202020204" pitchFamily="34" charset="0"/>
+                <a:ea typeface="+mn-ea"/>
+                <a:cs typeface="Arial" panose="020B0604020202020204" pitchFamily="34" charset="0"/>
               </a:rPr>
-              <a:t>Welkom</a:t>
-            </a:r>
+              <a:t>Je </a:t>
+            </a:r>
+            <a:r>
+              <a:rPr kumimoji="0" lang="en-US" sz="1200" b="0" i="0" u="none" strike="noStrike" kern="1200" cap="none" spc="0" normalizeH="0" baseline="0" noProof="0" dirty="0" err="1">
+                <a:ln>
+                  <a:noFill/>
+                </a:ln>
+                <a:solidFill>
+                  <a:prstClr val="black"/>
+                </a:solidFill>
+                <a:effectLst/>
+                <a:uLnTx/>
+                <a:uFillTx/>
+                <a:latin typeface="Arial" panose="020B0604020202020204" pitchFamily="34" charset="0"/>
+                <a:ea typeface="+mn-ea"/>
+                <a:cs typeface="Arial" panose="020B0604020202020204" pitchFamily="34" charset="0"/>
+              </a:rPr>
+              <a:t>hoefde</a:t>
+            </a:r>
+            <a:r>
+              <a:rPr kumimoji="0" lang="en-US" sz="1200" b="0" i="0" u="none" strike="noStrike" kern="1200" cap="none" spc="0" normalizeH="0" baseline="0" noProof="0" dirty="0">
+                <a:ln>
+                  <a:noFill/>
+                </a:ln>
+                <a:solidFill>
+                  <a:prstClr val="black"/>
+                </a:solidFill>
+                <a:effectLst/>
+                <a:uLnTx/>
+                <a:uFillTx/>
+                <a:latin typeface="Arial" panose="020B0604020202020204" pitchFamily="34" charset="0"/>
+                <a:ea typeface="+mn-ea"/>
+                <a:cs typeface="Arial" panose="020B0604020202020204" pitchFamily="34" charset="0"/>
+              </a:rPr>
+              <a:t> </a:t>
+            </a:r>
+            <a:r>
+              <a:rPr kumimoji="0" lang="en-US" sz="1200" b="0" i="0" u="none" strike="noStrike" kern="1200" cap="none" spc="0" normalizeH="0" baseline="0" noProof="0" dirty="0" err="1">
+                <a:ln>
+                  <a:noFill/>
+                </a:ln>
+                <a:solidFill>
+                  <a:prstClr val="black"/>
+                </a:solidFill>
+                <a:effectLst/>
+                <a:uLnTx/>
+                <a:uFillTx/>
+                <a:latin typeface="Arial" panose="020B0604020202020204" pitchFamily="34" charset="0"/>
+                <a:ea typeface="+mn-ea"/>
+                <a:cs typeface="Arial" panose="020B0604020202020204" pitchFamily="34" charset="0"/>
+              </a:rPr>
+              <a:t>dus</a:t>
+            </a:r>
+            <a:r>
+              <a:rPr kumimoji="0" lang="en-US" sz="1200" b="0" i="0" u="none" strike="noStrike" kern="1200" cap="none" spc="0" normalizeH="0" baseline="0" noProof="0" dirty="0">
+                <a:ln>
+                  <a:noFill/>
+                </a:ln>
+                <a:solidFill>
+                  <a:prstClr val="black"/>
+                </a:solidFill>
+                <a:effectLst/>
+                <a:uLnTx/>
+                <a:uFillTx/>
+                <a:latin typeface="Arial" panose="020B0604020202020204" pitchFamily="34" charset="0"/>
+                <a:ea typeface="+mn-ea"/>
+                <a:cs typeface="Arial" panose="020B0604020202020204" pitchFamily="34" charset="0"/>
+              </a:rPr>
+              <a:t> maar 26 </a:t>
+            </a:r>
+            <a:r>
+              <a:rPr kumimoji="0" lang="en-US" sz="1200" b="0" i="0" u="none" strike="noStrike" kern="1200" cap="none" spc="0" normalizeH="0" baseline="0" noProof="0" dirty="0" err="1">
+                <a:ln>
+                  <a:noFill/>
+                </a:ln>
+                <a:solidFill>
+                  <a:prstClr val="black"/>
+                </a:solidFill>
+                <a:effectLst/>
+                <a:uLnTx/>
+                <a:uFillTx/>
+                <a:latin typeface="Arial" panose="020B0604020202020204" pitchFamily="34" charset="0"/>
+                <a:ea typeface="+mn-ea"/>
+                <a:cs typeface="Arial" panose="020B0604020202020204" pitchFamily="34" charset="0"/>
+              </a:rPr>
+              <a:t>sleutels</a:t>
+            </a:r>
+            <a:r>
+              <a:rPr kumimoji="0" lang="en-US" sz="1200" b="0" i="0" u="none" strike="noStrike" kern="1200" cap="none" spc="0" normalizeH="0" baseline="0" noProof="0" dirty="0">
+                <a:ln>
+                  <a:noFill/>
+                </a:ln>
+                <a:solidFill>
+                  <a:prstClr val="black"/>
+                </a:solidFill>
+                <a:effectLst/>
+                <a:uLnTx/>
+                <a:uFillTx/>
+                <a:latin typeface="Arial" panose="020B0604020202020204" pitchFamily="34" charset="0"/>
+                <a:ea typeface="+mn-ea"/>
+                <a:cs typeface="Arial" panose="020B0604020202020204" pitchFamily="34" charset="0"/>
+              </a:rPr>
+              <a:t> </a:t>
+            </a:r>
+            <a:r>
+              <a:rPr kumimoji="0" lang="en-US" sz="1200" b="0" i="0" u="none" strike="noStrike" kern="1200" cap="none" spc="0" normalizeH="0" baseline="0" noProof="0" dirty="0" err="1">
+                <a:ln>
+                  <a:noFill/>
+                </a:ln>
+                <a:solidFill>
+                  <a:prstClr val="black"/>
+                </a:solidFill>
+                <a:effectLst/>
+                <a:uLnTx/>
+                <a:uFillTx/>
+                <a:latin typeface="Arial" panose="020B0604020202020204" pitchFamily="34" charset="0"/>
+                <a:ea typeface="+mn-ea"/>
+                <a:cs typeface="Arial" panose="020B0604020202020204" pitchFamily="34" charset="0"/>
+              </a:rPr>
+              <a:t>te</a:t>
+            </a:r>
+            <a:r>
+              <a:rPr kumimoji="0" lang="en-US" sz="1200" b="0" i="0" u="none" strike="noStrike" kern="1200" cap="none" spc="0" normalizeH="0" baseline="0" noProof="0" dirty="0">
+                <a:ln>
+                  <a:noFill/>
+                </a:ln>
+                <a:solidFill>
+                  <a:prstClr val="black"/>
+                </a:solidFill>
+                <a:effectLst/>
+                <a:uLnTx/>
+                <a:uFillTx/>
+                <a:latin typeface="Arial" panose="020B0604020202020204" pitchFamily="34" charset="0"/>
+                <a:ea typeface="+mn-ea"/>
+                <a:cs typeface="Arial" panose="020B0604020202020204" pitchFamily="34" charset="0"/>
+              </a:rPr>
+              <a:t> </a:t>
+            </a:r>
+            <a:r>
+              <a:rPr kumimoji="0" lang="en-US" sz="1200" b="0" i="0" u="none" strike="noStrike" kern="1200" cap="none" spc="0" normalizeH="0" baseline="0" noProof="0" dirty="0" err="1">
+                <a:ln>
+                  <a:noFill/>
+                </a:ln>
+                <a:solidFill>
+                  <a:prstClr val="black"/>
+                </a:solidFill>
+                <a:effectLst/>
+                <a:uLnTx/>
+                <a:uFillTx/>
+                <a:latin typeface="Arial" panose="020B0604020202020204" pitchFamily="34" charset="0"/>
+                <a:ea typeface="+mn-ea"/>
+                <a:cs typeface="Arial" panose="020B0604020202020204" pitchFamily="34" charset="0"/>
+              </a:rPr>
+              <a:t>proberen</a:t>
+            </a:r>
+            <a:r>
+              <a:rPr kumimoji="0" lang="en-US" sz="1200" b="0" i="0" u="none" strike="noStrike" kern="1200" cap="none" spc="0" normalizeH="0" baseline="0" noProof="0" dirty="0">
+                <a:ln>
+                  <a:noFill/>
+                </a:ln>
+                <a:solidFill>
+                  <a:prstClr val="black"/>
+                </a:solidFill>
+                <a:effectLst/>
+                <a:uLnTx/>
+                <a:uFillTx/>
+                <a:latin typeface="Arial" panose="020B0604020202020204" pitchFamily="34" charset="0"/>
+                <a:ea typeface="+mn-ea"/>
+                <a:cs typeface="Arial" panose="020B0604020202020204" pitchFamily="34" charset="0"/>
+              </a:rPr>
+              <a:t> om het</a:t>
+            </a:r>
+          </a:p>
+          <a:p>
+            <a:pPr marL="0" marR="0" lvl="0" indent="0" algn="l" defTabSz="914400" rtl="0" eaLnBrk="1" fontAlgn="auto" latinLnBrk="0" hangingPunct="1">
+              <a:lnSpc>
+                <a:spcPct val="100000"/>
+              </a:lnSpc>
+              <a:spcBef>
+                <a:spcPts val="0"/>
+              </a:spcBef>
+              <a:spcAft>
+                <a:spcPts val="0"/>
+              </a:spcAft>
+              <a:buClrTx/>
+              <a:buSzTx/>
+              <a:buFontTx/>
+              <a:buNone/>
+              <a:tabLst/>
+              <a:defRPr/>
+            </a:pPr>
+            <a:r>
+              <a:rPr lang="en-US" sz="1200" dirty="0" err="1">
+                <a:solidFill>
+                  <a:prstClr val="black"/>
+                </a:solidFill>
+                <a:latin typeface="Arial" panose="020B0604020202020204" pitchFamily="34" charset="0"/>
+                <a:cs typeface="Arial" panose="020B0604020202020204" pitchFamily="34" charset="0"/>
+              </a:rPr>
+              <a:t>oorspronkelijke</a:t>
+            </a:r>
+            <a:r>
+              <a:rPr lang="en-US" sz="1200" dirty="0">
+                <a:solidFill>
+                  <a:prstClr val="black"/>
+                </a:solidFill>
+                <a:latin typeface="Arial" panose="020B0604020202020204" pitchFamily="34" charset="0"/>
+                <a:cs typeface="Arial" panose="020B0604020202020204" pitchFamily="34" charset="0"/>
+              </a:rPr>
+              <a:t> </a:t>
+            </a:r>
+            <a:r>
+              <a:rPr lang="en-US" sz="1200" dirty="0" err="1">
+                <a:solidFill>
+                  <a:prstClr val="black"/>
+                </a:solidFill>
+                <a:latin typeface="Arial" panose="020B0604020202020204" pitchFamily="34" charset="0"/>
+                <a:cs typeface="Arial" panose="020B0604020202020204" pitchFamily="34" charset="0"/>
+              </a:rPr>
+              <a:t>bericht</a:t>
+            </a:r>
+            <a:r>
+              <a:rPr lang="en-US" sz="1200" dirty="0">
+                <a:solidFill>
+                  <a:prstClr val="black"/>
+                </a:solidFill>
+                <a:latin typeface="Arial" panose="020B0604020202020204" pitchFamily="34" charset="0"/>
+                <a:cs typeface="Arial" panose="020B0604020202020204" pitchFamily="34" charset="0"/>
+              </a:rPr>
+              <a:t> </a:t>
+            </a:r>
+            <a:r>
+              <a:rPr lang="en-US" sz="1200" dirty="0" err="1">
+                <a:solidFill>
+                  <a:prstClr val="black"/>
+                </a:solidFill>
+                <a:latin typeface="Arial" panose="020B0604020202020204" pitchFamily="34" charset="0"/>
+                <a:cs typeface="Arial" panose="020B0604020202020204" pitchFamily="34" charset="0"/>
+              </a:rPr>
+              <a:t>terug</a:t>
+            </a:r>
+            <a:r>
+              <a:rPr lang="en-US" sz="1200" dirty="0">
+                <a:solidFill>
+                  <a:prstClr val="black"/>
+                </a:solidFill>
+                <a:latin typeface="Arial" panose="020B0604020202020204" pitchFamily="34" charset="0"/>
+                <a:cs typeface="Arial" panose="020B0604020202020204" pitchFamily="34" charset="0"/>
+              </a:rPr>
+              <a:t> </a:t>
+            </a:r>
+            <a:r>
+              <a:rPr lang="en-US" sz="1200" dirty="0" err="1">
+                <a:solidFill>
+                  <a:prstClr val="black"/>
+                </a:solidFill>
+                <a:latin typeface="Arial" panose="020B0604020202020204" pitchFamily="34" charset="0"/>
+                <a:cs typeface="Arial" panose="020B0604020202020204" pitchFamily="34" charset="0"/>
+              </a:rPr>
+              <a:t>te</a:t>
+            </a:r>
+            <a:r>
+              <a:rPr lang="en-US" sz="1200" dirty="0">
+                <a:solidFill>
+                  <a:prstClr val="black"/>
+                </a:solidFill>
+                <a:latin typeface="Arial" panose="020B0604020202020204" pitchFamily="34" charset="0"/>
+                <a:cs typeface="Arial" panose="020B0604020202020204" pitchFamily="34" charset="0"/>
+              </a:rPr>
+              <a:t> </a:t>
+            </a:r>
+            <a:r>
+              <a:rPr lang="en-US" sz="1200" dirty="0" err="1">
+                <a:solidFill>
+                  <a:prstClr val="black"/>
+                </a:solidFill>
+                <a:latin typeface="Arial" panose="020B0604020202020204" pitchFamily="34" charset="0"/>
+                <a:cs typeface="Arial" panose="020B0604020202020204" pitchFamily="34" charset="0"/>
+              </a:rPr>
+              <a:t>kunnen</a:t>
+            </a:r>
+            <a:r>
+              <a:rPr lang="en-US" sz="1200" dirty="0">
+                <a:solidFill>
+                  <a:prstClr val="black"/>
+                </a:solidFill>
+                <a:latin typeface="Arial" panose="020B0604020202020204" pitchFamily="34" charset="0"/>
+                <a:cs typeface="Arial" panose="020B0604020202020204" pitchFamily="34" charset="0"/>
+              </a:rPr>
+              <a:t> </a:t>
+            </a:r>
+            <a:r>
+              <a:rPr lang="en-US" sz="1200" err="1">
+                <a:solidFill>
+                  <a:prstClr val="black"/>
+                </a:solidFill>
+                <a:latin typeface="Arial" panose="020B0604020202020204" pitchFamily="34" charset="0"/>
+                <a:cs typeface="Arial" panose="020B0604020202020204" pitchFamily="34" charset="0"/>
+              </a:rPr>
+              <a:t>vinden</a:t>
+            </a:r>
+            <a:r>
+              <a:rPr lang="en-US" sz="1200">
+                <a:solidFill>
+                  <a:prstClr val="black"/>
+                </a:solidFill>
+                <a:latin typeface="Arial" panose="020B0604020202020204" pitchFamily="34" charset="0"/>
+                <a:cs typeface="Arial" panose="020B0604020202020204" pitchFamily="34" charset="0"/>
+              </a:rPr>
+              <a:t>. En hiervan is er ook een die de tekst hetzelfde laat.</a:t>
+            </a:r>
+            <a:endParaRPr lang="en-US" sz="1200" dirty="0">
+              <a:solidFill>
+                <a:prstClr val="black"/>
+              </a:solidFill>
+              <a:latin typeface="Arial" panose="020B0604020202020204" pitchFamily="34" charset="0"/>
+              <a:cs typeface="Arial" panose="020B0604020202020204" pitchFamily="34" charset="0"/>
+            </a:endParaRPr>
           </a:p>
         </p:txBody>
       </p:sp>
       <p:sp>
         <p:nvSpPr>
-          <p:cNvPr id="12292" name="Slide Number Placeholder 3"/>
+          <p:cNvPr id="14340" name="Slide Number Placeholder 3"/>
           <p:cNvSpPr>
             <a:spLocks noGrp="1"/>
           </p:cNvSpPr>
@@ -712,7 +1055,7 @@
               <a:tabLst/>
               <a:defRPr/>
             </a:pPr>
-            <a:fld id="{2F56CDD1-9B86-41AC-A3D4-682052F606B0}" type="slidenum">
+            <a:fld id="{5B98AB49-F73B-4A06-B27F-EB60EF46E870}" type="slidenum">
               <a:rPr kumimoji="0" lang="nl-NL" altLang="nl-NL" sz="1200" b="0" i="0" u="none" strike="noStrike" kern="1200" cap="none" spc="0" normalizeH="0" baseline="0" noProof="0" smtClean="0">
                 <a:ln>
                   <a:noFill/>
@@ -744,7 +1087,7 @@
                 <a:tabLst/>
                 <a:defRPr/>
               </a:pPr>
-              <a:t>1</a:t>
+              <a:t>2</a:t>
             </a:fld>
             <a:endParaRPr kumimoji="0" lang="nl-NL" altLang="nl-NL" sz="1200" b="0" i="0" u="none" strike="noStrike" kern="1200" cap="none" spc="0" normalizeH="0" baseline="0" noProof="0">
               <a:ln>
@@ -766,7 +1109,7 @@
     </p:spTree>
     <p:extLst>
       <p:ext uri="{BB962C8B-B14F-4D97-AF65-F5344CB8AC3E}">
-        <p14:creationId xmlns:p14="http://schemas.microsoft.com/office/powerpoint/2010/main" val="600982218"/>
+        <p14:creationId xmlns:p14="http://schemas.microsoft.com/office/powerpoint/2010/main" val="983814814"/>
       </p:ext>
     </p:extLst>
   </p:cSld>
@@ -844,356 +1187,13 @@
           <a:bodyPr/>
           <a:lstStyle/>
           <a:p>
-            <a:pPr marL="0" marR="0" lvl="0" indent="0" algn="l" defTabSz="914400" rtl="0" eaLnBrk="1" fontAlgn="auto" latinLnBrk="0" hangingPunct="1">
-              <a:lnSpc>
-                <a:spcPct val="100000"/>
-              </a:lnSpc>
-              <a:spcBef>
-                <a:spcPts val="0"/>
-              </a:spcBef>
-              <a:spcAft>
-                <a:spcPts val="0"/>
-              </a:spcAft>
-              <a:buClrTx/>
-              <a:buSzTx/>
-              <a:buFontTx/>
-              <a:buNone/>
-              <a:tabLst/>
-              <a:defRPr/>
-            </a:pPr>
-            <a:r>
-              <a:rPr kumimoji="0" lang="en-US" sz="1200" b="0" i="0" u="none" strike="noStrike" kern="1200" cap="none" spc="0" normalizeH="0" baseline="0" noProof="0" dirty="0">
-                <a:ln>
-                  <a:noFill/>
-                </a:ln>
-                <a:solidFill>
-                  <a:prstClr val="black"/>
-                </a:solidFill>
-                <a:effectLst/>
-                <a:uLnTx/>
-                <a:uFillTx/>
-                <a:latin typeface="Arial" panose="020B0604020202020204" pitchFamily="34" charset="0"/>
-                <a:ea typeface="+mn-ea"/>
-                <a:cs typeface="Arial" panose="020B0604020202020204" pitchFamily="34" charset="0"/>
+            <a:r>
+              <a:rPr lang="nl-NL" altLang="nl-NL" dirty="0">
+                <a:latin typeface="Arial" panose="020B0604020202020204" pitchFamily="34" charset="0"/>
+                <a:ea typeface="ＭＳ Ｐゴシック" panose="020B0600070205080204" pitchFamily="34" charset="-128"/>
               </a:rPr>
-              <a:t>Je </a:t>
-            </a:r>
-            <a:r>
-              <a:rPr kumimoji="0" lang="en-US" sz="1200" b="0" i="0" u="none" strike="noStrike" kern="1200" cap="none" spc="0" normalizeH="0" baseline="0" noProof="0" dirty="0" err="1">
-                <a:ln>
-                  <a:noFill/>
-                </a:ln>
-                <a:solidFill>
-                  <a:prstClr val="black"/>
-                </a:solidFill>
-                <a:effectLst/>
-                <a:uLnTx/>
-                <a:uFillTx/>
-                <a:latin typeface="Arial" panose="020B0604020202020204" pitchFamily="34" charset="0"/>
-                <a:ea typeface="+mn-ea"/>
-                <a:cs typeface="Arial" panose="020B0604020202020204" pitchFamily="34" charset="0"/>
-              </a:rPr>
-              <a:t>hoefde</a:t>
-            </a:r>
-            <a:r>
-              <a:rPr kumimoji="0" lang="en-US" sz="1200" b="0" i="0" u="none" strike="noStrike" kern="1200" cap="none" spc="0" normalizeH="0" baseline="0" noProof="0" dirty="0">
-                <a:ln>
-                  <a:noFill/>
-                </a:ln>
-                <a:solidFill>
-                  <a:prstClr val="black"/>
-                </a:solidFill>
-                <a:effectLst/>
-                <a:uLnTx/>
-                <a:uFillTx/>
-                <a:latin typeface="Arial" panose="020B0604020202020204" pitchFamily="34" charset="0"/>
-                <a:ea typeface="+mn-ea"/>
-                <a:cs typeface="Arial" panose="020B0604020202020204" pitchFamily="34" charset="0"/>
-              </a:rPr>
-              <a:t> </a:t>
-            </a:r>
-            <a:r>
-              <a:rPr kumimoji="0" lang="en-US" sz="1200" b="0" i="0" u="none" strike="noStrike" kern="1200" cap="none" spc="0" normalizeH="0" baseline="0" noProof="0" dirty="0" err="1">
-                <a:ln>
-                  <a:noFill/>
-                </a:ln>
-                <a:solidFill>
-                  <a:prstClr val="black"/>
-                </a:solidFill>
-                <a:effectLst/>
-                <a:uLnTx/>
-                <a:uFillTx/>
-                <a:latin typeface="Arial" panose="020B0604020202020204" pitchFamily="34" charset="0"/>
-                <a:ea typeface="+mn-ea"/>
-                <a:cs typeface="Arial" panose="020B0604020202020204" pitchFamily="34" charset="0"/>
-              </a:rPr>
-              <a:t>dus</a:t>
-            </a:r>
-            <a:r>
-              <a:rPr kumimoji="0" lang="en-US" sz="1200" b="0" i="0" u="none" strike="noStrike" kern="1200" cap="none" spc="0" normalizeH="0" baseline="0" noProof="0" dirty="0">
-                <a:ln>
-                  <a:noFill/>
-                </a:ln>
-                <a:solidFill>
-                  <a:prstClr val="black"/>
-                </a:solidFill>
-                <a:effectLst/>
-                <a:uLnTx/>
-                <a:uFillTx/>
-                <a:latin typeface="Arial" panose="020B0604020202020204" pitchFamily="34" charset="0"/>
-                <a:ea typeface="+mn-ea"/>
-                <a:cs typeface="Arial" panose="020B0604020202020204" pitchFamily="34" charset="0"/>
-              </a:rPr>
-              <a:t> maar 26 </a:t>
-            </a:r>
-            <a:r>
-              <a:rPr kumimoji="0" lang="en-US" sz="1200" b="0" i="0" u="none" strike="noStrike" kern="1200" cap="none" spc="0" normalizeH="0" baseline="0" noProof="0" dirty="0" err="1">
-                <a:ln>
-                  <a:noFill/>
-                </a:ln>
-                <a:solidFill>
-                  <a:prstClr val="black"/>
-                </a:solidFill>
-                <a:effectLst/>
-                <a:uLnTx/>
-                <a:uFillTx/>
-                <a:latin typeface="Arial" panose="020B0604020202020204" pitchFamily="34" charset="0"/>
-                <a:ea typeface="+mn-ea"/>
-                <a:cs typeface="Arial" panose="020B0604020202020204" pitchFamily="34" charset="0"/>
-              </a:rPr>
-              <a:t>sleutels</a:t>
-            </a:r>
-            <a:r>
-              <a:rPr kumimoji="0" lang="en-US" sz="1200" b="0" i="0" u="none" strike="noStrike" kern="1200" cap="none" spc="0" normalizeH="0" baseline="0" noProof="0" dirty="0">
-                <a:ln>
-                  <a:noFill/>
-                </a:ln>
-                <a:solidFill>
-                  <a:prstClr val="black"/>
-                </a:solidFill>
-                <a:effectLst/>
-                <a:uLnTx/>
-                <a:uFillTx/>
-                <a:latin typeface="Arial" panose="020B0604020202020204" pitchFamily="34" charset="0"/>
-                <a:ea typeface="+mn-ea"/>
-                <a:cs typeface="Arial" panose="020B0604020202020204" pitchFamily="34" charset="0"/>
-              </a:rPr>
-              <a:t> </a:t>
-            </a:r>
-            <a:r>
-              <a:rPr kumimoji="0" lang="en-US" sz="1200" b="0" i="0" u="none" strike="noStrike" kern="1200" cap="none" spc="0" normalizeH="0" baseline="0" noProof="0" dirty="0" err="1">
-                <a:ln>
-                  <a:noFill/>
-                </a:ln>
-                <a:solidFill>
-                  <a:prstClr val="black"/>
-                </a:solidFill>
-                <a:effectLst/>
-                <a:uLnTx/>
-                <a:uFillTx/>
-                <a:latin typeface="Arial" panose="020B0604020202020204" pitchFamily="34" charset="0"/>
-                <a:ea typeface="+mn-ea"/>
-                <a:cs typeface="Arial" panose="020B0604020202020204" pitchFamily="34" charset="0"/>
-              </a:rPr>
-              <a:t>te</a:t>
-            </a:r>
-            <a:r>
-              <a:rPr kumimoji="0" lang="en-US" sz="1200" b="0" i="0" u="none" strike="noStrike" kern="1200" cap="none" spc="0" normalizeH="0" baseline="0" noProof="0" dirty="0">
-                <a:ln>
-                  <a:noFill/>
-                </a:ln>
-                <a:solidFill>
-                  <a:prstClr val="black"/>
-                </a:solidFill>
-                <a:effectLst/>
-                <a:uLnTx/>
-                <a:uFillTx/>
-                <a:latin typeface="Arial" panose="020B0604020202020204" pitchFamily="34" charset="0"/>
-                <a:ea typeface="+mn-ea"/>
-                <a:cs typeface="Arial" panose="020B0604020202020204" pitchFamily="34" charset="0"/>
-              </a:rPr>
-              <a:t> </a:t>
-            </a:r>
-            <a:r>
-              <a:rPr kumimoji="0" lang="en-US" sz="1200" b="0" i="0" u="none" strike="noStrike" kern="1200" cap="none" spc="0" normalizeH="0" baseline="0" noProof="0" dirty="0" err="1">
-                <a:ln>
-                  <a:noFill/>
-                </a:ln>
-                <a:solidFill>
-                  <a:prstClr val="black"/>
-                </a:solidFill>
-                <a:effectLst/>
-                <a:uLnTx/>
-                <a:uFillTx/>
-                <a:latin typeface="Arial" panose="020B0604020202020204" pitchFamily="34" charset="0"/>
-                <a:ea typeface="+mn-ea"/>
-                <a:cs typeface="Arial" panose="020B0604020202020204" pitchFamily="34" charset="0"/>
-              </a:rPr>
-              <a:t>proberen</a:t>
-            </a:r>
-            <a:r>
-              <a:rPr kumimoji="0" lang="en-US" sz="1200" b="0" i="0" u="none" strike="noStrike" kern="1200" cap="none" spc="0" normalizeH="0" baseline="0" noProof="0" dirty="0">
-                <a:ln>
-                  <a:noFill/>
-                </a:ln>
-                <a:solidFill>
-                  <a:prstClr val="black"/>
-                </a:solidFill>
-                <a:effectLst/>
-                <a:uLnTx/>
-                <a:uFillTx/>
-                <a:latin typeface="Arial" panose="020B0604020202020204" pitchFamily="34" charset="0"/>
-                <a:ea typeface="+mn-ea"/>
-                <a:cs typeface="Arial" panose="020B0604020202020204" pitchFamily="34" charset="0"/>
-              </a:rPr>
-              <a:t> om het</a:t>
-            </a:r>
-          </a:p>
-          <a:p>
-            <a:pPr marL="0" marR="0" lvl="0" indent="0" algn="l" defTabSz="914400" rtl="0" eaLnBrk="1" fontAlgn="auto" latinLnBrk="0" hangingPunct="1">
-              <a:lnSpc>
-                <a:spcPct val="100000"/>
-              </a:lnSpc>
-              <a:spcBef>
-                <a:spcPts val="0"/>
-              </a:spcBef>
-              <a:spcAft>
-                <a:spcPts val="0"/>
-              </a:spcAft>
-              <a:buClrTx/>
-              <a:buSzTx/>
-              <a:buFontTx/>
-              <a:buNone/>
-              <a:tabLst/>
-              <a:defRPr/>
-            </a:pPr>
-            <a:r>
-              <a:rPr lang="en-US" sz="1200" dirty="0" err="1">
-                <a:solidFill>
-                  <a:prstClr val="black"/>
-                </a:solidFill>
-                <a:latin typeface="Arial" panose="020B0604020202020204" pitchFamily="34" charset="0"/>
-                <a:cs typeface="Arial" panose="020B0604020202020204" pitchFamily="34" charset="0"/>
-              </a:rPr>
-              <a:t>oorspronkelijke</a:t>
-            </a:r>
-            <a:r>
-              <a:rPr lang="en-US" sz="1200" dirty="0">
-                <a:solidFill>
-                  <a:prstClr val="black"/>
-                </a:solidFill>
-                <a:latin typeface="Arial" panose="020B0604020202020204" pitchFamily="34" charset="0"/>
-                <a:cs typeface="Arial" panose="020B0604020202020204" pitchFamily="34" charset="0"/>
-              </a:rPr>
-              <a:t> </a:t>
-            </a:r>
-            <a:r>
-              <a:rPr lang="en-US" sz="1200" dirty="0" err="1">
-                <a:solidFill>
-                  <a:prstClr val="black"/>
-                </a:solidFill>
-                <a:latin typeface="Arial" panose="020B0604020202020204" pitchFamily="34" charset="0"/>
-                <a:cs typeface="Arial" panose="020B0604020202020204" pitchFamily="34" charset="0"/>
-              </a:rPr>
-              <a:t>bericht</a:t>
-            </a:r>
-            <a:r>
-              <a:rPr lang="en-US" sz="1200" dirty="0">
-                <a:solidFill>
-                  <a:prstClr val="black"/>
-                </a:solidFill>
-                <a:latin typeface="Arial" panose="020B0604020202020204" pitchFamily="34" charset="0"/>
-                <a:cs typeface="Arial" panose="020B0604020202020204" pitchFamily="34" charset="0"/>
-              </a:rPr>
-              <a:t> </a:t>
-            </a:r>
-            <a:r>
-              <a:rPr lang="en-US" sz="1200" dirty="0" err="1">
-                <a:solidFill>
-                  <a:prstClr val="black"/>
-                </a:solidFill>
-                <a:latin typeface="Arial" panose="020B0604020202020204" pitchFamily="34" charset="0"/>
-                <a:cs typeface="Arial" panose="020B0604020202020204" pitchFamily="34" charset="0"/>
-              </a:rPr>
-              <a:t>terug</a:t>
-            </a:r>
-            <a:r>
-              <a:rPr lang="en-US" sz="1200" dirty="0">
-                <a:solidFill>
-                  <a:prstClr val="black"/>
-                </a:solidFill>
-                <a:latin typeface="Arial" panose="020B0604020202020204" pitchFamily="34" charset="0"/>
-                <a:cs typeface="Arial" panose="020B0604020202020204" pitchFamily="34" charset="0"/>
-              </a:rPr>
-              <a:t> </a:t>
-            </a:r>
-            <a:r>
-              <a:rPr lang="en-US" sz="1200" dirty="0" err="1">
-                <a:solidFill>
-                  <a:prstClr val="black"/>
-                </a:solidFill>
-                <a:latin typeface="Arial" panose="020B0604020202020204" pitchFamily="34" charset="0"/>
-                <a:cs typeface="Arial" panose="020B0604020202020204" pitchFamily="34" charset="0"/>
-              </a:rPr>
-              <a:t>te</a:t>
-            </a:r>
-            <a:r>
-              <a:rPr lang="en-US" sz="1200" dirty="0">
-                <a:solidFill>
-                  <a:prstClr val="black"/>
-                </a:solidFill>
-                <a:latin typeface="Arial" panose="020B0604020202020204" pitchFamily="34" charset="0"/>
-                <a:cs typeface="Arial" panose="020B0604020202020204" pitchFamily="34" charset="0"/>
-              </a:rPr>
-              <a:t> </a:t>
-            </a:r>
-            <a:r>
-              <a:rPr lang="en-US" sz="1200" dirty="0" err="1">
-                <a:solidFill>
-                  <a:prstClr val="black"/>
-                </a:solidFill>
-                <a:latin typeface="Arial" panose="020B0604020202020204" pitchFamily="34" charset="0"/>
-                <a:cs typeface="Arial" panose="020B0604020202020204" pitchFamily="34" charset="0"/>
-              </a:rPr>
-              <a:t>kunnen</a:t>
-            </a:r>
-            <a:r>
-              <a:rPr lang="en-US" sz="1200" dirty="0">
-                <a:solidFill>
-                  <a:prstClr val="black"/>
-                </a:solidFill>
-                <a:latin typeface="Arial" panose="020B0604020202020204" pitchFamily="34" charset="0"/>
-                <a:cs typeface="Arial" panose="020B0604020202020204" pitchFamily="34" charset="0"/>
-              </a:rPr>
-              <a:t> </a:t>
-            </a:r>
-            <a:r>
-              <a:rPr lang="en-US" sz="1200" err="1">
-                <a:solidFill>
-                  <a:prstClr val="black"/>
-                </a:solidFill>
-                <a:latin typeface="Arial" panose="020B0604020202020204" pitchFamily="34" charset="0"/>
-                <a:cs typeface="Arial" panose="020B0604020202020204" pitchFamily="34" charset="0"/>
-              </a:rPr>
-              <a:t>vinden</a:t>
-            </a:r>
-            <a:r>
-              <a:rPr lang="en-US" sz="1200">
-                <a:solidFill>
-                  <a:prstClr val="black"/>
-                </a:solidFill>
-                <a:latin typeface="Arial" panose="020B0604020202020204" pitchFamily="34" charset="0"/>
-                <a:cs typeface="Arial" panose="020B0604020202020204" pitchFamily="34" charset="0"/>
-              </a:rPr>
-              <a:t>. En hiervan is er ook een die de tekst hetzelfde laat.</a:t>
-            </a:r>
-            <a:endParaRPr lang="en-US" sz="1200" dirty="0">
-              <a:solidFill>
-                <a:prstClr val="black"/>
-              </a:solidFill>
-              <a:latin typeface="Arial" panose="020B0604020202020204" pitchFamily="34" charset="0"/>
-              <a:cs typeface="Arial" panose="020B0604020202020204" pitchFamily="34" charset="0"/>
-            </a:endParaRPr>
+              <a:t>Geen opmerking hier.</a:t>
+            </a:r>
           </a:p>
         </p:txBody>
       </p:sp>
@@ -1389,7 +1389,7 @@
                 <a:tabLst/>
                 <a:defRPr/>
               </a:pPr>
-              <a:t>2</a:t>
+              <a:t>3</a:t>
             </a:fld>
             <a:endParaRPr kumimoji="0" lang="nl-NL" altLang="nl-NL" sz="1200" b="0" i="0" u="none" strike="noStrike" kern="1200" cap="none" spc="0" normalizeH="0" baseline="0" noProof="0">
               <a:ln>
@@ -1411,7 +1411,7 @@
     </p:spTree>
     <p:extLst>
       <p:ext uri="{BB962C8B-B14F-4D97-AF65-F5344CB8AC3E}">
-        <p14:creationId xmlns:p14="http://schemas.microsoft.com/office/powerpoint/2010/main" val="983814814"/>
+        <p14:creationId xmlns:p14="http://schemas.microsoft.com/office/powerpoint/2010/main" val="1213106658"/>
       </p:ext>
     </p:extLst>
   </p:cSld>
@@ -1691,7 +1691,7 @@
                 <a:tabLst/>
                 <a:defRPr/>
               </a:pPr>
-              <a:t>3</a:t>
+              <a:t>4</a:t>
             </a:fld>
             <a:endParaRPr kumimoji="0" lang="nl-NL" altLang="nl-NL" sz="1200" b="0" i="0" u="none" strike="noStrike" kern="1200" cap="none" spc="0" normalizeH="0" baseline="0" noProof="0">
               <a:ln>
@@ -1713,7 +1713,7 @@
     </p:spTree>
     <p:extLst>
       <p:ext uri="{BB962C8B-B14F-4D97-AF65-F5344CB8AC3E}">
-        <p14:creationId xmlns:p14="http://schemas.microsoft.com/office/powerpoint/2010/main" val="1213106658"/>
+        <p14:creationId xmlns:p14="http://schemas.microsoft.com/office/powerpoint/2010/main" val="4145604457"/>
       </p:ext>
     </p:extLst>
   </p:cSld>
@@ -1796,7 +1796,16 @@
                 <a:latin typeface="Arial" panose="020B0604020202020204" pitchFamily="34" charset="0"/>
                 <a:ea typeface="ＭＳ Ｐゴシック" panose="020B0600070205080204" pitchFamily="34" charset="-128"/>
               </a:rPr>
-              <a:t>Geen opmerking hier.</a:t>
+              <a:t>https://cryptii.com/pipes/vigenere-cipher</a:t>
+            </a:r>
+          </a:p>
+          <a:p>
+            <a:r>
+              <a:rPr lang="nl-NL" altLang="nl-NL" dirty="0">
+                <a:latin typeface="Arial" panose="020B0604020202020204" pitchFamily="34" charset="0"/>
+                <a:ea typeface="ＭＳ Ｐゴシック" panose="020B0600070205080204" pitchFamily="34" charset="-128"/>
+              </a:rPr>
+              <a:t>NESPW MRPLQ IMR</a:t>
             </a:r>
           </a:p>
         </p:txBody>
@@ -1993,7 +2002,7 @@
                 <a:tabLst/>
                 <a:defRPr/>
               </a:pPr>
-              <a:t>4</a:t>
+              <a:t>5</a:t>
             </a:fld>
             <a:endParaRPr kumimoji="0" lang="nl-NL" altLang="nl-NL" sz="1200" b="0" i="0" u="none" strike="noStrike" kern="1200" cap="none" spc="0" normalizeH="0" baseline="0" noProof="0">
               <a:ln>
@@ -2015,7 +2024,7 @@
     </p:spTree>
     <p:extLst>
       <p:ext uri="{BB962C8B-B14F-4D97-AF65-F5344CB8AC3E}">
-        <p14:creationId xmlns:p14="http://schemas.microsoft.com/office/powerpoint/2010/main" val="4145604457"/>
+        <p14:creationId xmlns:p14="http://schemas.microsoft.com/office/powerpoint/2010/main" val="1349199736"/>
       </p:ext>
     </p:extLst>
   </p:cSld>
@@ -2304,7 +2313,7 @@
                 <a:tabLst/>
                 <a:defRPr/>
               </a:pPr>
-              <a:t>5</a:t>
+              <a:t>6</a:t>
             </a:fld>
             <a:endParaRPr kumimoji="0" lang="nl-NL" altLang="nl-NL" sz="1200" b="0" i="0" u="none" strike="noStrike" kern="1200" cap="none" spc="0" normalizeH="0" baseline="0" noProof="0">
               <a:ln>
@@ -2326,7 +2335,7 @@
     </p:spTree>
     <p:extLst>
       <p:ext uri="{BB962C8B-B14F-4D97-AF65-F5344CB8AC3E}">
-        <p14:creationId xmlns:p14="http://schemas.microsoft.com/office/powerpoint/2010/main" val="1349199736"/>
+        <p14:creationId xmlns:p14="http://schemas.microsoft.com/office/powerpoint/2010/main" val="1949370584"/>
       </p:ext>
     </p:extLst>
   </p:cSld>
@@ -2418,7 +2427,7 @@
                 <a:latin typeface="Arial" panose="020B0604020202020204" pitchFamily="34" charset="0"/>
                 <a:ea typeface="ＭＳ Ｐゴシック" panose="020B0600070205080204" pitchFamily="34" charset="-128"/>
               </a:rPr>
-              <a:t>NESPW MRPLQ IMR</a:t>
+              <a:t>GOEDGEDAAN</a:t>
             </a:r>
           </a:p>
         </p:txBody>
@@ -2615,7 +2624,7 @@
                 <a:tabLst/>
                 <a:defRPr/>
               </a:pPr>
-              <a:t>6</a:t>
+              <a:t>7</a:t>
             </a:fld>
             <a:endParaRPr kumimoji="0" lang="nl-NL" altLang="nl-NL" sz="1200" b="0" i="0" u="none" strike="noStrike" kern="1200" cap="none" spc="0" normalizeH="0" baseline="0" noProof="0">
               <a:ln>
@@ -2637,7 +2646,7 @@
     </p:spTree>
     <p:extLst>
       <p:ext uri="{BB962C8B-B14F-4D97-AF65-F5344CB8AC3E}">
-        <p14:creationId xmlns:p14="http://schemas.microsoft.com/office/powerpoint/2010/main" val="1949370584"/>
+        <p14:creationId xmlns:p14="http://schemas.microsoft.com/office/powerpoint/2010/main" val="2856251946"/>
       </p:ext>
     </p:extLst>
   </p:cSld>
@@ -2715,317 +2724,6 @@
           <a:bodyPr/>
           <a:lstStyle/>
           <a:p>
-            <a:r>
-              <a:rPr lang="nl-NL" altLang="nl-NL" dirty="0">
-                <a:latin typeface="Arial" panose="020B0604020202020204" pitchFamily="34" charset="0"/>
-                <a:ea typeface="ＭＳ Ｐゴシック" panose="020B0600070205080204" pitchFamily="34" charset="-128"/>
-              </a:rPr>
-              <a:t>https://cryptii.com/pipes/vigenere-cipher</a:t>
-            </a:r>
-          </a:p>
-          <a:p>
-            <a:r>
-              <a:rPr lang="nl-NL" altLang="nl-NL" dirty="0">
-                <a:latin typeface="Arial" panose="020B0604020202020204" pitchFamily="34" charset="0"/>
-                <a:ea typeface="ＭＳ Ｐゴシック" panose="020B0600070205080204" pitchFamily="34" charset="-128"/>
-              </a:rPr>
-              <a:t>GOEDGEDAAN</a:t>
-            </a:r>
-          </a:p>
-        </p:txBody>
-      </p:sp>
-      <p:sp>
-        <p:nvSpPr>
-          <p:cNvPr id="14340" name="Slide Number Placeholder 3"/>
-          <p:cNvSpPr>
-            <a:spLocks noGrp="1"/>
-          </p:cNvSpPr>
-          <p:nvPr>
-            <p:ph type="sldNum" sz="quarter" idx="5"/>
-          </p:nvPr>
-        </p:nvSpPr>
-        <p:spPr>
-          <a:noFill/>
-          <a:ln/>
-          <a:extLst>
-            <a:ext uri="{909E8E84-426E-40DD-AFC4-6F175D3DCCD1}">
-              <a14:hiddenFill xmlns:a14="http://schemas.microsoft.com/office/drawing/2010/main">
-                <a:solidFill>
-                  <a:srgbClr val="FFFFFF"/>
-                </a:solidFill>
-              </a14:hiddenFill>
-            </a:ext>
-            <a:ext uri="{91240B29-F687-4F45-9708-019B960494DF}">
-              <a14:hiddenLine xmlns:a14="http://schemas.microsoft.com/office/drawing/2010/main" w="9525">
-                <a:solidFill>
-                  <a:srgbClr val="000000"/>
-                </a:solidFill>
-                <a:miter lim="800000"/>
-                <a:headEnd/>
-                <a:tailEnd/>
-              </a14:hiddenLine>
-            </a:ext>
-          </a:extLst>
-        </p:spPr>
-        <p:txBody>
-          <a:bodyPr/>
-          <a:lstStyle>
-            <a:lvl1pPr>
-              <a:defRPr sz="2400" baseline="-25000">
-                <a:solidFill>
-                  <a:schemeClr val="tx1"/>
-                </a:solidFill>
-                <a:latin typeface="Arial" panose="020B0604020202020204" pitchFamily="34" charset="0"/>
-                <a:ea typeface="ＭＳ Ｐゴシック" panose="020B0600070205080204" pitchFamily="34" charset="-128"/>
-              </a:defRPr>
-            </a:lvl1pPr>
-            <a:lvl2pPr marL="742950" indent="-285750">
-              <a:defRPr sz="2400" baseline="-25000">
-                <a:solidFill>
-                  <a:schemeClr val="tx1"/>
-                </a:solidFill>
-                <a:latin typeface="Arial" panose="020B0604020202020204" pitchFamily="34" charset="0"/>
-                <a:ea typeface="ＭＳ Ｐゴシック" panose="020B0600070205080204" pitchFamily="34" charset="-128"/>
-              </a:defRPr>
-            </a:lvl2pPr>
-            <a:lvl3pPr marL="1143000" indent="-228600">
-              <a:defRPr sz="2400" baseline="-25000">
-                <a:solidFill>
-                  <a:schemeClr val="tx1"/>
-                </a:solidFill>
-                <a:latin typeface="Arial" panose="020B0604020202020204" pitchFamily="34" charset="0"/>
-                <a:ea typeface="ＭＳ Ｐゴシック" panose="020B0600070205080204" pitchFamily="34" charset="-128"/>
-              </a:defRPr>
-            </a:lvl3pPr>
-            <a:lvl4pPr marL="1600200" indent="-228600">
-              <a:defRPr sz="2400" baseline="-25000">
-                <a:solidFill>
-                  <a:schemeClr val="tx1"/>
-                </a:solidFill>
-                <a:latin typeface="Arial" panose="020B0604020202020204" pitchFamily="34" charset="0"/>
-                <a:ea typeface="ＭＳ Ｐゴシック" panose="020B0600070205080204" pitchFamily="34" charset="-128"/>
-              </a:defRPr>
-            </a:lvl4pPr>
-            <a:lvl5pPr marL="2057400" indent="-228600">
-              <a:defRPr sz="2400" baseline="-25000">
-                <a:solidFill>
-                  <a:schemeClr val="tx1"/>
-                </a:solidFill>
-                <a:latin typeface="Arial" panose="020B0604020202020204" pitchFamily="34" charset="0"/>
-                <a:ea typeface="ＭＳ Ｐゴシック" panose="020B0600070205080204" pitchFamily="34" charset="-128"/>
-              </a:defRPr>
-            </a:lvl5pPr>
-            <a:lvl6pPr marL="2514600" indent="-228600" eaLnBrk="0" fontAlgn="base" hangingPunct="0">
-              <a:spcBef>
-                <a:spcPct val="0"/>
-              </a:spcBef>
-              <a:spcAft>
-                <a:spcPct val="0"/>
-              </a:spcAft>
-              <a:defRPr sz="2400" baseline="-25000">
-                <a:solidFill>
-                  <a:schemeClr val="tx1"/>
-                </a:solidFill>
-                <a:latin typeface="Arial" panose="020B0604020202020204" pitchFamily="34" charset="0"/>
-                <a:ea typeface="ＭＳ Ｐゴシック" panose="020B0600070205080204" pitchFamily="34" charset="-128"/>
-              </a:defRPr>
-            </a:lvl6pPr>
-            <a:lvl7pPr marL="2971800" indent="-228600" eaLnBrk="0" fontAlgn="base" hangingPunct="0">
-              <a:spcBef>
-                <a:spcPct val="0"/>
-              </a:spcBef>
-              <a:spcAft>
-                <a:spcPct val="0"/>
-              </a:spcAft>
-              <a:defRPr sz="2400" baseline="-25000">
-                <a:solidFill>
-                  <a:schemeClr val="tx1"/>
-                </a:solidFill>
-                <a:latin typeface="Arial" panose="020B0604020202020204" pitchFamily="34" charset="0"/>
-                <a:ea typeface="ＭＳ Ｐゴシック" panose="020B0600070205080204" pitchFamily="34" charset="-128"/>
-              </a:defRPr>
-            </a:lvl7pPr>
-            <a:lvl8pPr marL="3429000" indent="-228600" eaLnBrk="0" fontAlgn="base" hangingPunct="0">
-              <a:spcBef>
-                <a:spcPct val="0"/>
-              </a:spcBef>
-              <a:spcAft>
-                <a:spcPct val="0"/>
-              </a:spcAft>
-              <a:defRPr sz="2400" baseline="-25000">
-                <a:solidFill>
-                  <a:schemeClr val="tx1"/>
-                </a:solidFill>
-                <a:latin typeface="Arial" panose="020B0604020202020204" pitchFamily="34" charset="0"/>
-                <a:ea typeface="ＭＳ Ｐゴシック" panose="020B0600070205080204" pitchFamily="34" charset="-128"/>
-              </a:defRPr>
-            </a:lvl8pPr>
-            <a:lvl9pPr marL="3886200" indent="-228600" eaLnBrk="0" fontAlgn="base" hangingPunct="0">
-              <a:spcBef>
-                <a:spcPct val="0"/>
-              </a:spcBef>
-              <a:spcAft>
-                <a:spcPct val="0"/>
-              </a:spcAft>
-              <a:defRPr sz="2400" baseline="-25000">
-                <a:solidFill>
-                  <a:schemeClr val="tx1"/>
-                </a:solidFill>
-                <a:latin typeface="Arial" panose="020B0604020202020204" pitchFamily="34" charset="0"/>
-                <a:ea typeface="ＭＳ Ｐゴシック" panose="020B0600070205080204" pitchFamily="34" charset="-128"/>
-              </a:defRPr>
-            </a:lvl9pPr>
-          </a:lstStyle>
-          <a:p>
-            <a:pPr marL="0" marR="0" lvl="0" indent="0" algn="r" defTabSz="914400" rtl="0" eaLnBrk="0" fontAlgn="base" latinLnBrk="0" hangingPunct="0">
-              <a:lnSpc>
-                <a:spcPct val="100000"/>
-              </a:lnSpc>
-              <a:spcBef>
-                <a:spcPct val="0"/>
-              </a:spcBef>
-              <a:spcAft>
-                <a:spcPct val="0"/>
-              </a:spcAft>
-              <a:buClrTx/>
-              <a:buSzTx/>
-              <a:buFontTx/>
-              <a:buNone/>
-              <a:tabLst/>
-              <a:defRPr/>
-            </a:pPr>
-            <a:fld id="{5B98AB49-F73B-4A06-B27F-EB60EF46E870}" type="slidenum">
-              <a:rPr kumimoji="0" lang="nl-NL" altLang="nl-NL" sz="1200" b="0" i="0" u="none" strike="noStrike" kern="1200" cap="none" spc="0" normalizeH="0" baseline="0" noProof="0" smtClean="0">
-                <a:ln>
-                  <a:noFill/>
-                </a:ln>
-                <a:solidFill>
-                  <a:srgbClr val="000000"/>
-                </a:solidFill>
-                <a:effectLst/>
-                <a:uLnTx/>
-                <a:uFillTx/>
-                <a:latin typeface="Arial" panose="020B0604020202020204" pitchFamily="34" charset="0"/>
-                <a:ea typeface="ＭＳ Ｐゴシック" panose="020B0600070205080204" pitchFamily="34" charset="-128"/>
-                <a:cs typeface="Arial" panose="020B0604020202020204" pitchFamily="34" charset="0"/>
-              </a:rPr>
-              <a:pPr marL="0" marR="0" lvl="0" indent="0" algn="r" defTabSz="914400" rtl="0" eaLnBrk="0" fontAlgn="base" latinLnBrk="0" hangingPunct="0">
-                <a:lnSpc>
-                  <a:spcPct val="100000"/>
-                </a:lnSpc>
-                <a:spcBef>
-                  <a:spcPct val="0"/>
-                </a:spcBef>
-                <a:spcAft>
-                  <a:spcPct val="0"/>
-                </a:spcAft>
-                <a:buClrTx/>
-                <a:buSzTx/>
-                <a:buFontTx/>
-                <a:buNone/>
-                <a:tabLst/>
-                <a:defRPr/>
-              </a:pPr>
-              <a:t>7</a:t>
-            </a:fld>
-            <a:endParaRPr kumimoji="0" lang="nl-NL" altLang="nl-NL" sz="1200" b="0" i="0" u="none" strike="noStrike" kern="1200" cap="none" spc="0" normalizeH="0" baseline="0" noProof="0">
-              <a:ln>
-                <a:noFill/>
-              </a:ln>
-              <a:solidFill>
-                <a:srgbClr val="000000"/>
-              </a:solidFill>
-              <a:effectLst/>
-              <a:uLnTx/>
-              <a:uFillTx/>
-              <a:latin typeface="Arial" panose="020B0604020202020204" pitchFamily="34" charset="0"/>
-              <a:ea typeface="ＭＳ Ｐゴシック" panose="020B0600070205080204" pitchFamily="34" charset="-128"/>
-              <a:cs typeface="Arial" panose="020B0604020202020204" pitchFamily="34" charset="0"/>
-            </a:endParaRPr>
-          </a:p>
-        </p:txBody>
-      </p:sp>
-    </p:spTree>
-    <p:extLst>
-      <p:ext uri="{BB962C8B-B14F-4D97-AF65-F5344CB8AC3E}">
-        <p14:creationId xmlns:p14="http://schemas.microsoft.com/office/powerpoint/2010/main" val="2856251946"/>
-      </p:ext>
-    </p:extLst>
-  </p:cSld>
-  <p:clrMapOvr>
-    <a:masterClrMapping/>
-  </p:clrMapOvr>
-</p:notes>
-</file>
-
-<file path=ppt/notesSlides/notesSlide8.xml><?xml version="1.0" encoding="utf-8"?>
-<p:notes xmlns:a="http://schemas.openxmlformats.org/drawingml/2006/main" xmlns:r="http://schemas.openxmlformats.org/officeDocument/2006/relationships" xmlns:p="http://schemas.openxmlformats.org/presentationml/2006/main">
-  <p:cSld>
-    <p:spTree>
-      <p:nvGrpSpPr>
-        <p:cNvPr id="1" name=""/>
-        <p:cNvGrpSpPr/>
-        <p:nvPr/>
-      </p:nvGrpSpPr>
-      <p:grpSpPr>
-        <a:xfrm>
-          <a:off x="0" y="0"/>
-          <a:ext cx="0" cy="0"/>
-          <a:chOff x="0" y="0"/>
-          <a:chExt cx="0" cy="0"/>
-        </a:xfrm>
-      </p:grpSpPr>
-      <p:sp>
-        <p:nvSpPr>
-          <p:cNvPr id="14338" name="Slide Image Placeholder 1"/>
-          <p:cNvSpPr>
-            <a:spLocks noGrp="1" noRot="1" noChangeAspect="1" noTextEdit="1"/>
-          </p:cNvSpPr>
-          <p:nvPr>
-            <p:ph type="sldImg"/>
-          </p:nvPr>
-        </p:nvSpPr>
-        <p:spPr>
-          <a:ln/>
-        </p:spPr>
-      </p:sp>
-      <p:sp>
-        <p:nvSpPr>
-          <p:cNvPr id="14339" name="Notes Placeholder 2"/>
-          <p:cNvSpPr>
-            <a:spLocks noGrp="1"/>
-          </p:cNvSpPr>
-          <p:nvPr>
-            <p:ph type="body" idx="1"/>
-          </p:nvPr>
-        </p:nvSpPr>
-        <p:spPr>
-          <a:noFill/>
-          <a:ln/>
-          <a:extLst>
-            <a:ext uri="{909E8E84-426E-40DD-AFC4-6F175D3DCCD1}">
-              <a14:hiddenFill xmlns:a14="http://schemas.microsoft.com/office/drawing/2010/main">
-                <a:solidFill>
-                  <a:srgbClr val="FFFFFF"/>
-                </a:solidFill>
-              </a14:hiddenFill>
-            </a:ext>
-            <a:ext uri="{91240B29-F687-4F45-9708-019B960494DF}">
-              <a14:hiddenLine xmlns:a14="http://schemas.microsoft.com/office/drawing/2010/main" w="9525">
-                <a:solidFill>
-                  <a:srgbClr val="000000"/>
-                </a:solidFill>
-                <a:miter lim="800000"/>
-                <a:headEnd/>
-                <a:tailEnd/>
-              </a14:hiddenLine>
-            </a:ext>
-          </a:extLst>
-        </p:spPr>
-        <p:txBody>
-          <a:bodyPr/>
-          <a:lstStyle/>
-          <a:p>
             <a:pPr marL="0" marR="0" lvl="0" indent="0" algn="l" defTabSz="914400" rtl="0" eaLnBrk="1" fontAlgn="auto" latinLnBrk="0" hangingPunct="1">
               <a:lnSpc>
                 <a:spcPct val="100000"/>
@@ -3354,7 +3052,7 @@
 </p:notes>
 </file>
 
-<file path=ppt/notesSlides/notesSlide9.xml><?xml version="1.0" encoding="utf-8"?>
+<file path=ppt/notesSlides/notesSlide8.xml><?xml version="1.0" encoding="utf-8"?>
 <p:notes xmlns:a="http://schemas.openxmlformats.org/drawingml/2006/main" xmlns:r="http://schemas.openxmlformats.org/officeDocument/2006/relationships" xmlns:p="http://schemas.openxmlformats.org/presentationml/2006/main">
   <p:cSld>
     <p:spTree>
@@ -3850,16 +3548,12 @@
 
 <file path=ppt/slideLayouts/slideLayout2.xml><?xml version="1.0" encoding="utf-8"?>
 <p:sldLayout xmlns:a="http://schemas.openxmlformats.org/drawingml/2006/main" xmlns:r="http://schemas.openxmlformats.org/officeDocument/2006/relationships" xmlns:p="http://schemas.openxmlformats.org/presentationml/2006/main" userDrawn="1">
-  <p:cSld name="Aangepaste indeling">
+  <p:cSld name="oranje - titleslide - small img right">
     <p:bg>
       <p:bgPr>
-        <a:blipFill dpi="0" rotWithShape="0">
-          <a:blip r:embed="rId2"/>
-          <a:srcRect/>
-          <a:stretch>
-            <a:fillRect/>
-          </a:stretch>
-        </a:blipFill>
+        <a:solidFill>
+          <a:schemeClr val="tx2"/>
+        </a:solidFill>
         <a:effectLst/>
       </p:bgPr>
     </p:bg>
@@ -3877,153 +3571,2173 @@
           <a:chExt cx="0" cy="0"/>
         </a:xfrm>
       </p:grpSpPr>
-      <p:pic>
-        <p:nvPicPr>
-          <p:cNvPr id="5" name="Afbeelding 5"/>
-          <p:cNvPicPr>
-            <a:picLocks noChangeAspect="1"/>
-          </p:cNvPicPr>
-          <p:nvPr userDrawn="1"/>
-        </p:nvPicPr>
-        <p:blipFill>
-          <a:blip r:embed="rId3">
+      <p:sp>
+        <p:nvSpPr>
+          <p:cNvPr id="5" name="Tijdelijke aanduiding voor afbeelding 10">
             <a:extLst>
-              <a:ext uri="{28A0092B-C50C-407E-A947-70E740481C1C}">
-                <a14:useLocalDpi xmlns:a14="http://schemas.microsoft.com/office/drawing/2010/main" val="0"/>
+              <a:ext uri="{FF2B5EF4-FFF2-40B4-BE49-F238E27FC236}">
+                <a16:creationId xmlns:a16="http://schemas.microsoft.com/office/drawing/2014/main" id="{08FF4484-021D-BD89-51F0-B384D890E061}"/>
               </a:ext>
             </a:extLst>
-          </a:blip>
-          <a:srcRect/>
-          <a:stretch>
-            <a:fillRect/>
-          </a:stretch>
-        </p:blipFill>
-        <p:spPr bwMode="auto">
-          <a:xfrm>
-            <a:off x="573618" y="491067"/>
-            <a:ext cx="3450167" cy="855133"/>
-          </a:xfrm>
-          <a:prstGeom prst="rect">
-            <a:avLst/>
-          </a:prstGeom>
-          <a:noFill/>
-          <a:ln>
-            <a:noFill/>
-          </a:ln>
-          <a:extLst>
-            <a:ext uri="{909E8E84-426E-40DD-AFC4-6F175D3DCCD1}">
-              <a14:hiddenFill xmlns:a14="http://schemas.microsoft.com/office/drawing/2010/main">
-                <a:solidFill>
-                  <a:srgbClr val="FFFFFF"/>
-                </a:solidFill>
-              </a14:hiddenFill>
-            </a:ext>
-            <a:ext uri="{91240B29-F687-4F45-9708-019B960494DF}">
-              <a14:hiddenLine xmlns:a14="http://schemas.microsoft.com/office/drawing/2010/main" w="9525">
-                <a:solidFill>
-                  <a:srgbClr val="000000"/>
-                </a:solidFill>
-                <a:miter lim="800000"/>
-                <a:headEnd/>
-                <a:tailEnd/>
-              </a14:hiddenLine>
-            </a:ext>
-          </a:extLst>
-        </p:spPr>
-      </p:pic>
-      <p:sp>
-        <p:nvSpPr>
-          <p:cNvPr id="4" name="Tijdelijke aanduiding voor tekst 11"/>
+          </p:cNvPr>
           <p:cNvSpPr>
             <a:spLocks noGrp="1"/>
           </p:cNvSpPr>
           <p:nvPr>
-            <p:ph type="body" sz="quarter" idx="13"/>
+            <p:ph type="pic" sz="quarter" idx="12" hasCustomPrompt="1"/>
           </p:nvPr>
         </p:nvSpPr>
         <p:spPr>
           <a:xfrm>
-            <a:off x="1528565" y="5225749"/>
-            <a:ext cx="10081120" cy="255265"/>
+            <a:off x="8148538" y="0"/>
+            <a:ext cx="4047313" cy="6858000"/>
           </a:xfrm>
-          <a:prstGeom prst="rect">
-            <a:avLst/>
-          </a:prstGeom>
+          <a:pattFill prst="lgCheck">
+            <a:fgClr>
+              <a:schemeClr val="bg2">
+                <a:lumMod val="90000"/>
+              </a:schemeClr>
+            </a:fgClr>
+            <a:bgClr>
+              <a:schemeClr val="bg2">
+                <a:lumMod val="75000"/>
+              </a:schemeClr>
+            </a:bgClr>
+          </a:pattFill>
         </p:spPr>
         <p:txBody>
-          <a:bodyPr lIns="0" tIns="0" rIns="0" bIns="0">
-            <a:noAutofit/>
-          </a:bodyPr>
+          <a:bodyPr lIns="360000" tIns="360000" rIns="360000" bIns="360000"/>
           <a:lstStyle>
-            <a:lvl1pPr marL="0" indent="0">
-              <a:buNone/>
-              <a:defRPr sz="2133" b="1" baseline="0"/>
+            <a:lvl1pPr algn="ctr">
+              <a:defRPr sz="1092"/>
             </a:lvl1pPr>
           </a:lstStyle>
           <a:p>
-            <a:pPr lvl="0"/>
-            <a:r>
-              <a:rPr lang="nl-NL" dirty="0"/>
-              <a:t>Klik om de tekststijl van het model te bewerken</a:t>
-            </a:r>
+            <a:r>
+              <a:rPr lang="nl-NL" sz="1092" dirty="0"/>
+              <a:t>Plaats hier een afbeelding en via afbeeldingsindeling kun je de afbeelding bijsnijden en positioneren in het venster</a:t>
+            </a:r>
+            <a:endParaRPr lang="en-US" dirty="0"/>
           </a:p>
         </p:txBody>
       </p:sp>
       <p:sp>
         <p:nvSpPr>
-          <p:cNvPr id="6" name="Titel 1"/>
+          <p:cNvPr id="14" name="Vrije vorm: vorm 13">
+            <a:extLst>
+              <a:ext uri="{FF2B5EF4-FFF2-40B4-BE49-F238E27FC236}">
+                <a16:creationId xmlns:a16="http://schemas.microsoft.com/office/drawing/2014/main" id="{BFAB9EDC-B866-97EA-BE81-DD08C5528358}"/>
+              </a:ext>
+            </a:extLst>
+          </p:cNvPr>
+          <p:cNvSpPr/>
+          <p:nvPr userDrawn="1"/>
+        </p:nvSpPr>
+        <p:spPr>
+          <a:xfrm>
+            <a:off x="618057" y="482294"/>
+            <a:ext cx="523463" cy="525265"/>
+          </a:xfrm>
+          <a:custGeom>
+            <a:avLst/>
+            <a:gdLst>
+              <a:gd name="connsiteX0" fmla="*/ 868878 w 1738838"/>
+              <a:gd name="connsiteY0" fmla="*/ 1143175 h 1746413"/>
+              <a:gd name="connsiteX1" fmla="*/ 1636044 w 1738838"/>
+              <a:gd name="connsiteY1" fmla="*/ 1298448 h 1746413"/>
+              <a:gd name="connsiteX2" fmla="*/ 1402324 w 1738838"/>
+              <a:gd name="connsiteY2" fmla="*/ 1567876 h 1746413"/>
+              <a:gd name="connsiteX3" fmla="*/ 868878 w 1738838"/>
+              <a:gd name="connsiteY3" fmla="*/ 1143175 h 1746413"/>
+              <a:gd name="connsiteX4" fmla="*/ 3246 w 1738838"/>
+              <a:gd name="connsiteY4" fmla="*/ 947867 h 1746413"/>
+              <a:gd name="connsiteX5" fmla="*/ 47069 w 1738838"/>
+              <a:gd name="connsiteY5" fmla="*/ 957605 h 1746413"/>
+              <a:gd name="connsiteX6" fmla="*/ 1096106 w 1738838"/>
+              <a:gd name="connsiteY6" fmla="*/ 1717739 h 1746413"/>
+              <a:gd name="connsiteX7" fmla="*/ 873206 w 1738838"/>
+              <a:gd name="connsiteY7" fmla="*/ 1746413 h 1746413"/>
+              <a:gd name="connsiteX8" fmla="*/ 3246 w 1738838"/>
+              <a:gd name="connsiteY8" fmla="*/ 947867 h 1746413"/>
+              <a:gd name="connsiteX9" fmla="*/ 1625224 w 1738838"/>
+              <a:gd name="connsiteY9" fmla="*/ 429569 h 1746413"/>
+              <a:gd name="connsiteX10" fmla="*/ 1738838 w 1738838"/>
+              <a:gd name="connsiteY10" fmla="*/ 759050 h 1746413"/>
+              <a:gd name="connsiteX11" fmla="*/ 1124780 w 1738838"/>
+              <a:gd name="connsiteY11" fmla="*/ 1050119 h 1746413"/>
+              <a:gd name="connsiteX12" fmla="*/ 474474 w 1738838"/>
+              <a:gd name="connsiteY12" fmla="*/ 984115 h 1746413"/>
+              <a:gd name="connsiteX13" fmla="*/ 1625224 w 1738838"/>
+              <a:gd name="connsiteY13" fmla="*/ 429569 h 1746413"/>
+              <a:gd name="connsiteX14" fmla="*/ 873206 w 1738838"/>
+              <a:gd name="connsiteY14" fmla="*/ 0 h 1746413"/>
+              <a:gd name="connsiteX15" fmla="*/ 1422342 w 1738838"/>
+              <a:gd name="connsiteY15" fmla="*/ 193144 h 1746413"/>
+              <a:gd name="connsiteX16" fmla="*/ 1280053 w 1738838"/>
+              <a:gd name="connsiteY16" fmla="*/ 286200 h 1746413"/>
+              <a:gd name="connsiteX17" fmla="*/ 982492 w 1738838"/>
+              <a:gd name="connsiteY17" fmla="*/ 113614 h 1746413"/>
+              <a:gd name="connsiteX18" fmla="*/ 502067 w 1738838"/>
+              <a:gd name="connsiteY18" fmla="*/ 134173 h 1746413"/>
+              <a:gd name="connsiteX19" fmla="*/ 543725 w 1738838"/>
+              <a:gd name="connsiteY19" fmla="*/ 185029 h 1746413"/>
+              <a:gd name="connsiteX20" fmla="*/ 624878 w 1738838"/>
+              <a:gd name="connsiteY20" fmla="*/ 175291 h 1746413"/>
+              <a:gd name="connsiteX21" fmla="*/ 901880 w 1738838"/>
+              <a:gd name="connsiteY21" fmla="*/ 253197 h 1746413"/>
+              <a:gd name="connsiteX22" fmla="*/ 1012789 w 1738838"/>
+              <a:gd name="connsiteY22" fmla="*/ 473393 h 1746413"/>
+              <a:gd name="connsiteX23" fmla="*/ 869419 w 1738838"/>
+              <a:gd name="connsiteY23" fmla="*/ 615681 h 1746413"/>
+              <a:gd name="connsiteX24" fmla="*/ 674652 w 1738838"/>
+              <a:gd name="connsiteY24" fmla="*/ 537774 h 1746413"/>
+              <a:gd name="connsiteX25" fmla="*/ 253197 w 1738838"/>
+              <a:gd name="connsiteY25" fmla="*/ 596745 h 1746413"/>
+              <a:gd name="connsiteX26" fmla="*/ 325694 w 1738838"/>
+              <a:gd name="connsiteY26" fmla="*/ 643814 h 1746413"/>
+              <a:gd name="connsiteX27" fmla="*/ 542102 w 1738838"/>
+              <a:gd name="connsiteY27" fmla="*/ 644896 h 1746413"/>
+              <a:gd name="connsiteX28" fmla="*/ 645978 w 1738838"/>
+              <a:gd name="connsiteY28" fmla="*/ 750395 h 1746413"/>
+              <a:gd name="connsiteX29" fmla="*/ 300807 w 1738838"/>
+              <a:gd name="connsiteY29" fmla="*/ 882404 h 1746413"/>
+              <a:gd name="connsiteX30" fmla="*/ 0 w 1738838"/>
+              <a:gd name="connsiteY30" fmla="*/ 875912 h 1746413"/>
+              <a:gd name="connsiteX31" fmla="*/ 0 w 1738838"/>
+              <a:gd name="connsiteY31" fmla="*/ 873206 h 1746413"/>
+              <a:gd name="connsiteX32" fmla="*/ 873206 w 1738838"/>
+              <a:gd name="connsiteY32" fmla="*/ 0 h 1746413"/>
+            </a:gdLst>
+            <a:ahLst/>
+            <a:cxnLst>
+              <a:cxn ang="0">
+                <a:pos x="connsiteX0" y="connsiteY0"/>
+              </a:cxn>
+              <a:cxn ang="0">
+                <a:pos x="connsiteX1" y="connsiteY1"/>
+              </a:cxn>
+              <a:cxn ang="0">
+                <a:pos x="connsiteX2" y="connsiteY2"/>
+              </a:cxn>
+              <a:cxn ang="0">
+                <a:pos x="connsiteX3" y="connsiteY3"/>
+              </a:cxn>
+              <a:cxn ang="0">
+                <a:pos x="connsiteX4" y="connsiteY4"/>
+              </a:cxn>
+              <a:cxn ang="0">
+                <a:pos x="connsiteX5" y="connsiteY5"/>
+              </a:cxn>
+              <a:cxn ang="0">
+                <a:pos x="connsiteX6" y="connsiteY6"/>
+              </a:cxn>
+              <a:cxn ang="0">
+                <a:pos x="connsiteX7" y="connsiteY7"/>
+              </a:cxn>
+              <a:cxn ang="0">
+                <a:pos x="connsiteX8" y="connsiteY8"/>
+              </a:cxn>
+              <a:cxn ang="0">
+                <a:pos x="connsiteX9" y="connsiteY9"/>
+              </a:cxn>
+              <a:cxn ang="0">
+                <a:pos x="connsiteX10" y="connsiteY10"/>
+              </a:cxn>
+              <a:cxn ang="0">
+                <a:pos x="connsiteX11" y="connsiteY11"/>
+              </a:cxn>
+              <a:cxn ang="0">
+                <a:pos x="connsiteX12" y="connsiteY12"/>
+              </a:cxn>
+              <a:cxn ang="0">
+                <a:pos x="connsiteX13" y="connsiteY13"/>
+              </a:cxn>
+              <a:cxn ang="0">
+                <a:pos x="connsiteX14" y="connsiteY14"/>
+              </a:cxn>
+              <a:cxn ang="0">
+                <a:pos x="connsiteX15" y="connsiteY15"/>
+              </a:cxn>
+              <a:cxn ang="0">
+                <a:pos x="connsiteX16" y="connsiteY16"/>
+              </a:cxn>
+              <a:cxn ang="0">
+                <a:pos x="connsiteX17" y="connsiteY17"/>
+              </a:cxn>
+              <a:cxn ang="0">
+                <a:pos x="connsiteX18" y="connsiteY18"/>
+              </a:cxn>
+              <a:cxn ang="0">
+                <a:pos x="connsiteX19" y="connsiteY19"/>
+              </a:cxn>
+              <a:cxn ang="0">
+                <a:pos x="connsiteX20" y="connsiteY20"/>
+              </a:cxn>
+              <a:cxn ang="0">
+                <a:pos x="connsiteX21" y="connsiteY21"/>
+              </a:cxn>
+              <a:cxn ang="0">
+                <a:pos x="connsiteX22" y="connsiteY22"/>
+              </a:cxn>
+              <a:cxn ang="0">
+                <a:pos x="connsiteX23" y="connsiteY23"/>
+              </a:cxn>
+              <a:cxn ang="0">
+                <a:pos x="connsiteX24" y="connsiteY24"/>
+              </a:cxn>
+              <a:cxn ang="0">
+                <a:pos x="connsiteX25" y="connsiteY25"/>
+              </a:cxn>
+              <a:cxn ang="0">
+                <a:pos x="connsiteX26" y="connsiteY26"/>
+              </a:cxn>
+              <a:cxn ang="0">
+                <a:pos x="connsiteX27" y="connsiteY27"/>
+              </a:cxn>
+              <a:cxn ang="0">
+                <a:pos x="connsiteX28" y="connsiteY28"/>
+              </a:cxn>
+              <a:cxn ang="0">
+                <a:pos x="connsiteX29" y="connsiteY29"/>
+              </a:cxn>
+              <a:cxn ang="0">
+                <a:pos x="connsiteX30" y="connsiteY30"/>
+              </a:cxn>
+              <a:cxn ang="0">
+                <a:pos x="connsiteX31" y="connsiteY31"/>
+              </a:cxn>
+              <a:cxn ang="0">
+                <a:pos x="connsiteX32" y="connsiteY32"/>
+              </a:cxn>
+            </a:cxnLst>
+            <a:rect l="l" t="t" r="r" b="b"/>
+            <a:pathLst>
+              <a:path w="1738838" h="1746413">
+                <a:moveTo>
+                  <a:pt x="868878" y="1143175"/>
+                </a:moveTo>
+                <a:cubicBezTo>
+                  <a:pt x="1132355" y="1171849"/>
+                  <a:pt x="1397454" y="1217295"/>
+                  <a:pt x="1636044" y="1298448"/>
+                </a:cubicBezTo>
+                <a:cubicBezTo>
+                  <a:pt x="1577073" y="1403406"/>
+                  <a:pt x="1497543" y="1495379"/>
+                  <a:pt x="1402324" y="1567876"/>
+                </a:cubicBezTo>
+                <a:cubicBezTo>
+                  <a:pt x="1072301" y="1289791"/>
+                  <a:pt x="868878" y="1143175"/>
+                  <a:pt x="868878" y="1143175"/>
+                </a:cubicBezTo>
+                <a:close/>
+                <a:moveTo>
+                  <a:pt x="3246" y="947867"/>
+                </a:moveTo>
+                <a:cubicBezTo>
+                  <a:pt x="18395" y="950572"/>
+                  <a:pt x="33002" y="953818"/>
+                  <a:pt x="47069" y="957605"/>
+                </a:cubicBezTo>
+                <a:cubicBezTo>
+                  <a:pt x="522625" y="1092860"/>
+                  <a:pt x="890519" y="1424506"/>
+                  <a:pt x="1096106" y="1717739"/>
+                </a:cubicBezTo>
+                <a:cubicBezTo>
+                  <a:pt x="1024692" y="1736133"/>
+                  <a:pt x="950031" y="1746413"/>
+                  <a:pt x="873206" y="1746413"/>
+                </a:cubicBezTo>
+                <a:cubicBezTo>
+                  <a:pt x="416044" y="1746413"/>
+                  <a:pt x="41117" y="1395291"/>
+                  <a:pt x="3246" y="947867"/>
+                </a:cubicBezTo>
+                <a:close/>
+                <a:moveTo>
+                  <a:pt x="1625224" y="429569"/>
+                </a:moveTo>
+                <a:cubicBezTo>
+                  <a:pt x="1683654" y="528576"/>
+                  <a:pt x="1723148" y="640026"/>
+                  <a:pt x="1738838" y="759050"/>
+                </a:cubicBezTo>
+                <a:cubicBezTo>
+                  <a:pt x="1646323" y="843990"/>
+                  <a:pt x="1402864" y="1016035"/>
+                  <a:pt x="1124780" y="1050119"/>
+                </a:cubicBezTo>
+                <a:cubicBezTo>
+                  <a:pt x="816399" y="1087991"/>
+                  <a:pt x="474474" y="984115"/>
+                  <a:pt x="474474" y="984115"/>
+                </a:cubicBezTo>
+                <a:cubicBezTo>
+                  <a:pt x="755263" y="960310"/>
+                  <a:pt x="1153995" y="892682"/>
+                  <a:pt x="1625224" y="429569"/>
+                </a:cubicBezTo>
+                <a:close/>
+                <a:moveTo>
+                  <a:pt x="873206" y="0"/>
+                </a:moveTo>
+                <a:cubicBezTo>
+                  <a:pt x="1080958" y="0"/>
+                  <a:pt x="1271397" y="72497"/>
+                  <a:pt x="1422342" y="193144"/>
+                </a:cubicBezTo>
+                <a:cubicBezTo>
+                  <a:pt x="1372027" y="222900"/>
+                  <a:pt x="1325499" y="256444"/>
+                  <a:pt x="1280053" y="286200"/>
+                </a:cubicBezTo>
+                <a:cubicBezTo>
+                  <a:pt x="1199982" y="219654"/>
+                  <a:pt x="1092860" y="149863"/>
+                  <a:pt x="982492" y="113614"/>
+                </a:cubicBezTo>
+                <a:cubicBezTo>
+                  <a:pt x="822350" y="62217"/>
+                  <a:pt x="622714" y="67086"/>
+                  <a:pt x="502067" y="134173"/>
+                </a:cubicBezTo>
+                <a:lnTo>
+                  <a:pt x="543725" y="185029"/>
+                </a:lnTo>
+                <a:lnTo>
+                  <a:pt x="624878" y="175291"/>
+                </a:lnTo>
+                <a:cubicBezTo>
+                  <a:pt x="729836" y="166093"/>
+                  <a:pt x="826138" y="194767"/>
+                  <a:pt x="901880" y="253197"/>
+                </a:cubicBezTo>
+                <a:cubicBezTo>
+                  <a:pt x="996018" y="312710"/>
+                  <a:pt x="1052284" y="398191"/>
+                  <a:pt x="1012789" y="473393"/>
+                </a:cubicBezTo>
+                <a:cubicBezTo>
+                  <a:pt x="982492" y="525872"/>
+                  <a:pt x="938129" y="579433"/>
+                  <a:pt x="869419" y="615681"/>
+                </a:cubicBezTo>
+                <a:cubicBezTo>
+                  <a:pt x="807202" y="584302"/>
+                  <a:pt x="744985" y="552923"/>
+                  <a:pt x="674652" y="537774"/>
+                </a:cubicBezTo>
+                <a:cubicBezTo>
+                  <a:pt x="506395" y="493951"/>
+                  <a:pt x="367353" y="541020"/>
+                  <a:pt x="253197" y="596745"/>
+                </a:cubicBezTo>
+                <a:cubicBezTo>
+                  <a:pt x="269428" y="614599"/>
+                  <a:pt x="298643" y="633535"/>
+                  <a:pt x="325694" y="643814"/>
+                </a:cubicBezTo>
+                <a:cubicBezTo>
+                  <a:pt x="385747" y="627583"/>
+                  <a:pt x="473393" y="623255"/>
+                  <a:pt x="542102" y="644896"/>
+                </a:cubicBezTo>
+                <a:cubicBezTo>
+                  <a:pt x="596745" y="669783"/>
+                  <a:pt x="649765" y="706031"/>
+                  <a:pt x="645978" y="750395"/>
+                </a:cubicBezTo>
+                <a:cubicBezTo>
+                  <a:pt x="607566" y="852648"/>
+                  <a:pt x="445259" y="878076"/>
+                  <a:pt x="300807" y="882404"/>
+                </a:cubicBezTo>
+                <a:cubicBezTo>
+                  <a:pt x="205047" y="886191"/>
+                  <a:pt x="101712" y="879699"/>
+                  <a:pt x="0" y="875912"/>
+                </a:cubicBezTo>
+                <a:cubicBezTo>
+                  <a:pt x="0" y="874830"/>
+                  <a:pt x="0" y="874289"/>
+                  <a:pt x="0" y="873206"/>
+                </a:cubicBezTo>
+                <a:cubicBezTo>
+                  <a:pt x="0" y="391158"/>
+                  <a:pt x="391157" y="0"/>
+                  <a:pt x="873206" y="0"/>
+                </a:cubicBezTo>
+                <a:close/>
+              </a:path>
+            </a:pathLst>
+          </a:custGeom>
+          <a:solidFill>
+            <a:schemeClr val="bg1"/>
+          </a:solidFill>
+          <a:ln w="5410" cap="flat">
+            <a:noFill/>
+            <a:prstDash val="solid"/>
+            <a:miter/>
+          </a:ln>
+        </p:spPr>
+        <p:txBody>
+          <a:bodyPr rtlCol="0" anchor="ctr"/>
+          <a:lstStyle/>
+          <a:p>
+            <a:endParaRPr lang="en-US" sz="1456"/>
+          </a:p>
+        </p:txBody>
+      </p:sp>
+      <p:sp>
+        <p:nvSpPr>
+          <p:cNvPr id="15" name="Vrije vorm: vorm 14">
+            <a:extLst>
+              <a:ext uri="{FF2B5EF4-FFF2-40B4-BE49-F238E27FC236}">
+                <a16:creationId xmlns:a16="http://schemas.microsoft.com/office/drawing/2014/main" id="{9C3C46BF-D427-D0A2-5E30-F90A8C1FCE4B}"/>
+              </a:ext>
+            </a:extLst>
+          </p:cNvPr>
+          <p:cNvSpPr/>
+          <p:nvPr userDrawn="1"/>
+        </p:nvSpPr>
+        <p:spPr>
+          <a:xfrm>
+            <a:off x="1231447" y="615915"/>
+            <a:ext cx="1015643" cy="266864"/>
+          </a:xfrm>
+          <a:custGeom>
+            <a:avLst/>
+            <a:gdLst>
+              <a:gd name="connsiteX0" fmla="*/ 1238936 w 3373761"/>
+              <a:gd name="connsiteY0" fmla="*/ 554546 h 887274"/>
+              <a:gd name="connsiteX1" fmla="*/ 1238936 w 3373761"/>
+              <a:gd name="connsiteY1" fmla="*/ 554802 h 887274"/>
+              <a:gd name="connsiteX2" fmla="*/ 1204175 w 3373761"/>
+              <a:gd name="connsiteY2" fmla="*/ 571250 h 887274"/>
+              <a:gd name="connsiteX3" fmla="*/ 1161570 w 3373761"/>
+              <a:gd name="connsiteY3" fmla="*/ 579433 h 887274"/>
+              <a:gd name="connsiteX4" fmla="*/ 1069055 w 3373761"/>
+              <a:gd name="connsiteY4" fmla="*/ 592418 h 887274"/>
+              <a:gd name="connsiteX5" fmla="*/ 1026315 w 3373761"/>
+              <a:gd name="connsiteY5" fmla="*/ 602697 h 887274"/>
+              <a:gd name="connsiteX6" fmla="*/ 989526 w 3373761"/>
+              <a:gd name="connsiteY6" fmla="*/ 621092 h 887274"/>
+              <a:gd name="connsiteX7" fmla="*/ 964639 w 3373761"/>
+              <a:gd name="connsiteY7" fmla="*/ 651389 h 887274"/>
+              <a:gd name="connsiteX8" fmla="*/ 955441 w 3373761"/>
+              <a:gd name="connsiteY8" fmla="*/ 696835 h 887274"/>
+              <a:gd name="connsiteX9" fmla="*/ 968967 w 3373761"/>
+              <a:gd name="connsiteY9" fmla="*/ 735788 h 887274"/>
+              <a:gd name="connsiteX10" fmla="*/ 1001428 w 3373761"/>
+              <a:gd name="connsiteY10" fmla="*/ 760675 h 887274"/>
+              <a:gd name="connsiteX11" fmla="*/ 1043086 w 3373761"/>
+              <a:gd name="connsiteY11" fmla="*/ 773659 h 887274"/>
+              <a:gd name="connsiteX12" fmla="*/ 1083663 w 3373761"/>
+              <a:gd name="connsiteY12" fmla="*/ 777447 h 887274"/>
+              <a:gd name="connsiteX13" fmla="*/ 1133437 w 3373761"/>
+              <a:gd name="connsiteY13" fmla="*/ 771495 h 887274"/>
+              <a:gd name="connsiteX14" fmla="*/ 1183752 w 3373761"/>
+              <a:gd name="connsiteY14" fmla="*/ 750937 h 887274"/>
+              <a:gd name="connsiteX15" fmla="*/ 1223246 w 3373761"/>
+              <a:gd name="connsiteY15" fmla="*/ 713606 h 887274"/>
+              <a:gd name="connsiteX16" fmla="*/ 1238936 w 3373761"/>
+              <a:gd name="connsiteY16" fmla="*/ 658422 h 887274"/>
+              <a:gd name="connsiteX17" fmla="*/ 1238936 w 3373761"/>
+              <a:gd name="connsiteY17" fmla="*/ 554802 h 887274"/>
+              <a:gd name="connsiteX18" fmla="*/ 1239477 w 3373761"/>
+              <a:gd name="connsiteY18" fmla="*/ 554546 h 887274"/>
+              <a:gd name="connsiteX19" fmla="*/ 3072993 w 3373761"/>
+              <a:gd name="connsiteY19" fmla="*/ 332187 h 887274"/>
+              <a:gd name="connsiteX20" fmla="*/ 3006448 w 3373761"/>
+              <a:gd name="connsiteY20" fmla="*/ 345172 h 887274"/>
+              <a:gd name="connsiteX21" fmla="*/ 2955051 w 3373761"/>
+              <a:gd name="connsiteY21" fmla="*/ 380338 h 887274"/>
+              <a:gd name="connsiteX22" fmla="*/ 2920967 w 3373761"/>
+              <a:gd name="connsiteY22" fmla="*/ 433358 h 887274"/>
+              <a:gd name="connsiteX23" fmla="*/ 2906900 w 3373761"/>
+              <a:gd name="connsiteY23" fmla="*/ 499362 h 887274"/>
+              <a:gd name="connsiteX24" fmla="*/ 3231512 w 3373761"/>
+              <a:gd name="connsiteY24" fmla="*/ 499362 h 887274"/>
+              <a:gd name="connsiteX25" fmla="*/ 3217446 w 3373761"/>
+              <a:gd name="connsiteY25" fmla="*/ 436063 h 887274"/>
+              <a:gd name="connsiteX26" fmla="*/ 3185525 w 3373761"/>
+              <a:gd name="connsiteY26" fmla="*/ 383043 h 887274"/>
+              <a:gd name="connsiteX27" fmla="*/ 3136833 w 3373761"/>
+              <a:gd name="connsiteY27" fmla="*/ 346254 h 887274"/>
+              <a:gd name="connsiteX28" fmla="*/ 3072993 w 3373761"/>
+              <a:gd name="connsiteY28" fmla="*/ 332187 h 887274"/>
+              <a:gd name="connsiteX29" fmla="*/ 2180851 w 3373761"/>
+              <a:gd name="connsiteY29" fmla="*/ 240213 h 887274"/>
+              <a:gd name="connsiteX30" fmla="*/ 2692115 w 3373761"/>
+              <a:gd name="connsiteY30" fmla="*/ 240213 h 887274"/>
+              <a:gd name="connsiteX31" fmla="*/ 2692115 w 3373761"/>
+              <a:gd name="connsiteY31" fmla="*/ 337597 h 887274"/>
+              <a:gd name="connsiteX32" fmla="*/ 2331796 w 3373761"/>
+              <a:gd name="connsiteY32" fmla="*/ 760133 h 887274"/>
+              <a:gd name="connsiteX33" fmla="*/ 2710510 w 3373761"/>
+              <a:gd name="connsiteY33" fmla="*/ 760133 h 887274"/>
+              <a:gd name="connsiteX34" fmla="*/ 2710510 w 3373761"/>
+              <a:gd name="connsiteY34" fmla="*/ 869960 h 887274"/>
+              <a:gd name="connsiteX35" fmla="*/ 2156505 w 3373761"/>
+              <a:gd name="connsiteY35" fmla="*/ 869960 h 887274"/>
+              <a:gd name="connsiteX36" fmla="*/ 2156505 w 3373761"/>
+              <a:gd name="connsiteY36" fmla="*/ 772577 h 887274"/>
+              <a:gd name="connsiteX37" fmla="*/ 2504922 w 3373761"/>
+              <a:gd name="connsiteY37" fmla="*/ 349499 h 887274"/>
+              <a:gd name="connsiteX38" fmla="*/ 2180851 w 3373761"/>
+              <a:gd name="connsiteY38" fmla="*/ 349499 h 887274"/>
+              <a:gd name="connsiteX39" fmla="*/ 1123699 w 3373761"/>
+              <a:gd name="connsiteY39" fmla="*/ 223442 h 887274"/>
+              <a:gd name="connsiteX40" fmla="*/ 1215131 w 3373761"/>
+              <a:gd name="connsiteY40" fmla="*/ 233180 h 887274"/>
+              <a:gd name="connsiteX41" fmla="*/ 1296284 w 3373761"/>
+              <a:gd name="connsiteY41" fmla="*/ 265101 h 887274"/>
+              <a:gd name="connsiteX42" fmla="*/ 1354173 w 3373761"/>
+              <a:gd name="connsiteY42" fmla="*/ 321908 h 887274"/>
+              <a:gd name="connsiteX43" fmla="*/ 1376355 w 3373761"/>
+              <a:gd name="connsiteY43" fmla="*/ 406307 h 887274"/>
+              <a:gd name="connsiteX44" fmla="*/ 1376355 w 3373761"/>
+              <a:gd name="connsiteY44" fmla="*/ 729837 h 887274"/>
+              <a:gd name="connsiteX45" fmla="*/ 1378519 w 3373761"/>
+              <a:gd name="connsiteY45" fmla="*/ 729837 h 887274"/>
+              <a:gd name="connsiteX46" fmla="*/ 1385011 w 3373761"/>
+              <a:gd name="connsiteY46" fmla="*/ 766626 h 887274"/>
+              <a:gd name="connsiteX47" fmla="*/ 1410980 w 3373761"/>
+              <a:gd name="connsiteY47" fmla="*/ 777447 h 887274"/>
+              <a:gd name="connsiteX48" fmla="*/ 1425588 w 3373761"/>
+              <a:gd name="connsiteY48" fmla="*/ 777447 h 887274"/>
+              <a:gd name="connsiteX49" fmla="*/ 1445064 w 3373761"/>
+              <a:gd name="connsiteY49" fmla="*/ 775283 h 887274"/>
+              <a:gd name="connsiteX50" fmla="*/ 1445064 w 3373761"/>
+              <a:gd name="connsiteY50" fmla="*/ 871584 h 887274"/>
+              <a:gd name="connsiteX51" fmla="*/ 1426129 w 3373761"/>
+              <a:gd name="connsiteY51" fmla="*/ 876994 h 887274"/>
+              <a:gd name="connsiteX52" fmla="*/ 1402324 w 3373761"/>
+              <a:gd name="connsiteY52" fmla="*/ 882405 h 887274"/>
+              <a:gd name="connsiteX53" fmla="*/ 1377978 w 3373761"/>
+              <a:gd name="connsiteY53" fmla="*/ 886192 h 887274"/>
+              <a:gd name="connsiteX54" fmla="*/ 1357419 w 3373761"/>
+              <a:gd name="connsiteY54" fmla="*/ 887274 h 887274"/>
+              <a:gd name="connsiteX55" fmla="*/ 1286545 w 3373761"/>
+              <a:gd name="connsiteY55" fmla="*/ 869961 h 887274"/>
+              <a:gd name="connsiteX56" fmla="*/ 1249756 w 3373761"/>
+              <a:gd name="connsiteY56" fmla="*/ 810449 h 887274"/>
+              <a:gd name="connsiteX57" fmla="*/ 1148044 w 3373761"/>
+              <a:gd name="connsiteY57" fmla="*/ 868879 h 887274"/>
+              <a:gd name="connsiteX58" fmla="*/ 1031725 w 3373761"/>
+              <a:gd name="connsiteY58" fmla="*/ 887274 h 887274"/>
+              <a:gd name="connsiteX59" fmla="*/ 950031 w 3373761"/>
+              <a:gd name="connsiteY59" fmla="*/ 875912 h 887274"/>
+              <a:gd name="connsiteX60" fmla="*/ 881322 w 3373761"/>
+              <a:gd name="connsiteY60" fmla="*/ 841828 h 887274"/>
+              <a:gd name="connsiteX61" fmla="*/ 833712 w 3373761"/>
+              <a:gd name="connsiteY61" fmla="*/ 784480 h 887274"/>
+              <a:gd name="connsiteX62" fmla="*/ 815858 w 3373761"/>
+              <a:gd name="connsiteY62" fmla="*/ 703327 h 887274"/>
+              <a:gd name="connsiteX63" fmla="*/ 836958 w 3373761"/>
+              <a:gd name="connsiteY63" fmla="*/ 608107 h 887274"/>
+              <a:gd name="connsiteX64" fmla="*/ 893224 w 3373761"/>
+              <a:gd name="connsiteY64" fmla="*/ 550759 h 887274"/>
+              <a:gd name="connsiteX65" fmla="*/ 971131 w 3373761"/>
+              <a:gd name="connsiteY65" fmla="*/ 521003 h 887274"/>
+              <a:gd name="connsiteX66" fmla="*/ 1058235 w 3373761"/>
+              <a:gd name="connsiteY66" fmla="*/ 506937 h 887274"/>
+              <a:gd name="connsiteX67" fmla="*/ 1130191 w 3373761"/>
+              <a:gd name="connsiteY67" fmla="*/ 496657 h 887274"/>
+              <a:gd name="connsiteX68" fmla="*/ 1190244 w 3373761"/>
+              <a:gd name="connsiteY68" fmla="*/ 486378 h 887274"/>
+              <a:gd name="connsiteX69" fmla="*/ 1231903 w 3373761"/>
+              <a:gd name="connsiteY69" fmla="*/ 463655 h 887274"/>
+              <a:gd name="connsiteX70" fmla="*/ 1247051 w 3373761"/>
+              <a:gd name="connsiteY70" fmla="*/ 418209 h 887274"/>
+              <a:gd name="connsiteX71" fmla="*/ 1234066 w 3373761"/>
+              <a:gd name="connsiteY71" fmla="*/ 374387 h 887274"/>
+              <a:gd name="connsiteX72" fmla="*/ 1202146 w 3373761"/>
+              <a:gd name="connsiteY72" fmla="*/ 348418 h 887274"/>
+              <a:gd name="connsiteX73" fmla="*/ 1159947 w 3373761"/>
+              <a:gd name="connsiteY73" fmla="*/ 335974 h 887274"/>
+              <a:gd name="connsiteX74" fmla="*/ 1116124 w 3373761"/>
+              <a:gd name="connsiteY74" fmla="*/ 332728 h 887274"/>
+              <a:gd name="connsiteX75" fmla="*/ 1019823 w 3373761"/>
+              <a:gd name="connsiteY75" fmla="*/ 357074 h 887274"/>
+              <a:gd name="connsiteX76" fmla="*/ 977082 w 3373761"/>
+              <a:gd name="connsiteY76" fmla="*/ 432817 h 887274"/>
+              <a:gd name="connsiteX77" fmla="*/ 838040 w 3373761"/>
+              <a:gd name="connsiteY77" fmla="*/ 432817 h 887274"/>
+              <a:gd name="connsiteX78" fmla="*/ 867255 w 3373761"/>
+              <a:gd name="connsiteY78" fmla="*/ 331646 h 887274"/>
+              <a:gd name="connsiteX79" fmla="*/ 932177 w 3373761"/>
+              <a:gd name="connsiteY79" fmla="*/ 267265 h 887274"/>
+              <a:gd name="connsiteX80" fmla="*/ 1021446 w 3373761"/>
+              <a:gd name="connsiteY80" fmla="*/ 233180 h 887274"/>
+              <a:gd name="connsiteX81" fmla="*/ 1123699 w 3373761"/>
+              <a:gd name="connsiteY81" fmla="*/ 223442 h 887274"/>
+              <a:gd name="connsiteX82" fmla="*/ 3074075 w 3373761"/>
+              <a:gd name="connsiteY82" fmla="*/ 222901 h 887274"/>
+              <a:gd name="connsiteX83" fmla="*/ 3207166 w 3373761"/>
+              <a:gd name="connsiteY83" fmla="*/ 253739 h 887274"/>
+              <a:gd name="connsiteX84" fmla="*/ 3305091 w 3373761"/>
+              <a:gd name="connsiteY84" fmla="*/ 335974 h 887274"/>
+              <a:gd name="connsiteX85" fmla="*/ 3361898 w 3373761"/>
+              <a:gd name="connsiteY85" fmla="*/ 453376 h 887274"/>
+              <a:gd name="connsiteX86" fmla="*/ 3371095 w 3373761"/>
+              <a:gd name="connsiteY86" fmla="*/ 590254 h 887274"/>
+              <a:gd name="connsiteX87" fmla="*/ 2907982 w 3373761"/>
+              <a:gd name="connsiteY87" fmla="*/ 590254 h 887274"/>
+              <a:gd name="connsiteX88" fmla="*/ 2907982 w 3373761"/>
+              <a:gd name="connsiteY88" fmla="*/ 590795 h 887274"/>
+              <a:gd name="connsiteX89" fmla="*/ 2918262 w 3373761"/>
+              <a:gd name="connsiteY89" fmla="*/ 661668 h 887274"/>
+              <a:gd name="connsiteX90" fmla="*/ 2949099 w 3373761"/>
+              <a:gd name="connsiteY90" fmla="*/ 721181 h 887274"/>
+              <a:gd name="connsiteX91" fmla="*/ 3001578 w 3373761"/>
+              <a:gd name="connsiteY91" fmla="*/ 761757 h 887274"/>
+              <a:gd name="connsiteX92" fmla="*/ 3077321 w 3373761"/>
+              <a:gd name="connsiteY92" fmla="*/ 776906 h 887274"/>
+              <a:gd name="connsiteX93" fmla="*/ 3175246 w 3373761"/>
+              <a:gd name="connsiteY93" fmla="*/ 750937 h 887274"/>
+              <a:gd name="connsiteX94" fmla="*/ 3230430 w 3373761"/>
+              <a:gd name="connsiteY94" fmla="*/ 672489 h 887274"/>
+              <a:gd name="connsiteX95" fmla="*/ 3361898 w 3373761"/>
+              <a:gd name="connsiteY95" fmla="*/ 672489 h 887274"/>
+              <a:gd name="connsiteX96" fmla="*/ 3324027 w 3373761"/>
+              <a:gd name="connsiteY96" fmla="*/ 763921 h 887274"/>
+              <a:gd name="connsiteX97" fmla="*/ 3259645 w 3373761"/>
+              <a:gd name="connsiteY97" fmla="*/ 831549 h 887274"/>
+              <a:gd name="connsiteX98" fmla="*/ 3175246 w 3373761"/>
+              <a:gd name="connsiteY98" fmla="*/ 873207 h 887274"/>
+              <a:gd name="connsiteX99" fmla="*/ 3077321 w 3373761"/>
+              <a:gd name="connsiteY99" fmla="*/ 887274 h 887274"/>
+              <a:gd name="connsiteX100" fmla="*/ 2945853 w 3373761"/>
+              <a:gd name="connsiteY100" fmla="*/ 862928 h 887274"/>
+              <a:gd name="connsiteX101" fmla="*/ 2849011 w 3373761"/>
+              <a:gd name="connsiteY101" fmla="*/ 794759 h 887274"/>
+              <a:gd name="connsiteX102" fmla="*/ 2789498 w 3373761"/>
+              <a:gd name="connsiteY102" fmla="*/ 689801 h 887274"/>
+              <a:gd name="connsiteX103" fmla="*/ 2769481 w 3373761"/>
+              <a:gd name="connsiteY103" fmla="*/ 555628 h 887274"/>
+              <a:gd name="connsiteX104" fmla="*/ 2790581 w 3373761"/>
+              <a:gd name="connsiteY104" fmla="*/ 428489 h 887274"/>
+              <a:gd name="connsiteX105" fmla="*/ 2851716 w 3373761"/>
+              <a:gd name="connsiteY105" fmla="*/ 322449 h 887274"/>
+              <a:gd name="connsiteX106" fmla="*/ 2947476 w 3373761"/>
+              <a:gd name="connsiteY106" fmla="*/ 249952 h 887274"/>
+              <a:gd name="connsiteX107" fmla="*/ 3074075 w 3373761"/>
+              <a:gd name="connsiteY107" fmla="*/ 222901 h 887274"/>
+              <a:gd name="connsiteX108" fmla="*/ 1845419 w 3373761"/>
+              <a:gd name="connsiteY108" fmla="*/ 222901 h 887274"/>
+              <a:gd name="connsiteX109" fmla="*/ 2008807 w 3373761"/>
+              <a:gd name="connsiteY109" fmla="*/ 276462 h 887274"/>
+              <a:gd name="connsiteX110" fmla="*/ 2068319 w 3373761"/>
+              <a:gd name="connsiteY110" fmla="*/ 437145 h 887274"/>
+              <a:gd name="connsiteX111" fmla="*/ 2068319 w 3373761"/>
+              <a:gd name="connsiteY111" fmla="*/ 869420 h 887274"/>
+              <a:gd name="connsiteX112" fmla="*/ 1929277 w 3373761"/>
+              <a:gd name="connsiteY112" fmla="*/ 869420 h 887274"/>
+              <a:gd name="connsiteX113" fmla="*/ 1929277 w 3373761"/>
+              <a:gd name="connsiteY113" fmla="*/ 473934 h 887274"/>
+              <a:gd name="connsiteX114" fmla="*/ 1897357 w 3373761"/>
+              <a:gd name="connsiteY114" fmla="*/ 366271 h 887274"/>
+              <a:gd name="connsiteX115" fmla="*/ 1805925 w 3373761"/>
+              <a:gd name="connsiteY115" fmla="*/ 332728 h 887274"/>
+              <a:gd name="connsiteX116" fmla="*/ 1742625 w 3373761"/>
+              <a:gd name="connsiteY116" fmla="*/ 345713 h 887274"/>
+              <a:gd name="connsiteX117" fmla="*/ 1695016 w 3373761"/>
+              <a:gd name="connsiteY117" fmla="*/ 380879 h 887274"/>
+              <a:gd name="connsiteX118" fmla="*/ 1664719 w 3373761"/>
+              <a:gd name="connsiteY118" fmla="*/ 433899 h 887274"/>
+              <a:gd name="connsiteX119" fmla="*/ 1653898 w 3373761"/>
+              <a:gd name="connsiteY119" fmla="*/ 498280 h 887274"/>
+              <a:gd name="connsiteX120" fmla="*/ 1653898 w 3373761"/>
+              <a:gd name="connsiteY120" fmla="*/ 869961 h 887274"/>
+              <a:gd name="connsiteX121" fmla="*/ 1514856 w 3373761"/>
+              <a:gd name="connsiteY121" fmla="*/ 869961 h 887274"/>
+              <a:gd name="connsiteX122" fmla="*/ 1514856 w 3373761"/>
+              <a:gd name="connsiteY122" fmla="*/ 240214 h 887274"/>
+              <a:gd name="connsiteX123" fmla="*/ 1515938 w 3373761"/>
+              <a:gd name="connsiteY123" fmla="*/ 240214 h 887274"/>
+              <a:gd name="connsiteX124" fmla="*/ 1647406 w 3373761"/>
+              <a:gd name="connsiteY124" fmla="*/ 240214 h 887274"/>
+              <a:gd name="connsiteX125" fmla="*/ 1647406 w 3373761"/>
+              <a:gd name="connsiteY125" fmla="*/ 332728 h 887274"/>
+              <a:gd name="connsiteX126" fmla="*/ 1649570 w 3373761"/>
+              <a:gd name="connsiteY126" fmla="*/ 334892 h 887274"/>
+              <a:gd name="connsiteX127" fmla="*/ 1732346 w 3373761"/>
+              <a:gd name="connsiteY127" fmla="*/ 252657 h 887274"/>
+              <a:gd name="connsiteX128" fmla="*/ 1845419 w 3373761"/>
+              <a:gd name="connsiteY128" fmla="*/ 222901 h 887274"/>
+              <a:gd name="connsiteX129" fmla="*/ 0 w 3373761"/>
+              <a:gd name="connsiteY129" fmla="*/ 0 h 887274"/>
+              <a:gd name="connsiteX130" fmla="*/ 152568 w 3373761"/>
+              <a:gd name="connsiteY130" fmla="*/ 0 h 887274"/>
+              <a:gd name="connsiteX131" fmla="*/ 152568 w 3373761"/>
+              <a:gd name="connsiteY131" fmla="*/ 346253 h 887274"/>
+              <a:gd name="connsiteX132" fmla="*/ 548053 w 3373761"/>
+              <a:gd name="connsiteY132" fmla="*/ 346253 h 887274"/>
+              <a:gd name="connsiteX133" fmla="*/ 548053 w 3373761"/>
+              <a:gd name="connsiteY133" fmla="*/ 0 h 887274"/>
+              <a:gd name="connsiteX134" fmla="*/ 700621 w 3373761"/>
+              <a:gd name="connsiteY134" fmla="*/ 0 h 887274"/>
+              <a:gd name="connsiteX135" fmla="*/ 700621 w 3373761"/>
+              <a:gd name="connsiteY135" fmla="*/ 869960 h 887274"/>
+              <a:gd name="connsiteX136" fmla="*/ 548053 w 3373761"/>
+              <a:gd name="connsiteY136" fmla="*/ 869960 h 887274"/>
+              <a:gd name="connsiteX137" fmla="*/ 548053 w 3373761"/>
+              <a:gd name="connsiteY137" fmla="*/ 477721 h 887274"/>
+              <a:gd name="connsiteX138" fmla="*/ 152568 w 3373761"/>
+              <a:gd name="connsiteY138" fmla="*/ 477721 h 887274"/>
+              <a:gd name="connsiteX139" fmla="*/ 152568 w 3373761"/>
+              <a:gd name="connsiteY139" fmla="*/ 869960 h 887274"/>
+              <a:gd name="connsiteX140" fmla="*/ 0 w 3373761"/>
+              <a:gd name="connsiteY140" fmla="*/ 869960 h 887274"/>
+            </a:gdLst>
+            <a:ahLst/>
+            <a:cxnLst>
+              <a:cxn ang="0">
+                <a:pos x="connsiteX0" y="connsiteY0"/>
+              </a:cxn>
+              <a:cxn ang="0">
+                <a:pos x="connsiteX1" y="connsiteY1"/>
+              </a:cxn>
+              <a:cxn ang="0">
+                <a:pos x="connsiteX2" y="connsiteY2"/>
+              </a:cxn>
+              <a:cxn ang="0">
+                <a:pos x="connsiteX3" y="connsiteY3"/>
+              </a:cxn>
+              <a:cxn ang="0">
+                <a:pos x="connsiteX4" y="connsiteY4"/>
+              </a:cxn>
+              <a:cxn ang="0">
+                <a:pos x="connsiteX5" y="connsiteY5"/>
+              </a:cxn>
+              <a:cxn ang="0">
+                <a:pos x="connsiteX6" y="connsiteY6"/>
+              </a:cxn>
+              <a:cxn ang="0">
+                <a:pos x="connsiteX7" y="connsiteY7"/>
+              </a:cxn>
+              <a:cxn ang="0">
+                <a:pos x="connsiteX8" y="connsiteY8"/>
+              </a:cxn>
+              <a:cxn ang="0">
+                <a:pos x="connsiteX9" y="connsiteY9"/>
+              </a:cxn>
+              <a:cxn ang="0">
+                <a:pos x="connsiteX10" y="connsiteY10"/>
+              </a:cxn>
+              <a:cxn ang="0">
+                <a:pos x="connsiteX11" y="connsiteY11"/>
+              </a:cxn>
+              <a:cxn ang="0">
+                <a:pos x="connsiteX12" y="connsiteY12"/>
+              </a:cxn>
+              <a:cxn ang="0">
+                <a:pos x="connsiteX13" y="connsiteY13"/>
+              </a:cxn>
+              <a:cxn ang="0">
+                <a:pos x="connsiteX14" y="connsiteY14"/>
+              </a:cxn>
+              <a:cxn ang="0">
+                <a:pos x="connsiteX15" y="connsiteY15"/>
+              </a:cxn>
+              <a:cxn ang="0">
+                <a:pos x="connsiteX16" y="connsiteY16"/>
+              </a:cxn>
+              <a:cxn ang="0">
+                <a:pos x="connsiteX17" y="connsiteY17"/>
+              </a:cxn>
+              <a:cxn ang="0">
+                <a:pos x="connsiteX18" y="connsiteY18"/>
+              </a:cxn>
+              <a:cxn ang="0">
+                <a:pos x="connsiteX19" y="connsiteY19"/>
+              </a:cxn>
+              <a:cxn ang="0">
+                <a:pos x="connsiteX20" y="connsiteY20"/>
+              </a:cxn>
+              <a:cxn ang="0">
+                <a:pos x="connsiteX21" y="connsiteY21"/>
+              </a:cxn>
+              <a:cxn ang="0">
+                <a:pos x="connsiteX22" y="connsiteY22"/>
+              </a:cxn>
+              <a:cxn ang="0">
+                <a:pos x="connsiteX23" y="connsiteY23"/>
+              </a:cxn>
+              <a:cxn ang="0">
+                <a:pos x="connsiteX24" y="connsiteY24"/>
+              </a:cxn>
+              <a:cxn ang="0">
+                <a:pos x="connsiteX25" y="connsiteY25"/>
+              </a:cxn>
+              <a:cxn ang="0">
+                <a:pos x="connsiteX26" y="connsiteY26"/>
+              </a:cxn>
+              <a:cxn ang="0">
+                <a:pos x="connsiteX27" y="connsiteY27"/>
+              </a:cxn>
+              <a:cxn ang="0">
+                <a:pos x="connsiteX28" y="connsiteY28"/>
+              </a:cxn>
+              <a:cxn ang="0">
+                <a:pos x="connsiteX29" y="connsiteY29"/>
+              </a:cxn>
+              <a:cxn ang="0">
+                <a:pos x="connsiteX30" y="connsiteY30"/>
+              </a:cxn>
+              <a:cxn ang="0">
+                <a:pos x="connsiteX31" y="connsiteY31"/>
+              </a:cxn>
+              <a:cxn ang="0">
+                <a:pos x="connsiteX32" y="connsiteY32"/>
+              </a:cxn>
+              <a:cxn ang="0">
+                <a:pos x="connsiteX33" y="connsiteY33"/>
+              </a:cxn>
+              <a:cxn ang="0">
+                <a:pos x="connsiteX34" y="connsiteY34"/>
+              </a:cxn>
+              <a:cxn ang="0">
+                <a:pos x="connsiteX35" y="connsiteY35"/>
+              </a:cxn>
+              <a:cxn ang="0">
+                <a:pos x="connsiteX36" y="connsiteY36"/>
+              </a:cxn>
+              <a:cxn ang="0">
+                <a:pos x="connsiteX37" y="connsiteY37"/>
+              </a:cxn>
+              <a:cxn ang="0">
+                <a:pos x="connsiteX38" y="connsiteY38"/>
+              </a:cxn>
+              <a:cxn ang="0">
+                <a:pos x="connsiteX39" y="connsiteY39"/>
+              </a:cxn>
+              <a:cxn ang="0">
+                <a:pos x="connsiteX40" y="connsiteY40"/>
+              </a:cxn>
+              <a:cxn ang="0">
+                <a:pos x="connsiteX41" y="connsiteY41"/>
+              </a:cxn>
+              <a:cxn ang="0">
+                <a:pos x="connsiteX42" y="connsiteY42"/>
+              </a:cxn>
+              <a:cxn ang="0">
+                <a:pos x="connsiteX43" y="connsiteY43"/>
+              </a:cxn>
+              <a:cxn ang="0">
+                <a:pos x="connsiteX44" y="connsiteY44"/>
+              </a:cxn>
+              <a:cxn ang="0">
+                <a:pos x="connsiteX45" y="connsiteY45"/>
+              </a:cxn>
+              <a:cxn ang="0">
+                <a:pos x="connsiteX46" y="connsiteY46"/>
+              </a:cxn>
+              <a:cxn ang="0">
+                <a:pos x="connsiteX47" y="connsiteY47"/>
+              </a:cxn>
+              <a:cxn ang="0">
+                <a:pos x="connsiteX48" y="connsiteY48"/>
+              </a:cxn>
+              <a:cxn ang="0">
+                <a:pos x="connsiteX49" y="connsiteY49"/>
+              </a:cxn>
+              <a:cxn ang="0">
+                <a:pos x="connsiteX50" y="connsiteY50"/>
+              </a:cxn>
+              <a:cxn ang="0">
+                <a:pos x="connsiteX51" y="connsiteY51"/>
+              </a:cxn>
+              <a:cxn ang="0">
+                <a:pos x="connsiteX52" y="connsiteY52"/>
+              </a:cxn>
+              <a:cxn ang="0">
+                <a:pos x="connsiteX53" y="connsiteY53"/>
+              </a:cxn>
+              <a:cxn ang="0">
+                <a:pos x="connsiteX54" y="connsiteY54"/>
+              </a:cxn>
+              <a:cxn ang="0">
+                <a:pos x="connsiteX55" y="connsiteY55"/>
+              </a:cxn>
+              <a:cxn ang="0">
+                <a:pos x="connsiteX56" y="connsiteY56"/>
+              </a:cxn>
+              <a:cxn ang="0">
+                <a:pos x="connsiteX57" y="connsiteY57"/>
+              </a:cxn>
+              <a:cxn ang="0">
+                <a:pos x="connsiteX58" y="connsiteY58"/>
+              </a:cxn>
+              <a:cxn ang="0">
+                <a:pos x="connsiteX59" y="connsiteY59"/>
+              </a:cxn>
+              <a:cxn ang="0">
+                <a:pos x="connsiteX60" y="connsiteY60"/>
+              </a:cxn>
+              <a:cxn ang="0">
+                <a:pos x="connsiteX61" y="connsiteY61"/>
+              </a:cxn>
+              <a:cxn ang="0">
+                <a:pos x="connsiteX62" y="connsiteY62"/>
+              </a:cxn>
+              <a:cxn ang="0">
+                <a:pos x="connsiteX63" y="connsiteY63"/>
+              </a:cxn>
+              <a:cxn ang="0">
+                <a:pos x="connsiteX64" y="connsiteY64"/>
+              </a:cxn>
+              <a:cxn ang="0">
+                <a:pos x="connsiteX65" y="connsiteY65"/>
+              </a:cxn>
+              <a:cxn ang="0">
+                <a:pos x="connsiteX66" y="connsiteY66"/>
+              </a:cxn>
+              <a:cxn ang="0">
+                <a:pos x="connsiteX67" y="connsiteY67"/>
+              </a:cxn>
+              <a:cxn ang="0">
+                <a:pos x="connsiteX68" y="connsiteY68"/>
+              </a:cxn>
+              <a:cxn ang="0">
+                <a:pos x="connsiteX69" y="connsiteY69"/>
+              </a:cxn>
+              <a:cxn ang="0">
+                <a:pos x="connsiteX70" y="connsiteY70"/>
+              </a:cxn>
+              <a:cxn ang="0">
+                <a:pos x="connsiteX71" y="connsiteY71"/>
+              </a:cxn>
+              <a:cxn ang="0">
+                <a:pos x="connsiteX72" y="connsiteY72"/>
+              </a:cxn>
+              <a:cxn ang="0">
+                <a:pos x="connsiteX73" y="connsiteY73"/>
+              </a:cxn>
+              <a:cxn ang="0">
+                <a:pos x="connsiteX74" y="connsiteY74"/>
+              </a:cxn>
+              <a:cxn ang="0">
+                <a:pos x="connsiteX75" y="connsiteY75"/>
+              </a:cxn>
+              <a:cxn ang="0">
+                <a:pos x="connsiteX76" y="connsiteY76"/>
+              </a:cxn>
+              <a:cxn ang="0">
+                <a:pos x="connsiteX77" y="connsiteY77"/>
+              </a:cxn>
+              <a:cxn ang="0">
+                <a:pos x="connsiteX78" y="connsiteY78"/>
+              </a:cxn>
+              <a:cxn ang="0">
+                <a:pos x="connsiteX79" y="connsiteY79"/>
+              </a:cxn>
+              <a:cxn ang="0">
+                <a:pos x="connsiteX80" y="connsiteY80"/>
+              </a:cxn>
+              <a:cxn ang="0">
+                <a:pos x="connsiteX81" y="connsiteY81"/>
+              </a:cxn>
+              <a:cxn ang="0">
+                <a:pos x="connsiteX82" y="connsiteY82"/>
+              </a:cxn>
+              <a:cxn ang="0">
+                <a:pos x="connsiteX83" y="connsiteY83"/>
+              </a:cxn>
+              <a:cxn ang="0">
+                <a:pos x="connsiteX84" y="connsiteY84"/>
+              </a:cxn>
+              <a:cxn ang="0">
+                <a:pos x="connsiteX85" y="connsiteY85"/>
+              </a:cxn>
+              <a:cxn ang="0">
+                <a:pos x="connsiteX86" y="connsiteY86"/>
+              </a:cxn>
+              <a:cxn ang="0">
+                <a:pos x="connsiteX87" y="connsiteY87"/>
+              </a:cxn>
+              <a:cxn ang="0">
+                <a:pos x="connsiteX88" y="connsiteY88"/>
+              </a:cxn>
+              <a:cxn ang="0">
+                <a:pos x="connsiteX89" y="connsiteY89"/>
+              </a:cxn>
+              <a:cxn ang="0">
+                <a:pos x="connsiteX90" y="connsiteY90"/>
+              </a:cxn>
+              <a:cxn ang="0">
+                <a:pos x="connsiteX91" y="connsiteY91"/>
+              </a:cxn>
+              <a:cxn ang="0">
+                <a:pos x="connsiteX92" y="connsiteY92"/>
+              </a:cxn>
+              <a:cxn ang="0">
+                <a:pos x="connsiteX93" y="connsiteY93"/>
+              </a:cxn>
+              <a:cxn ang="0">
+                <a:pos x="connsiteX94" y="connsiteY94"/>
+              </a:cxn>
+              <a:cxn ang="0">
+                <a:pos x="connsiteX95" y="connsiteY95"/>
+              </a:cxn>
+              <a:cxn ang="0">
+                <a:pos x="connsiteX96" y="connsiteY96"/>
+              </a:cxn>
+              <a:cxn ang="0">
+                <a:pos x="connsiteX97" y="connsiteY97"/>
+              </a:cxn>
+              <a:cxn ang="0">
+                <a:pos x="connsiteX98" y="connsiteY98"/>
+              </a:cxn>
+              <a:cxn ang="0">
+                <a:pos x="connsiteX99" y="connsiteY99"/>
+              </a:cxn>
+              <a:cxn ang="0">
+                <a:pos x="connsiteX100" y="connsiteY100"/>
+              </a:cxn>
+              <a:cxn ang="0">
+                <a:pos x="connsiteX101" y="connsiteY101"/>
+              </a:cxn>
+              <a:cxn ang="0">
+                <a:pos x="connsiteX102" y="connsiteY102"/>
+              </a:cxn>
+              <a:cxn ang="0">
+                <a:pos x="connsiteX103" y="connsiteY103"/>
+              </a:cxn>
+              <a:cxn ang="0">
+                <a:pos x="connsiteX104" y="connsiteY104"/>
+              </a:cxn>
+              <a:cxn ang="0">
+                <a:pos x="connsiteX105" y="connsiteY105"/>
+              </a:cxn>
+              <a:cxn ang="0">
+                <a:pos x="connsiteX106" y="connsiteY106"/>
+              </a:cxn>
+              <a:cxn ang="0">
+                <a:pos x="connsiteX107" y="connsiteY107"/>
+              </a:cxn>
+              <a:cxn ang="0">
+                <a:pos x="connsiteX108" y="connsiteY108"/>
+              </a:cxn>
+              <a:cxn ang="0">
+                <a:pos x="connsiteX109" y="connsiteY109"/>
+              </a:cxn>
+              <a:cxn ang="0">
+                <a:pos x="connsiteX110" y="connsiteY110"/>
+              </a:cxn>
+              <a:cxn ang="0">
+                <a:pos x="connsiteX111" y="connsiteY111"/>
+              </a:cxn>
+              <a:cxn ang="0">
+                <a:pos x="connsiteX112" y="connsiteY112"/>
+              </a:cxn>
+              <a:cxn ang="0">
+                <a:pos x="connsiteX113" y="connsiteY113"/>
+              </a:cxn>
+              <a:cxn ang="0">
+                <a:pos x="connsiteX114" y="connsiteY114"/>
+              </a:cxn>
+              <a:cxn ang="0">
+                <a:pos x="connsiteX115" y="connsiteY115"/>
+              </a:cxn>
+              <a:cxn ang="0">
+                <a:pos x="connsiteX116" y="connsiteY116"/>
+              </a:cxn>
+              <a:cxn ang="0">
+                <a:pos x="connsiteX117" y="connsiteY117"/>
+              </a:cxn>
+              <a:cxn ang="0">
+                <a:pos x="connsiteX118" y="connsiteY118"/>
+              </a:cxn>
+              <a:cxn ang="0">
+                <a:pos x="connsiteX119" y="connsiteY119"/>
+              </a:cxn>
+              <a:cxn ang="0">
+                <a:pos x="connsiteX120" y="connsiteY120"/>
+              </a:cxn>
+              <a:cxn ang="0">
+                <a:pos x="connsiteX121" y="connsiteY121"/>
+              </a:cxn>
+              <a:cxn ang="0">
+                <a:pos x="connsiteX122" y="connsiteY122"/>
+              </a:cxn>
+              <a:cxn ang="0">
+                <a:pos x="connsiteX123" y="connsiteY123"/>
+              </a:cxn>
+              <a:cxn ang="0">
+                <a:pos x="connsiteX124" y="connsiteY124"/>
+              </a:cxn>
+              <a:cxn ang="0">
+                <a:pos x="connsiteX125" y="connsiteY125"/>
+              </a:cxn>
+              <a:cxn ang="0">
+                <a:pos x="connsiteX126" y="connsiteY126"/>
+              </a:cxn>
+              <a:cxn ang="0">
+                <a:pos x="connsiteX127" y="connsiteY127"/>
+              </a:cxn>
+              <a:cxn ang="0">
+                <a:pos x="connsiteX128" y="connsiteY128"/>
+              </a:cxn>
+              <a:cxn ang="0">
+                <a:pos x="connsiteX129" y="connsiteY129"/>
+              </a:cxn>
+              <a:cxn ang="0">
+                <a:pos x="connsiteX130" y="connsiteY130"/>
+              </a:cxn>
+              <a:cxn ang="0">
+                <a:pos x="connsiteX131" y="connsiteY131"/>
+              </a:cxn>
+              <a:cxn ang="0">
+                <a:pos x="connsiteX132" y="connsiteY132"/>
+              </a:cxn>
+              <a:cxn ang="0">
+                <a:pos x="connsiteX133" y="connsiteY133"/>
+              </a:cxn>
+              <a:cxn ang="0">
+                <a:pos x="connsiteX134" y="connsiteY134"/>
+              </a:cxn>
+              <a:cxn ang="0">
+                <a:pos x="connsiteX135" y="connsiteY135"/>
+              </a:cxn>
+              <a:cxn ang="0">
+                <a:pos x="connsiteX136" y="connsiteY136"/>
+              </a:cxn>
+              <a:cxn ang="0">
+                <a:pos x="connsiteX137" y="connsiteY137"/>
+              </a:cxn>
+              <a:cxn ang="0">
+                <a:pos x="connsiteX138" y="connsiteY138"/>
+              </a:cxn>
+              <a:cxn ang="0">
+                <a:pos x="connsiteX139" y="connsiteY139"/>
+              </a:cxn>
+              <a:cxn ang="0">
+                <a:pos x="connsiteX140" y="connsiteY140"/>
+              </a:cxn>
+            </a:cxnLst>
+            <a:rect l="l" t="t" r="r" b="b"/>
+            <a:pathLst>
+              <a:path w="3373761" h="887274">
+                <a:moveTo>
+                  <a:pt x="1238936" y="554546"/>
+                </a:moveTo>
+                <a:lnTo>
+                  <a:pt x="1238936" y="554802"/>
+                </a:lnTo>
+                <a:lnTo>
+                  <a:pt x="1204175" y="571250"/>
+                </a:lnTo>
+                <a:cubicBezTo>
+                  <a:pt x="1191191" y="575376"/>
+                  <a:pt x="1176989" y="578081"/>
+                  <a:pt x="1161570" y="579433"/>
+                </a:cubicBezTo>
+                <a:cubicBezTo>
+                  <a:pt x="1130732" y="582138"/>
+                  <a:pt x="1099894" y="586467"/>
+                  <a:pt x="1069055" y="592418"/>
+                </a:cubicBezTo>
+                <a:cubicBezTo>
+                  <a:pt x="1054448" y="595123"/>
+                  <a:pt x="1040381" y="598369"/>
+                  <a:pt x="1026315" y="602697"/>
+                </a:cubicBezTo>
+                <a:cubicBezTo>
+                  <a:pt x="1012248" y="607025"/>
+                  <a:pt x="1000346" y="613518"/>
+                  <a:pt x="989526" y="621092"/>
+                </a:cubicBezTo>
+                <a:cubicBezTo>
+                  <a:pt x="978705" y="628666"/>
+                  <a:pt x="970590" y="638945"/>
+                  <a:pt x="964639" y="651389"/>
+                </a:cubicBezTo>
+                <a:cubicBezTo>
+                  <a:pt x="958687" y="663832"/>
+                  <a:pt x="955441" y="678981"/>
+                  <a:pt x="955441" y="696835"/>
+                </a:cubicBezTo>
+                <a:cubicBezTo>
+                  <a:pt x="955441" y="712524"/>
+                  <a:pt x="959770" y="725509"/>
+                  <a:pt x="968967" y="735788"/>
+                </a:cubicBezTo>
+                <a:cubicBezTo>
+                  <a:pt x="977623" y="746608"/>
+                  <a:pt x="988444" y="754724"/>
+                  <a:pt x="1001428" y="760675"/>
+                </a:cubicBezTo>
+                <a:cubicBezTo>
+                  <a:pt x="1013872" y="766626"/>
+                  <a:pt x="1027938" y="770954"/>
+                  <a:pt x="1043086" y="773659"/>
+                </a:cubicBezTo>
+                <a:cubicBezTo>
+                  <a:pt x="1058235" y="776365"/>
+                  <a:pt x="1071760" y="777447"/>
+                  <a:pt x="1083663" y="777447"/>
+                </a:cubicBezTo>
+                <a:cubicBezTo>
+                  <a:pt x="1098811" y="777447"/>
+                  <a:pt x="1115583" y="775283"/>
+                  <a:pt x="1133437" y="771495"/>
+                </a:cubicBezTo>
+                <a:cubicBezTo>
+                  <a:pt x="1151290" y="767708"/>
+                  <a:pt x="1168062" y="760675"/>
+                  <a:pt x="1183752" y="750937"/>
+                </a:cubicBezTo>
+                <a:cubicBezTo>
+                  <a:pt x="1199441" y="741198"/>
+                  <a:pt x="1212967" y="728755"/>
+                  <a:pt x="1223246" y="713606"/>
+                </a:cubicBezTo>
+                <a:cubicBezTo>
+                  <a:pt x="1233526" y="698458"/>
+                  <a:pt x="1238936" y="680063"/>
+                  <a:pt x="1238936" y="658422"/>
+                </a:cubicBezTo>
+                <a:lnTo>
+                  <a:pt x="1238936" y="554802"/>
+                </a:lnTo>
+                <a:lnTo>
+                  <a:pt x="1239477" y="554546"/>
+                </a:lnTo>
+                <a:close/>
+                <a:moveTo>
+                  <a:pt x="3072993" y="332187"/>
+                </a:moveTo>
+                <a:cubicBezTo>
+                  <a:pt x="3048647" y="332187"/>
+                  <a:pt x="3026466" y="336515"/>
+                  <a:pt x="3006448" y="345172"/>
+                </a:cubicBezTo>
+                <a:cubicBezTo>
+                  <a:pt x="2986430" y="353828"/>
+                  <a:pt x="2969658" y="365730"/>
+                  <a:pt x="2955051" y="380338"/>
+                </a:cubicBezTo>
+                <a:cubicBezTo>
+                  <a:pt x="2940984" y="395486"/>
+                  <a:pt x="2929623" y="412799"/>
+                  <a:pt x="2920967" y="433358"/>
+                </a:cubicBezTo>
+                <a:cubicBezTo>
+                  <a:pt x="2912310" y="453917"/>
+                  <a:pt x="2907982" y="475557"/>
+                  <a:pt x="2906900" y="499362"/>
+                </a:cubicBezTo>
+                <a:lnTo>
+                  <a:pt x="3231512" y="499362"/>
+                </a:lnTo>
+                <a:cubicBezTo>
+                  <a:pt x="3229889" y="477721"/>
+                  <a:pt x="3225020" y="456081"/>
+                  <a:pt x="3217446" y="436063"/>
+                </a:cubicBezTo>
+                <a:cubicBezTo>
+                  <a:pt x="3209871" y="416045"/>
+                  <a:pt x="3199051" y="398192"/>
+                  <a:pt x="3185525" y="383043"/>
+                </a:cubicBezTo>
+                <a:cubicBezTo>
+                  <a:pt x="3172000" y="367894"/>
+                  <a:pt x="3155769" y="355992"/>
+                  <a:pt x="3136833" y="346254"/>
+                </a:cubicBezTo>
+                <a:cubicBezTo>
+                  <a:pt x="3117898" y="337056"/>
+                  <a:pt x="3096257" y="332187"/>
+                  <a:pt x="3072993" y="332187"/>
+                </a:cubicBezTo>
+                <a:close/>
+                <a:moveTo>
+                  <a:pt x="2180851" y="240213"/>
+                </a:moveTo>
+                <a:lnTo>
+                  <a:pt x="2692115" y="240213"/>
+                </a:lnTo>
+                <a:lnTo>
+                  <a:pt x="2692115" y="337597"/>
+                </a:lnTo>
+                <a:lnTo>
+                  <a:pt x="2331796" y="760133"/>
+                </a:lnTo>
+                <a:lnTo>
+                  <a:pt x="2710510" y="760133"/>
+                </a:lnTo>
+                <a:lnTo>
+                  <a:pt x="2710510" y="869960"/>
+                </a:lnTo>
+                <a:lnTo>
+                  <a:pt x="2156505" y="869960"/>
+                </a:lnTo>
+                <a:lnTo>
+                  <a:pt x="2156505" y="772577"/>
+                </a:lnTo>
+                <a:lnTo>
+                  <a:pt x="2504922" y="349499"/>
+                </a:lnTo>
+                <a:lnTo>
+                  <a:pt x="2180851" y="349499"/>
+                </a:lnTo>
+                <a:close/>
+                <a:moveTo>
+                  <a:pt x="1123699" y="223442"/>
+                </a:moveTo>
+                <a:cubicBezTo>
+                  <a:pt x="1154537" y="223442"/>
+                  <a:pt x="1184834" y="226688"/>
+                  <a:pt x="1215131" y="233180"/>
+                </a:cubicBezTo>
+                <a:cubicBezTo>
+                  <a:pt x="1244887" y="239673"/>
+                  <a:pt x="1271938" y="250493"/>
+                  <a:pt x="1296284" y="265101"/>
+                </a:cubicBezTo>
+                <a:cubicBezTo>
+                  <a:pt x="1320089" y="279708"/>
+                  <a:pt x="1339565" y="298644"/>
+                  <a:pt x="1354173" y="321908"/>
+                </a:cubicBezTo>
+                <a:cubicBezTo>
+                  <a:pt x="1368781" y="345172"/>
+                  <a:pt x="1376355" y="373305"/>
+                  <a:pt x="1376355" y="406307"/>
+                </a:cubicBezTo>
+                <a:lnTo>
+                  <a:pt x="1376355" y="729837"/>
+                </a:lnTo>
+                <a:lnTo>
+                  <a:pt x="1378519" y="729837"/>
+                </a:lnTo>
+                <a:cubicBezTo>
+                  <a:pt x="1378519" y="747150"/>
+                  <a:pt x="1380683" y="759052"/>
+                  <a:pt x="1385011" y="766626"/>
+                </a:cubicBezTo>
+                <a:cubicBezTo>
+                  <a:pt x="1389339" y="773659"/>
+                  <a:pt x="1397996" y="777447"/>
+                  <a:pt x="1410980" y="777447"/>
+                </a:cubicBezTo>
+                <a:lnTo>
+                  <a:pt x="1425588" y="777447"/>
+                </a:lnTo>
+                <a:cubicBezTo>
+                  <a:pt x="1431539" y="777447"/>
+                  <a:pt x="1438031" y="776906"/>
+                  <a:pt x="1445064" y="775283"/>
+                </a:cubicBezTo>
+                <a:lnTo>
+                  <a:pt x="1445064" y="871584"/>
+                </a:lnTo>
+                <a:cubicBezTo>
+                  <a:pt x="1440195" y="873207"/>
+                  <a:pt x="1433703" y="874830"/>
+                  <a:pt x="1426129" y="876994"/>
+                </a:cubicBezTo>
+                <a:cubicBezTo>
+                  <a:pt x="1418554" y="879158"/>
+                  <a:pt x="1410439" y="880781"/>
+                  <a:pt x="1402324" y="882405"/>
+                </a:cubicBezTo>
+                <a:cubicBezTo>
+                  <a:pt x="1394209" y="884028"/>
+                  <a:pt x="1386093" y="885110"/>
+                  <a:pt x="1377978" y="886192"/>
+                </a:cubicBezTo>
+                <a:cubicBezTo>
+                  <a:pt x="1369863" y="887274"/>
+                  <a:pt x="1362829" y="887274"/>
+                  <a:pt x="1357419" y="887274"/>
+                </a:cubicBezTo>
+                <a:cubicBezTo>
+                  <a:pt x="1328745" y="887274"/>
+                  <a:pt x="1305481" y="881323"/>
+                  <a:pt x="1286545" y="869961"/>
+                </a:cubicBezTo>
+                <a:cubicBezTo>
+                  <a:pt x="1267610" y="858600"/>
+                  <a:pt x="1255707" y="838582"/>
+                  <a:pt x="1249756" y="810449"/>
+                </a:cubicBezTo>
+                <a:cubicBezTo>
+                  <a:pt x="1222164" y="837500"/>
+                  <a:pt x="1188080" y="856977"/>
+                  <a:pt x="1148044" y="868879"/>
+                </a:cubicBezTo>
+                <a:cubicBezTo>
+                  <a:pt x="1108009" y="880781"/>
+                  <a:pt x="1069055" y="887274"/>
+                  <a:pt x="1031725" y="887274"/>
+                </a:cubicBezTo>
+                <a:cubicBezTo>
+                  <a:pt x="1003051" y="887274"/>
+                  <a:pt x="976000" y="883487"/>
+                  <a:pt x="950031" y="875912"/>
+                </a:cubicBezTo>
+                <a:cubicBezTo>
+                  <a:pt x="924062" y="868338"/>
+                  <a:pt x="901339" y="856977"/>
+                  <a:pt x="881322" y="841828"/>
+                </a:cubicBezTo>
+                <a:cubicBezTo>
+                  <a:pt x="861304" y="826679"/>
+                  <a:pt x="845614" y="807744"/>
+                  <a:pt x="833712" y="784480"/>
+                </a:cubicBezTo>
+                <a:cubicBezTo>
+                  <a:pt x="821809" y="761216"/>
+                  <a:pt x="815858" y="734165"/>
+                  <a:pt x="815858" y="703327"/>
+                </a:cubicBezTo>
+                <a:cubicBezTo>
+                  <a:pt x="815858" y="664373"/>
+                  <a:pt x="822891" y="632453"/>
+                  <a:pt x="836958" y="608107"/>
+                </a:cubicBezTo>
+                <a:cubicBezTo>
+                  <a:pt x="851024" y="583761"/>
+                  <a:pt x="869960" y="564826"/>
+                  <a:pt x="893224" y="550759"/>
+                </a:cubicBezTo>
+                <a:cubicBezTo>
+                  <a:pt x="916488" y="537234"/>
+                  <a:pt x="942457" y="526954"/>
+                  <a:pt x="971131" y="521003"/>
+                </a:cubicBezTo>
+                <a:cubicBezTo>
+                  <a:pt x="999805" y="515052"/>
+                  <a:pt x="1029020" y="510183"/>
+                  <a:pt x="1058235" y="506937"/>
+                </a:cubicBezTo>
+                <a:cubicBezTo>
+                  <a:pt x="1083122" y="502067"/>
+                  <a:pt x="1107468" y="498821"/>
+                  <a:pt x="1130191" y="496657"/>
+                </a:cubicBezTo>
+                <a:cubicBezTo>
+                  <a:pt x="1152913" y="494493"/>
+                  <a:pt x="1172931" y="491247"/>
+                  <a:pt x="1190244" y="486378"/>
+                </a:cubicBezTo>
+                <a:cubicBezTo>
+                  <a:pt x="1207557" y="481509"/>
+                  <a:pt x="1221623" y="473934"/>
+                  <a:pt x="1231903" y="463655"/>
+                </a:cubicBezTo>
+                <a:cubicBezTo>
+                  <a:pt x="1242182" y="453376"/>
+                  <a:pt x="1247051" y="438227"/>
+                  <a:pt x="1247051" y="418209"/>
+                </a:cubicBezTo>
+                <a:cubicBezTo>
+                  <a:pt x="1247051" y="400356"/>
+                  <a:pt x="1242723" y="385748"/>
+                  <a:pt x="1234066" y="374387"/>
+                </a:cubicBezTo>
+                <a:cubicBezTo>
+                  <a:pt x="1225410" y="363025"/>
+                  <a:pt x="1215131" y="354369"/>
+                  <a:pt x="1202146" y="348418"/>
+                </a:cubicBezTo>
+                <a:cubicBezTo>
+                  <a:pt x="1189703" y="342466"/>
+                  <a:pt x="1175636" y="338138"/>
+                  <a:pt x="1159947" y="335974"/>
+                </a:cubicBezTo>
+                <a:cubicBezTo>
+                  <a:pt x="1144257" y="333810"/>
+                  <a:pt x="1129650" y="332728"/>
+                  <a:pt x="1116124" y="332728"/>
+                </a:cubicBezTo>
+                <a:cubicBezTo>
+                  <a:pt x="1077171" y="332728"/>
+                  <a:pt x="1045251" y="340843"/>
+                  <a:pt x="1019823" y="357074"/>
+                </a:cubicBezTo>
+                <a:cubicBezTo>
+                  <a:pt x="994395" y="373305"/>
+                  <a:pt x="980328" y="398733"/>
+                  <a:pt x="977082" y="432817"/>
+                </a:cubicBezTo>
+                <a:lnTo>
+                  <a:pt x="838040" y="432817"/>
+                </a:lnTo>
+                <a:cubicBezTo>
+                  <a:pt x="840745" y="392240"/>
+                  <a:pt x="850483" y="358697"/>
+                  <a:pt x="867255" y="331646"/>
+                </a:cubicBezTo>
+                <a:cubicBezTo>
+                  <a:pt x="884568" y="305136"/>
+                  <a:pt x="906208" y="283495"/>
+                  <a:pt x="932177" y="267265"/>
+                </a:cubicBezTo>
+                <a:cubicBezTo>
+                  <a:pt x="958687" y="251034"/>
+                  <a:pt x="988444" y="239673"/>
+                  <a:pt x="1021446" y="233180"/>
+                </a:cubicBezTo>
+                <a:cubicBezTo>
+                  <a:pt x="1054448" y="226688"/>
+                  <a:pt x="1088532" y="223442"/>
+                  <a:pt x="1123699" y="223442"/>
+                </a:cubicBezTo>
+                <a:close/>
+                <a:moveTo>
+                  <a:pt x="3074075" y="222901"/>
+                </a:moveTo>
+                <a:cubicBezTo>
+                  <a:pt x="3123849" y="222901"/>
+                  <a:pt x="3168212" y="233180"/>
+                  <a:pt x="3207166" y="253739"/>
+                </a:cubicBezTo>
+                <a:cubicBezTo>
+                  <a:pt x="3246660" y="274298"/>
+                  <a:pt x="3279122" y="301890"/>
+                  <a:pt x="3305091" y="335974"/>
+                </a:cubicBezTo>
+                <a:cubicBezTo>
+                  <a:pt x="3331060" y="370059"/>
+                  <a:pt x="3349995" y="409012"/>
+                  <a:pt x="3361898" y="453376"/>
+                </a:cubicBezTo>
+                <a:cubicBezTo>
+                  <a:pt x="3373800" y="497739"/>
+                  <a:pt x="3376505" y="543185"/>
+                  <a:pt x="3371095" y="590254"/>
+                </a:cubicBezTo>
+                <a:lnTo>
+                  <a:pt x="2907982" y="590254"/>
+                </a:lnTo>
+                <a:lnTo>
+                  <a:pt x="2907982" y="590795"/>
+                </a:lnTo>
+                <a:cubicBezTo>
+                  <a:pt x="2907982" y="615141"/>
+                  <a:pt x="2911228" y="638945"/>
+                  <a:pt x="2918262" y="661668"/>
+                </a:cubicBezTo>
+                <a:cubicBezTo>
+                  <a:pt x="2925295" y="684391"/>
+                  <a:pt x="2935574" y="704409"/>
+                  <a:pt x="2949099" y="721181"/>
+                </a:cubicBezTo>
+                <a:cubicBezTo>
+                  <a:pt x="2963166" y="738493"/>
+                  <a:pt x="2980479" y="752019"/>
+                  <a:pt x="3001578" y="761757"/>
+                </a:cubicBezTo>
+                <a:cubicBezTo>
+                  <a:pt x="3022678" y="772036"/>
+                  <a:pt x="3048106" y="776906"/>
+                  <a:pt x="3077321" y="776906"/>
+                </a:cubicBezTo>
+                <a:cubicBezTo>
+                  <a:pt x="3117898" y="776906"/>
+                  <a:pt x="3150359" y="768249"/>
+                  <a:pt x="3175246" y="750937"/>
+                </a:cubicBezTo>
+                <a:cubicBezTo>
+                  <a:pt x="3200133" y="733624"/>
+                  <a:pt x="3218528" y="707114"/>
+                  <a:pt x="3230430" y="672489"/>
+                </a:cubicBezTo>
+                <a:lnTo>
+                  <a:pt x="3361898" y="672489"/>
+                </a:lnTo>
+                <a:cubicBezTo>
+                  <a:pt x="3354324" y="706573"/>
+                  <a:pt x="3341880" y="736870"/>
+                  <a:pt x="3324027" y="763921"/>
+                </a:cubicBezTo>
+                <a:cubicBezTo>
+                  <a:pt x="3306173" y="790431"/>
+                  <a:pt x="3284532" y="813154"/>
+                  <a:pt x="3259645" y="831549"/>
+                </a:cubicBezTo>
+                <a:cubicBezTo>
+                  <a:pt x="3234217" y="849943"/>
+                  <a:pt x="3206084" y="863469"/>
+                  <a:pt x="3175246" y="873207"/>
+                </a:cubicBezTo>
+                <a:cubicBezTo>
+                  <a:pt x="3143867" y="882405"/>
+                  <a:pt x="3111405" y="887274"/>
+                  <a:pt x="3077321" y="887274"/>
+                </a:cubicBezTo>
+                <a:cubicBezTo>
+                  <a:pt x="3027547" y="887274"/>
+                  <a:pt x="2983725" y="879158"/>
+                  <a:pt x="2945853" y="862928"/>
+                </a:cubicBezTo>
+                <a:cubicBezTo>
+                  <a:pt x="2907441" y="846697"/>
+                  <a:pt x="2875521" y="823974"/>
+                  <a:pt x="2849011" y="794759"/>
+                </a:cubicBezTo>
+                <a:cubicBezTo>
+                  <a:pt x="2822501" y="765544"/>
+                  <a:pt x="2802483" y="730378"/>
+                  <a:pt x="2789498" y="689801"/>
+                </a:cubicBezTo>
+                <a:cubicBezTo>
+                  <a:pt x="2775973" y="649225"/>
+                  <a:pt x="2769481" y="604320"/>
+                  <a:pt x="2769481" y="555628"/>
+                </a:cubicBezTo>
+                <a:cubicBezTo>
+                  <a:pt x="2769481" y="510724"/>
+                  <a:pt x="2776514" y="468524"/>
+                  <a:pt x="2790581" y="428489"/>
+                </a:cubicBezTo>
+                <a:cubicBezTo>
+                  <a:pt x="2804647" y="388453"/>
+                  <a:pt x="2825206" y="352746"/>
+                  <a:pt x="2851716" y="322449"/>
+                </a:cubicBezTo>
+                <a:cubicBezTo>
+                  <a:pt x="2878226" y="292152"/>
+                  <a:pt x="2910146" y="267806"/>
+                  <a:pt x="2947476" y="249952"/>
+                </a:cubicBezTo>
+                <a:cubicBezTo>
+                  <a:pt x="2984807" y="232098"/>
+                  <a:pt x="3027006" y="222901"/>
+                  <a:pt x="3074075" y="222901"/>
+                </a:cubicBezTo>
+                <a:close/>
+                <a:moveTo>
+                  <a:pt x="1845419" y="222901"/>
+                </a:moveTo>
+                <a:cubicBezTo>
+                  <a:pt x="1914670" y="222901"/>
+                  <a:pt x="1968772" y="240755"/>
+                  <a:pt x="2008807" y="276462"/>
+                </a:cubicBezTo>
+                <a:cubicBezTo>
+                  <a:pt x="2048302" y="312169"/>
+                  <a:pt x="2068319" y="365730"/>
+                  <a:pt x="2068319" y="437145"/>
+                </a:cubicBezTo>
+                <a:lnTo>
+                  <a:pt x="2068319" y="869420"/>
+                </a:lnTo>
+                <a:lnTo>
+                  <a:pt x="1929277" y="869420"/>
+                </a:lnTo>
+                <a:lnTo>
+                  <a:pt x="1929277" y="473934"/>
+                </a:lnTo>
+                <a:cubicBezTo>
+                  <a:pt x="1927654" y="424161"/>
+                  <a:pt x="1916834" y="388453"/>
+                  <a:pt x="1897357" y="366271"/>
+                </a:cubicBezTo>
+                <a:cubicBezTo>
+                  <a:pt x="1877880" y="344090"/>
+                  <a:pt x="1847583" y="332728"/>
+                  <a:pt x="1805925" y="332728"/>
+                </a:cubicBezTo>
+                <a:cubicBezTo>
+                  <a:pt x="1782120" y="332728"/>
+                  <a:pt x="1761020" y="337056"/>
+                  <a:pt x="1742625" y="345713"/>
+                </a:cubicBezTo>
+                <a:cubicBezTo>
+                  <a:pt x="1723690" y="354369"/>
+                  <a:pt x="1708000" y="366271"/>
+                  <a:pt x="1695016" y="380879"/>
+                </a:cubicBezTo>
+                <a:cubicBezTo>
+                  <a:pt x="1682031" y="396027"/>
+                  <a:pt x="1671752" y="413340"/>
+                  <a:pt x="1664719" y="433899"/>
+                </a:cubicBezTo>
+                <a:cubicBezTo>
+                  <a:pt x="1657685" y="454458"/>
+                  <a:pt x="1653898" y="475557"/>
+                  <a:pt x="1653898" y="498280"/>
+                </a:cubicBezTo>
+                <a:lnTo>
+                  <a:pt x="1653898" y="869961"/>
+                </a:lnTo>
+                <a:lnTo>
+                  <a:pt x="1514856" y="869961"/>
+                </a:lnTo>
+                <a:lnTo>
+                  <a:pt x="1514856" y="240214"/>
+                </a:lnTo>
+                <a:lnTo>
+                  <a:pt x="1515938" y="240214"/>
+                </a:lnTo>
+                <a:lnTo>
+                  <a:pt x="1647406" y="240214"/>
+                </a:lnTo>
+                <a:lnTo>
+                  <a:pt x="1647406" y="332728"/>
+                </a:lnTo>
+                <a:lnTo>
+                  <a:pt x="1649570" y="334892"/>
+                </a:lnTo>
+                <a:cubicBezTo>
+                  <a:pt x="1670670" y="300267"/>
+                  <a:pt x="1698262" y="272675"/>
+                  <a:pt x="1732346" y="252657"/>
+                </a:cubicBezTo>
+                <a:cubicBezTo>
+                  <a:pt x="1766430" y="232639"/>
+                  <a:pt x="1804302" y="222901"/>
+                  <a:pt x="1845419" y="222901"/>
+                </a:cubicBezTo>
+                <a:close/>
+                <a:moveTo>
+                  <a:pt x="0" y="0"/>
+                </a:moveTo>
+                <a:lnTo>
+                  <a:pt x="152568" y="0"/>
+                </a:lnTo>
+                <a:lnTo>
+                  <a:pt x="152568" y="346253"/>
+                </a:lnTo>
+                <a:lnTo>
+                  <a:pt x="548053" y="346253"/>
+                </a:lnTo>
+                <a:lnTo>
+                  <a:pt x="548053" y="0"/>
+                </a:lnTo>
+                <a:lnTo>
+                  <a:pt x="700621" y="0"/>
+                </a:lnTo>
+                <a:lnTo>
+                  <a:pt x="700621" y="869960"/>
+                </a:lnTo>
+                <a:lnTo>
+                  <a:pt x="548053" y="869960"/>
+                </a:lnTo>
+                <a:lnTo>
+                  <a:pt x="548053" y="477721"/>
+                </a:lnTo>
+                <a:lnTo>
+                  <a:pt x="152568" y="477721"/>
+                </a:lnTo>
+                <a:lnTo>
+                  <a:pt x="152568" y="869960"/>
+                </a:lnTo>
+                <a:lnTo>
+                  <a:pt x="0" y="869960"/>
+                </a:lnTo>
+                <a:close/>
+              </a:path>
+            </a:pathLst>
+          </a:custGeom>
+          <a:solidFill>
+            <a:schemeClr val="tx1"/>
+          </a:solidFill>
+          <a:ln w="5410" cap="flat">
+            <a:noFill/>
+            <a:prstDash val="solid"/>
+            <a:miter/>
+          </a:ln>
+        </p:spPr>
+        <p:txBody>
+          <a:bodyPr rtlCol="0" anchor="ctr"/>
+          <a:lstStyle/>
+          <a:p>
+            <a:endParaRPr lang="en-US" sz="1456"/>
+          </a:p>
+        </p:txBody>
+      </p:sp>
+      <p:sp>
+        <p:nvSpPr>
+          <p:cNvPr id="16" name="Holder 2">
+            <a:extLst>
+              <a:ext uri="{FF2B5EF4-FFF2-40B4-BE49-F238E27FC236}">
+                <a16:creationId xmlns:a16="http://schemas.microsoft.com/office/drawing/2014/main" id="{EB29061E-14FE-84B7-D0DE-0284E88A1A44}"/>
+              </a:ext>
+            </a:extLst>
+          </p:cNvPr>
           <p:cNvSpPr>
             <a:spLocks noGrp="1"/>
           </p:cNvSpPr>
           <p:nvPr>
-            <p:ph type="title"/>
+            <p:ph type="title" hasCustomPrompt="1"/>
           </p:nvPr>
         </p:nvSpPr>
         <p:spPr>
           <a:xfrm>
-            <a:off x="1528566" y="4326964"/>
-            <a:ext cx="10080597" cy="866016"/>
+            <a:off x="600951" y="2227599"/>
+            <a:ext cx="6862124" cy="2762839"/>
           </a:xfrm>
-          <a:prstGeom prst="rect">
-            <a:avLst/>
-          </a:prstGeom>
         </p:spPr>
         <p:txBody>
-          <a:bodyPr lIns="0" tIns="0" rIns="0" bIns="0" anchor="b" anchorCtr="0">
+          <a:bodyPr lIns="0" tIns="0" rIns="0" bIns="0" anchor="t" anchorCtr="0"/>
+          <a:lstStyle>
+            <a:lvl1pPr>
+              <a:lnSpc>
+                <a:spcPct val="85000"/>
+              </a:lnSpc>
+              <a:defRPr sz="5336" b="0" i="0" spc="-31" baseline="0">
+                <a:solidFill>
+                  <a:schemeClr val="tx1"/>
+                </a:solidFill>
+                <a:latin typeface="+mj-lt"/>
+                <a:cs typeface="Arial"/>
+              </a:defRPr>
+            </a:lvl1pPr>
+          </a:lstStyle>
+          <a:p>
+            <a:r>
+              <a:rPr lang="nl-NL" dirty="0"/>
+              <a:t>Hier is ruimte voor </a:t>
+            </a:r>
+            <a:br>
+              <a:rPr lang="nl-NL" dirty="0"/>
+            </a:br>
+            <a:r>
+              <a:rPr lang="nl-NL" dirty="0"/>
+              <a:t>een langere titel </a:t>
+            </a:r>
+            <a:br>
+              <a:rPr lang="nl-NL" dirty="0"/>
+            </a:br>
+            <a:r>
+              <a:rPr lang="nl-NL" dirty="0"/>
+              <a:t>over drie regels</a:t>
+            </a:r>
+            <a:endParaRPr dirty="0"/>
+          </a:p>
+        </p:txBody>
+      </p:sp>
+      <p:sp>
+        <p:nvSpPr>
+          <p:cNvPr id="21" name="Tijdelijke aanduiding voor tekst 20">
+            <a:extLst>
+              <a:ext uri="{FF2B5EF4-FFF2-40B4-BE49-F238E27FC236}">
+                <a16:creationId xmlns:a16="http://schemas.microsoft.com/office/drawing/2014/main" id="{A09B464D-D626-FEF7-D7FD-CD37C19BC869}"/>
+              </a:ext>
+            </a:extLst>
+          </p:cNvPr>
+          <p:cNvSpPr>
+            <a:spLocks noGrp="1"/>
+          </p:cNvSpPr>
+          <p:nvPr>
+            <p:ph type="body" sz="quarter" idx="13" hasCustomPrompt="1"/>
+          </p:nvPr>
+        </p:nvSpPr>
+        <p:spPr>
+          <a:xfrm>
+            <a:off x="600743" y="5416897"/>
+            <a:ext cx="6862332" cy="836624"/>
+          </a:xfrm>
+        </p:spPr>
+        <p:txBody>
+          <a:bodyPr anchor="b" anchorCtr="0"/>
+          <a:lstStyle>
+            <a:lvl1pPr>
+              <a:lnSpc>
+                <a:spcPct val="85000"/>
+              </a:lnSpc>
+              <a:defRPr sz="2911">
+                <a:solidFill>
+                  <a:schemeClr val="bg1"/>
+                </a:solidFill>
+              </a:defRPr>
+            </a:lvl1pPr>
+          </a:lstStyle>
+          <a:p>
+            <a:pPr lvl="0"/>
+            <a:r>
+              <a:rPr lang="en-US" sz="2911" dirty="0" err="1"/>
+              <a:t>Hier</a:t>
+            </a:r>
+            <a:r>
+              <a:rPr lang="en-US" sz="2911" dirty="0"/>
+              <a:t> is </a:t>
+            </a:r>
+            <a:r>
+              <a:rPr lang="en-US" sz="2911" dirty="0" err="1"/>
+              <a:t>ruimte</a:t>
+            </a:r>
+            <a:r>
+              <a:rPr lang="en-US" sz="2911" dirty="0"/>
+              <a:t> </a:t>
+            </a:r>
+            <a:br>
+              <a:rPr lang="en-US" sz="2911" dirty="0"/>
+            </a:br>
+            <a:r>
+              <a:rPr lang="en-US" sz="2911" dirty="0" err="1"/>
+              <a:t>voor</a:t>
+            </a:r>
+            <a:r>
+              <a:rPr lang="en-US" sz="2911" dirty="0"/>
+              <a:t> </a:t>
+            </a:r>
+            <a:r>
+              <a:rPr lang="en-US" sz="2911" dirty="0" err="1"/>
+              <a:t>een</a:t>
+            </a:r>
+            <a:r>
+              <a:rPr lang="en-US" sz="2911" dirty="0"/>
+              <a:t> </a:t>
+            </a:r>
+            <a:r>
+              <a:rPr lang="en-US" sz="2911" dirty="0" err="1"/>
+              <a:t>ondertitel</a:t>
+            </a:r>
+            <a:endParaRPr lang="en-US" dirty="0"/>
+          </a:p>
+        </p:txBody>
+      </p:sp>
+      <p:sp>
+        <p:nvSpPr>
+          <p:cNvPr id="17" name="Tijdelijke aanduiding voor tekst 3">
+            <a:extLst>
+              <a:ext uri="{FF2B5EF4-FFF2-40B4-BE49-F238E27FC236}">
+                <a16:creationId xmlns:a16="http://schemas.microsoft.com/office/drawing/2014/main" id="{2226A8E6-3404-BF17-0208-238A01C47458}"/>
+              </a:ext>
+            </a:extLst>
+          </p:cNvPr>
+          <p:cNvSpPr>
+            <a:spLocks noGrp="1"/>
+          </p:cNvSpPr>
+          <p:nvPr>
+            <p:ph type="body" sz="quarter" idx="14" hasCustomPrompt="1"/>
+          </p:nvPr>
+        </p:nvSpPr>
+        <p:spPr>
+          <a:xfrm>
+            <a:off x="5062992" y="591333"/>
+            <a:ext cx="2200123" cy="154119"/>
+          </a:xfrm>
+        </p:spPr>
+        <p:txBody>
+          <a:bodyPr/>
+          <a:lstStyle>
+            <a:lvl1pPr algn="r">
+              <a:defRPr sz="971" b="1">
+                <a:latin typeface="+mn-lt"/>
+              </a:defRPr>
+            </a:lvl1pPr>
+            <a:lvl2pPr algn="r">
+              <a:defRPr sz="971" b="1">
+                <a:latin typeface="+mn-lt"/>
+              </a:defRPr>
+            </a:lvl2pPr>
+            <a:lvl3pPr algn="r">
+              <a:defRPr sz="971" b="1">
+                <a:latin typeface="+mn-lt"/>
+              </a:defRPr>
+            </a:lvl3pPr>
+            <a:lvl4pPr algn="r">
+              <a:defRPr sz="971" b="1">
+                <a:latin typeface="+mn-lt"/>
+              </a:defRPr>
+            </a:lvl4pPr>
+            <a:lvl5pPr algn="r">
+              <a:defRPr sz="971" b="1">
+                <a:latin typeface="+mn-lt"/>
+              </a:defRPr>
+            </a:lvl5pPr>
+          </a:lstStyle>
+          <a:p>
+            <a:pPr lvl="0"/>
+            <a:r>
+              <a:rPr lang="nl-NL" dirty="0"/>
+              <a:t>Kenniscentrum</a:t>
+            </a:r>
+          </a:p>
+        </p:txBody>
+      </p:sp>
+      <p:sp>
+        <p:nvSpPr>
+          <p:cNvPr id="18" name="Tijdelijke aanduiding voor tekst 3">
+            <a:extLst>
+              <a:ext uri="{FF2B5EF4-FFF2-40B4-BE49-F238E27FC236}">
+                <a16:creationId xmlns:a16="http://schemas.microsoft.com/office/drawing/2014/main" id="{D96B889B-6FB1-9050-63F1-7D376C365D06}"/>
+              </a:ext>
+            </a:extLst>
+          </p:cNvPr>
+          <p:cNvSpPr>
+            <a:spLocks noGrp="1"/>
+          </p:cNvSpPr>
+          <p:nvPr>
+            <p:ph type="body" sz="quarter" idx="15" hasCustomPrompt="1"/>
+          </p:nvPr>
+        </p:nvSpPr>
+        <p:spPr>
+          <a:xfrm>
+            <a:off x="5062992" y="741109"/>
+            <a:ext cx="2200123" cy="154119"/>
+          </a:xfrm>
+        </p:spPr>
+        <p:txBody>
+          <a:bodyPr/>
+          <a:lstStyle>
+            <a:lvl1pPr algn="r">
+              <a:defRPr sz="971" b="0">
+                <a:latin typeface="+mn-lt"/>
+              </a:defRPr>
+            </a:lvl1pPr>
+            <a:lvl2pPr algn="r">
+              <a:defRPr sz="971" b="0">
+                <a:latin typeface="+mn-lt"/>
+              </a:defRPr>
+            </a:lvl2pPr>
+            <a:lvl3pPr algn="r">
+              <a:defRPr sz="971" b="0">
+                <a:latin typeface="+mn-lt"/>
+              </a:defRPr>
+            </a:lvl3pPr>
+            <a:lvl4pPr algn="r">
+              <a:defRPr sz="971" b="0">
+                <a:latin typeface="+mn-lt"/>
+              </a:defRPr>
+            </a:lvl4pPr>
+            <a:lvl5pPr algn="r">
+              <a:defRPr sz="971" b="0">
+                <a:latin typeface="+mn-lt"/>
+              </a:defRPr>
+            </a:lvl5pPr>
+            <a:lvl6pPr>
+              <a:defRPr b="0"/>
+            </a:lvl6pPr>
+          </a:lstStyle>
+          <a:p>
+            <a:pPr lvl="2"/>
+            <a:r>
+              <a:rPr lang="nl-NL" dirty="0"/>
+              <a:t>Kunst &amp; Samenleving</a:t>
+            </a:r>
+          </a:p>
+        </p:txBody>
+      </p:sp>
+      <p:sp>
+        <p:nvSpPr>
+          <p:cNvPr id="20" name="Tijdelijke aanduiding voor tekst 19">
+            <a:extLst>
+              <a:ext uri="{FF2B5EF4-FFF2-40B4-BE49-F238E27FC236}">
+                <a16:creationId xmlns:a16="http://schemas.microsoft.com/office/drawing/2014/main" id="{E26F5258-0606-DDAF-B7DB-536819E42F90}"/>
+              </a:ext>
+            </a:extLst>
+          </p:cNvPr>
+          <p:cNvSpPr>
+            <a:spLocks noGrp="1"/>
+          </p:cNvSpPr>
+          <p:nvPr>
+            <p:ph type="body" sz="quarter" idx="16" hasCustomPrompt="1"/>
+          </p:nvPr>
+        </p:nvSpPr>
+        <p:spPr>
+          <a:xfrm>
+            <a:off x="7453501" y="611170"/>
+            <a:ext cx="6391" cy="261965"/>
+          </a:xfrm>
+          <a:custGeom>
+            <a:avLst/>
+            <a:gdLst>
+              <a:gd name="connsiteX0" fmla="*/ 0 w 10537"/>
+              <a:gd name="connsiteY0" fmla="*/ 0 h 432000"/>
+              <a:gd name="connsiteX1" fmla="*/ 10537 w 10537"/>
+              <a:gd name="connsiteY1" fmla="*/ 0 h 432000"/>
+              <a:gd name="connsiteX2" fmla="*/ 10537 w 10537"/>
+              <a:gd name="connsiteY2" fmla="*/ 432000 h 432000"/>
+              <a:gd name="connsiteX3" fmla="*/ 0 w 10537"/>
+              <a:gd name="connsiteY3" fmla="*/ 432000 h 432000"/>
+            </a:gdLst>
+            <a:ahLst/>
+            <a:cxnLst>
+              <a:cxn ang="0">
+                <a:pos x="connsiteX0" y="connsiteY0"/>
+              </a:cxn>
+              <a:cxn ang="0">
+                <a:pos x="connsiteX1" y="connsiteY1"/>
+              </a:cxn>
+              <a:cxn ang="0">
+                <a:pos x="connsiteX2" y="connsiteY2"/>
+              </a:cxn>
+              <a:cxn ang="0">
+                <a:pos x="connsiteX3" y="connsiteY3"/>
+              </a:cxn>
+            </a:cxnLst>
+            <a:rect l="l" t="t" r="r" b="b"/>
+            <a:pathLst>
+              <a:path w="10537" h="432000">
+                <a:moveTo>
+                  <a:pt x="0" y="0"/>
+                </a:moveTo>
+                <a:lnTo>
+                  <a:pt x="10537" y="0"/>
+                </a:lnTo>
+                <a:lnTo>
+                  <a:pt x="10537" y="432000"/>
+                </a:lnTo>
+                <a:lnTo>
+                  <a:pt x="0" y="432000"/>
+                </a:lnTo>
+                <a:close/>
+              </a:path>
+            </a:pathLst>
+          </a:custGeom>
+          <a:solidFill>
+            <a:schemeClr val="tx1"/>
+          </a:solidFill>
+          <a:ln>
+            <a:noFill/>
+          </a:ln>
+        </p:spPr>
+        <p:txBody>
+          <a:bodyPr wrap="square">
             <a:noAutofit/>
           </a:bodyPr>
           <a:lstStyle>
-            <a:lvl1pPr algn="l">
-              <a:lnSpc>
-                <a:spcPts val="3200"/>
-              </a:lnSpc>
-              <a:defRPr sz="3200" b="1">
-                <a:solidFill>
-                  <a:schemeClr val="bg1"/>
-                </a:solidFill>
-                <a:latin typeface="Arial"/>
-                <a:cs typeface="Arial"/>
-              </a:defRPr>
+            <a:lvl1pPr>
+              <a:defRPr sz="485"/>
             </a:lvl1pPr>
           </a:lstStyle>
           <a:p>
+            <a:pPr lvl="0"/>
             <a:r>
               <a:rPr lang="nl-NL" dirty="0"/>
-              <a:t>Titelstijl van model bewerken</a:t>
-            </a:r>
+              <a:t> </a:t>
+            </a:r>
+            <a:endParaRPr lang="en-US" dirty="0"/>
           </a:p>
         </p:txBody>
       </p:sp>
     </p:spTree>
     <p:extLst>
       <p:ext uri="{BB962C8B-B14F-4D97-AF65-F5344CB8AC3E}">
-        <p14:creationId xmlns:p14="http://schemas.microsoft.com/office/powerpoint/2010/main" val="955549892"/>
+        <p14:creationId xmlns:p14="http://schemas.microsoft.com/office/powerpoint/2010/main" val="3789071990"/>
       </p:ext>
     </p:extLst>
   </p:cSld>
   <p:clrMapOvr>
     <a:masterClrMapping/>
   </p:clrMapOvr>
+  <p:extLst>
+    <p:ext uri="{DCECCB84-F9BA-43D5-87BE-67443E8EF086}">
+      <p15:sldGuideLst xmlns:p15="http://schemas.microsoft.com/office/powerpoint/2012/main">
+        <p15:guide id="1" orient="horz" pos="3562">
+          <p15:clr>
+            <a:srgbClr val="FBAE40"/>
+          </p15:clr>
+        </p15:guide>
+        <p15:guide id="2" pos="6332">
+          <p15:clr>
+            <a:srgbClr val="FBAE40"/>
+          </p15:clr>
+        </p15:guide>
+      </p15:sldGuideLst>
+    </p:ext>
+  </p:extLst>
 </p:sldLayout>
 </file>
 
@@ -4302,7 +6016,7 @@
               <a:pPr>
                 <a:defRPr/>
               </a:pPr>
-              <a:t>30-11-2023</a:t>
+              <a:t>6-11-2024</a:t>
             </a:fld>
             <a:endParaRPr lang="nl-NL" altLang="nl-NL"/>
           </a:p>
@@ -4593,7 +6307,7 @@
               <a:pPr>
                 <a:defRPr/>
               </a:pPr>
-              <a:t>30-11-2023</a:t>
+              <a:t>6-11-2024</a:t>
             </a:fld>
             <a:endParaRPr lang="nl-NL" altLang="nl-NL"/>
           </a:p>
@@ -4989,7 +6703,7 @@
               <a:pPr>
                 <a:defRPr/>
               </a:pPr>
-              <a:t>30-11-2023</a:t>
+              <a:t>6-11-2024</a:t>
             </a:fld>
             <a:endParaRPr lang="nl-NL" altLang="nl-NL"/>
           </a:p>
@@ -5337,7 +7051,7 @@
               <a:pPr>
                 <a:defRPr/>
               </a:pPr>
-              <a:t>30-11-2023</a:t>
+              <a:t>6-11-2024</a:t>
             </a:fld>
             <a:endParaRPr lang="nl-NL" altLang="nl-NL"/>
           </a:p>
@@ -5641,7 +7355,7 @@
               <a:pPr>
                 <a:defRPr/>
               </a:pPr>
-              <a:t>30-11-2023</a:t>
+              <a:t>6-11-2024</a:t>
             </a:fld>
             <a:endParaRPr lang="nl-NL" altLang="nl-NL"/>
           </a:p>
@@ -5814,7 +7528,7 @@
           <a:p>
             <a:fld id="{F390BA23-A5C0-E149-A901-954248D5CC17}" type="datetimeFigureOut">
               <a:rPr lang="nl-NL" smtClean="0"/>
-              <a:t>30-11-2023</a:t>
+              <a:t>6-11-2024</a:t>
             </a:fld>
             <a:endParaRPr lang="nl-NL"/>
           </a:p>
@@ -6116,7 +7830,7 @@
   <p:clrMap bg1="lt1" tx1="dk1" bg2="lt2" tx2="dk2" accent1="accent1" accent2="accent2" accent3="accent3" accent4="accent4" accent5="accent5" accent6="accent6" hlink="hlink" folHlink="folHlink"/>
   <p:sldLayoutIdLst>
     <p:sldLayoutId id="2147483661" r:id="rId1"/>
-    <p:sldLayoutId id="2147483662" r:id="rId2"/>
+    <p:sldLayoutId id="2147483670" r:id="rId2"/>
   </p:sldLayoutIdLst>
   <p:hf hdr="0"/>
   <p:txStyles>
@@ -6639,7 +8353,7 @@
               <a:pPr>
                 <a:defRPr/>
               </a:pPr>
-              <a:t>30-11-2023</a:t>
+              <a:t>6-11-2024</a:t>
             </a:fld>
             <a:endParaRPr lang="nl-NL" altLang="nl-NL"/>
           </a:p>
@@ -7210,18 +8924,6 @@
 <file path=ppt/slides/slide1.xml><?xml version="1.0" encoding="utf-8"?>
 <p:sld xmlns:a="http://schemas.openxmlformats.org/drawingml/2006/main" xmlns:r="http://schemas.openxmlformats.org/officeDocument/2006/relationships" xmlns:p="http://schemas.openxmlformats.org/presentationml/2006/main">
   <p:cSld>
-    <p:bg>
-      <p:bgPr>
-        <a:blipFill dpi="0" rotWithShape="0">
-          <a:blip r:embed="rId3"/>
-          <a:srcRect/>
-          <a:stretch>
-            <a:fillRect/>
-          </a:stretch>
-        </a:blipFill>
-        <a:effectLst/>
-      </p:bgPr>
-    </p:bg>
     <p:spTree>
       <p:nvGrpSpPr>
         <p:cNvPr id="1" name=""/>
@@ -7236,9 +8938,1668 @@
           <a:chExt cx="0" cy="0"/>
         </a:xfrm>
       </p:grpSpPr>
+      <p:grpSp>
+        <p:nvGrpSpPr>
+          <p:cNvPr id="2" name="object 2"/>
+          <p:cNvGrpSpPr/>
+          <p:nvPr/>
+        </p:nvGrpSpPr>
+        <p:grpSpPr>
+          <a:xfrm>
+            <a:off x="-1" y="26282"/>
+            <a:ext cx="12191144" cy="6857615"/>
+            <a:chOff x="0" y="0"/>
+            <a:chExt cx="20104100" cy="11308715"/>
+          </a:xfrm>
+        </p:grpSpPr>
+        <p:pic>
+          <p:nvPicPr>
+            <p:cNvPr id="3" name="object 3"/>
+            <p:cNvPicPr/>
+            <p:nvPr/>
+          </p:nvPicPr>
+          <p:blipFill>
+            <a:blip r:embed="rId2" cstate="print"/>
+            <a:stretch>
+              <a:fillRect/>
+            </a:stretch>
+          </p:blipFill>
+          <p:spPr>
+            <a:xfrm>
+              <a:off x="0" y="0"/>
+              <a:ext cx="20104099" cy="11308556"/>
+            </a:xfrm>
+            <a:prstGeom prst="rect">
+              <a:avLst/>
+            </a:prstGeom>
+          </p:spPr>
+        </p:pic>
+        <p:sp>
+          <p:nvSpPr>
+            <p:cNvPr id="4" name="object 4"/>
+            <p:cNvSpPr/>
+            <p:nvPr/>
+          </p:nvSpPr>
+          <p:spPr>
+            <a:xfrm>
+              <a:off x="7332522" y="4780159"/>
+              <a:ext cx="1748155" cy="1755775"/>
+            </a:xfrm>
+            <a:custGeom>
+              <a:avLst/>
+              <a:gdLst/>
+              <a:ahLst/>
+              <a:cxnLst/>
+              <a:rect l="l" t="t" r="r" b="b"/>
+              <a:pathLst>
+                <a:path w="1748154" h="1755775">
+                  <a:moveTo>
+                    <a:pt x="1101839" y="1726742"/>
+                  </a:moveTo>
+                  <a:lnTo>
+                    <a:pt x="1078217" y="1693849"/>
+                  </a:lnTo>
+                  <a:lnTo>
+                    <a:pt x="1053261" y="1660702"/>
+                  </a:lnTo>
+                  <a:lnTo>
+                    <a:pt x="1026985" y="1627378"/>
+                  </a:lnTo>
+                  <a:lnTo>
+                    <a:pt x="999426" y="1593964"/>
+                  </a:lnTo>
+                  <a:lnTo>
+                    <a:pt x="970597" y="1560512"/>
+                  </a:lnTo>
+                  <a:lnTo>
+                    <a:pt x="940498" y="1527098"/>
+                  </a:lnTo>
+                  <a:lnTo>
+                    <a:pt x="909167" y="1493812"/>
+                  </a:lnTo>
+                  <a:lnTo>
+                    <a:pt x="876604" y="1460703"/>
+                  </a:lnTo>
+                  <a:lnTo>
+                    <a:pt x="842835" y="1427848"/>
+                  </a:lnTo>
+                  <a:lnTo>
+                    <a:pt x="807872" y="1395323"/>
+                  </a:lnTo>
+                  <a:lnTo>
+                    <a:pt x="771728" y="1363205"/>
+                  </a:lnTo>
+                  <a:lnTo>
+                    <a:pt x="734428" y="1331556"/>
+                  </a:lnTo>
+                  <a:lnTo>
+                    <a:pt x="695985" y="1300454"/>
+                  </a:lnTo>
+                  <a:lnTo>
+                    <a:pt x="656424" y="1269974"/>
+                  </a:lnTo>
+                  <a:lnTo>
+                    <a:pt x="615746" y="1240180"/>
+                  </a:lnTo>
+                  <a:lnTo>
+                    <a:pt x="573989" y="1211148"/>
+                  </a:lnTo>
+                  <a:lnTo>
+                    <a:pt x="531152" y="1182954"/>
+                  </a:lnTo>
+                  <a:lnTo>
+                    <a:pt x="487248" y="1155661"/>
+                  </a:lnTo>
+                  <a:lnTo>
+                    <a:pt x="442315" y="1129347"/>
+                  </a:lnTo>
+                  <a:lnTo>
+                    <a:pt x="396341" y="1104074"/>
+                  </a:lnTo>
+                  <a:lnTo>
+                    <a:pt x="349377" y="1079931"/>
+                  </a:lnTo>
+                  <a:lnTo>
+                    <a:pt x="301409" y="1056982"/>
+                  </a:lnTo>
+                  <a:lnTo>
+                    <a:pt x="252476" y="1035291"/>
+                  </a:lnTo>
+                  <a:lnTo>
+                    <a:pt x="202577" y="1014945"/>
+                  </a:lnTo>
+                  <a:lnTo>
+                    <a:pt x="151739" y="995997"/>
+                  </a:lnTo>
+                  <a:lnTo>
+                    <a:pt x="99974" y="978535"/>
+                  </a:lnTo>
+                  <a:lnTo>
+                    <a:pt x="47307" y="962634"/>
+                  </a:lnTo>
+                  <a:lnTo>
+                    <a:pt x="3263" y="952842"/>
+                  </a:lnTo>
+                  <a:lnTo>
+                    <a:pt x="8623" y="1000645"/>
+                  </a:lnTo>
+                  <a:lnTo>
+                    <a:pt x="16510" y="1047648"/>
+                  </a:lnTo>
+                  <a:lnTo>
+                    <a:pt x="26847" y="1093762"/>
+                  </a:lnTo>
+                  <a:lnTo>
+                    <a:pt x="39573" y="1138923"/>
+                  </a:lnTo>
+                  <a:lnTo>
+                    <a:pt x="54610" y="1183068"/>
+                  </a:lnTo>
+                  <a:lnTo>
+                    <a:pt x="71894" y="1226121"/>
+                  </a:lnTo>
+                  <a:lnTo>
+                    <a:pt x="91338" y="1268018"/>
+                  </a:lnTo>
+                  <a:lnTo>
+                    <a:pt x="112890" y="1308671"/>
+                  </a:lnTo>
+                  <a:lnTo>
+                    <a:pt x="136486" y="1348028"/>
+                  </a:lnTo>
+                  <a:lnTo>
+                    <a:pt x="162039" y="1386027"/>
+                  </a:lnTo>
+                  <a:lnTo>
+                    <a:pt x="189471" y="1422565"/>
+                  </a:lnTo>
+                  <a:lnTo>
+                    <a:pt x="218744" y="1457604"/>
+                  </a:lnTo>
+                  <a:lnTo>
+                    <a:pt x="249758" y="1491068"/>
+                  </a:lnTo>
+                  <a:lnTo>
+                    <a:pt x="282460" y="1522869"/>
+                  </a:lnTo>
+                  <a:lnTo>
+                    <a:pt x="316776" y="1552956"/>
+                  </a:lnTo>
+                  <a:lnTo>
+                    <a:pt x="352640" y="1581238"/>
+                  </a:lnTo>
+                  <a:lnTo>
+                    <a:pt x="389966" y="1607680"/>
+                  </a:lnTo>
+                  <a:lnTo>
+                    <a:pt x="428701" y="1632178"/>
+                  </a:lnTo>
+                  <a:lnTo>
+                    <a:pt x="468769" y="1654683"/>
+                  </a:lnTo>
+                  <a:lnTo>
+                    <a:pt x="510095" y="1675104"/>
+                  </a:lnTo>
+                  <a:lnTo>
+                    <a:pt x="552615" y="1693392"/>
+                  </a:lnTo>
+                  <a:lnTo>
+                    <a:pt x="596252" y="1709470"/>
+                  </a:lnTo>
+                  <a:lnTo>
+                    <a:pt x="640956" y="1723263"/>
+                  </a:lnTo>
+                  <a:lnTo>
+                    <a:pt x="686638" y="1734705"/>
+                  </a:lnTo>
+                  <a:lnTo>
+                    <a:pt x="733221" y="1743735"/>
+                  </a:lnTo>
+                  <a:lnTo>
+                    <a:pt x="780656" y="1750263"/>
+                  </a:lnTo>
+                  <a:lnTo>
+                    <a:pt x="828865" y="1754225"/>
+                  </a:lnTo>
+                  <a:lnTo>
+                    <a:pt x="877773" y="1755571"/>
+                  </a:lnTo>
+                  <a:lnTo>
+                    <a:pt x="935278" y="1753666"/>
+                  </a:lnTo>
+                  <a:lnTo>
+                    <a:pt x="991844" y="1748091"/>
+                  </a:lnTo>
+                  <a:lnTo>
+                    <a:pt x="1047407" y="1739049"/>
+                  </a:lnTo>
+                  <a:lnTo>
+                    <a:pt x="1101839" y="1726742"/>
+                  </a:lnTo>
+                  <a:close/>
+                </a:path>
+                <a:path w="1748154" h="1755775">
+                  <a:moveTo>
+                    <a:pt x="1429791" y="194170"/>
+                  </a:moveTo>
+                  <a:lnTo>
+                    <a:pt x="1391043" y="164871"/>
+                  </a:lnTo>
+                  <a:lnTo>
+                    <a:pt x="1350721" y="137668"/>
+                  </a:lnTo>
+                  <a:lnTo>
+                    <a:pt x="1308900" y="112661"/>
+                  </a:lnTo>
+                  <a:lnTo>
+                    <a:pt x="1265643" y="89928"/>
+                  </a:lnTo>
+                  <a:lnTo>
+                    <a:pt x="1221054" y="69545"/>
+                  </a:lnTo>
+                  <a:lnTo>
+                    <a:pt x="1175194" y="51600"/>
+                  </a:lnTo>
+                  <a:lnTo>
+                    <a:pt x="1128153" y="36195"/>
+                  </a:lnTo>
+                  <a:lnTo>
+                    <a:pt x="1079995" y="23393"/>
+                  </a:lnTo>
+                  <a:lnTo>
+                    <a:pt x="1030795" y="13284"/>
+                  </a:lnTo>
+                  <a:lnTo>
+                    <a:pt x="980643" y="5969"/>
+                  </a:lnTo>
+                  <a:lnTo>
+                    <a:pt x="929614" y="1511"/>
+                  </a:lnTo>
+                  <a:lnTo>
+                    <a:pt x="877773" y="0"/>
+                  </a:lnTo>
+                  <a:lnTo>
+                    <a:pt x="829640" y="1308"/>
+                  </a:lnTo>
+                  <a:lnTo>
+                    <a:pt x="782167" y="5156"/>
+                  </a:lnTo>
+                  <a:lnTo>
+                    <a:pt x="735444" y="11493"/>
+                  </a:lnTo>
+                  <a:lnTo>
+                    <a:pt x="689533" y="20256"/>
+                  </a:lnTo>
+                  <a:lnTo>
+                    <a:pt x="644499" y="31381"/>
+                  </a:lnTo>
+                  <a:lnTo>
+                    <a:pt x="600417" y="44780"/>
+                  </a:lnTo>
+                  <a:lnTo>
+                    <a:pt x="557339" y="60401"/>
+                  </a:lnTo>
+                  <a:lnTo>
+                    <a:pt x="515340" y="78168"/>
+                  </a:lnTo>
+                  <a:lnTo>
+                    <a:pt x="474484" y="98018"/>
+                  </a:lnTo>
+                  <a:lnTo>
+                    <a:pt x="434835" y="119900"/>
+                  </a:lnTo>
+                  <a:lnTo>
+                    <a:pt x="396481" y="143725"/>
+                  </a:lnTo>
+                  <a:lnTo>
+                    <a:pt x="359460" y="169430"/>
+                  </a:lnTo>
+                  <a:lnTo>
+                    <a:pt x="323862" y="196951"/>
+                  </a:lnTo>
+                  <a:lnTo>
+                    <a:pt x="289750" y="226225"/>
+                  </a:lnTo>
+                  <a:lnTo>
+                    <a:pt x="257175" y="257187"/>
+                  </a:lnTo>
+                  <a:lnTo>
+                    <a:pt x="226225" y="289750"/>
+                  </a:lnTo>
+                  <a:lnTo>
+                    <a:pt x="196951" y="323875"/>
+                  </a:lnTo>
+                  <a:lnTo>
+                    <a:pt x="169418" y="359473"/>
+                  </a:lnTo>
+                  <a:lnTo>
+                    <a:pt x="143713" y="396494"/>
+                  </a:lnTo>
+                  <a:lnTo>
+                    <a:pt x="119888" y="434848"/>
+                  </a:lnTo>
+                  <a:lnTo>
+                    <a:pt x="98018" y="474497"/>
+                  </a:lnTo>
+                  <a:lnTo>
+                    <a:pt x="78168" y="515340"/>
+                  </a:lnTo>
+                  <a:lnTo>
+                    <a:pt x="60388" y="557352"/>
+                  </a:lnTo>
+                  <a:lnTo>
+                    <a:pt x="44767" y="600430"/>
+                  </a:lnTo>
+                  <a:lnTo>
+                    <a:pt x="31369" y="644512"/>
+                  </a:lnTo>
+                  <a:lnTo>
+                    <a:pt x="20256" y="689546"/>
+                  </a:lnTo>
+                  <a:lnTo>
+                    <a:pt x="11493" y="735457"/>
+                  </a:lnTo>
+                  <a:lnTo>
+                    <a:pt x="5156" y="782180"/>
+                  </a:lnTo>
+                  <a:lnTo>
+                    <a:pt x="1308" y="829652"/>
+                  </a:lnTo>
+                  <a:lnTo>
+                    <a:pt x="0" y="880516"/>
+                  </a:lnTo>
+                  <a:lnTo>
+                    <a:pt x="102450" y="884745"/>
+                  </a:lnTo>
+                  <a:lnTo>
+                    <a:pt x="153428" y="886625"/>
+                  </a:lnTo>
+                  <a:lnTo>
+                    <a:pt x="203923" y="887882"/>
+                  </a:lnTo>
+                  <a:lnTo>
+                    <a:pt x="253657" y="888136"/>
+                  </a:lnTo>
+                  <a:lnTo>
+                    <a:pt x="302387" y="887031"/>
+                  </a:lnTo>
+                  <a:lnTo>
+                    <a:pt x="357403" y="884301"/>
+                  </a:lnTo>
+                  <a:lnTo>
+                    <a:pt x="412432" y="878916"/>
+                  </a:lnTo>
+                  <a:lnTo>
+                    <a:pt x="465797" y="870242"/>
+                  </a:lnTo>
+                  <a:lnTo>
+                    <a:pt x="515848" y="857592"/>
+                  </a:lnTo>
+                  <a:lnTo>
+                    <a:pt x="560895" y="840346"/>
+                  </a:lnTo>
+                  <a:lnTo>
+                    <a:pt x="599274" y="817816"/>
+                  </a:lnTo>
+                  <a:lnTo>
+                    <a:pt x="629323" y="789368"/>
+                  </a:lnTo>
+                  <a:lnTo>
+                    <a:pt x="649363" y="754341"/>
+                  </a:lnTo>
+                  <a:lnTo>
+                    <a:pt x="619175" y="693966"/>
+                  </a:lnTo>
+                  <a:lnTo>
+                    <a:pt x="584962" y="669137"/>
+                  </a:lnTo>
+                  <a:lnTo>
+                    <a:pt x="544944" y="648284"/>
+                  </a:lnTo>
+                  <a:lnTo>
+                    <a:pt x="490296" y="636638"/>
+                  </a:lnTo>
+                  <a:lnTo>
+                    <a:pt x="432904" y="633463"/>
+                  </a:lnTo>
+                  <a:lnTo>
+                    <a:pt x="377139" y="637425"/>
+                  </a:lnTo>
+                  <a:lnTo>
+                    <a:pt x="327393" y="647204"/>
+                  </a:lnTo>
+                  <a:lnTo>
+                    <a:pt x="306832" y="637971"/>
+                  </a:lnTo>
+                  <a:lnTo>
+                    <a:pt x="286880" y="626389"/>
+                  </a:lnTo>
+                  <a:lnTo>
+                    <a:pt x="268960" y="613397"/>
+                  </a:lnTo>
+                  <a:lnTo>
+                    <a:pt x="254520" y="599884"/>
+                  </a:lnTo>
+                  <a:lnTo>
+                    <a:pt x="293700" y="581647"/>
+                  </a:lnTo>
+                  <a:lnTo>
+                    <a:pt x="334772" y="564730"/>
+                  </a:lnTo>
+                  <a:lnTo>
+                    <a:pt x="377774" y="549821"/>
+                  </a:lnTo>
+                  <a:lnTo>
+                    <a:pt x="422732" y="537603"/>
+                  </a:lnTo>
+                  <a:lnTo>
+                    <a:pt x="469684" y="528751"/>
+                  </a:lnTo>
+                  <a:lnTo>
+                    <a:pt x="518668" y="523938"/>
+                  </a:lnTo>
+                  <a:lnTo>
+                    <a:pt x="569722" y="523862"/>
+                  </a:lnTo>
+                  <a:lnTo>
+                    <a:pt x="622884" y="529183"/>
+                  </a:lnTo>
+                  <a:lnTo>
+                    <a:pt x="678180" y="540600"/>
+                  </a:lnTo>
+                  <a:lnTo>
+                    <a:pt x="729805" y="554824"/>
+                  </a:lnTo>
+                  <a:lnTo>
+                    <a:pt x="779132" y="573633"/>
+                  </a:lnTo>
+                  <a:lnTo>
+                    <a:pt x="826935" y="595515"/>
+                  </a:lnTo>
+                  <a:lnTo>
+                    <a:pt x="873975" y="618921"/>
+                  </a:lnTo>
+                  <a:lnTo>
+                    <a:pt x="921346" y="588619"/>
+                  </a:lnTo>
+                  <a:lnTo>
+                    <a:pt x="960513" y="553516"/>
+                  </a:lnTo>
+                  <a:lnTo>
+                    <a:pt x="992441" y="515366"/>
+                  </a:lnTo>
+                  <a:lnTo>
+                    <a:pt x="1018095" y="475881"/>
+                  </a:lnTo>
+                  <a:lnTo>
+                    <a:pt x="1030198" y="437388"/>
+                  </a:lnTo>
+                  <a:lnTo>
+                    <a:pt x="1027861" y="398195"/>
+                  </a:lnTo>
+                  <a:lnTo>
+                    <a:pt x="1012723" y="359295"/>
+                  </a:lnTo>
+                  <a:lnTo>
+                    <a:pt x="986383" y="321703"/>
+                  </a:lnTo>
+                  <a:lnTo>
+                    <a:pt x="950480" y="286448"/>
+                  </a:lnTo>
+                  <a:lnTo>
+                    <a:pt x="906602" y="254533"/>
+                  </a:lnTo>
+                  <a:lnTo>
+                    <a:pt x="866863" y="227698"/>
+                  </a:lnTo>
+                  <a:lnTo>
+                    <a:pt x="824014" y="206070"/>
+                  </a:lnTo>
+                  <a:lnTo>
+                    <a:pt x="778383" y="189890"/>
+                  </a:lnTo>
+                  <a:lnTo>
+                    <a:pt x="730313" y="179362"/>
+                  </a:lnTo>
+                  <a:lnTo>
+                    <a:pt x="680123" y="174726"/>
+                  </a:lnTo>
+                  <a:lnTo>
+                    <a:pt x="628154" y="176225"/>
+                  </a:lnTo>
+                  <a:lnTo>
+                    <a:pt x="546569" y="186004"/>
+                  </a:lnTo>
+                  <a:lnTo>
+                    <a:pt x="504698" y="134886"/>
+                  </a:lnTo>
+                  <a:lnTo>
+                    <a:pt x="543344" y="116522"/>
+                  </a:lnTo>
+                  <a:lnTo>
+                    <a:pt x="586041" y="101879"/>
+                  </a:lnTo>
+                  <a:lnTo>
+                    <a:pt x="632066" y="90919"/>
+                  </a:lnTo>
+                  <a:lnTo>
+                    <a:pt x="680720" y="83591"/>
+                  </a:lnTo>
+                  <a:lnTo>
+                    <a:pt x="731278" y="79883"/>
+                  </a:lnTo>
+                  <a:lnTo>
+                    <a:pt x="783031" y="79756"/>
+                  </a:lnTo>
+                  <a:lnTo>
+                    <a:pt x="835253" y="83146"/>
+                  </a:lnTo>
+                  <a:lnTo>
+                    <a:pt x="887234" y="90055"/>
+                  </a:lnTo>
+                  <a:lnTo>
+                    <a:pt x="938276" y="100418"/>
+                  </a:lnTo>
+                  <a:lnTo>
+                    <a:pt x="987640" y="114223"/>
+                  </a:lnTo>
+                  <a:lnTo>
+                    <a:pt x="1034923" y="131800"/>
+                  </a:lnTo>
+                  <a:lnTo>
+                    <a:pt x="1081379" y="152844"/>
+                  </a:lnTo>
+                  <a:lnTo>
+                    <a:pt x="1126604" y="176733"/>
+                  </a:lnTo>
+                  <a:lnTo>
+                    <a:pt x="1170178" y="202819"/>
+                  </a:lnTo>
+                  <a:lnTo>
+                    <a:pt x="1211668" y="230428"/>
+                  </a:lnTo>
+                  <a:lnTo>
+                    <a:pt x="1250670" y="258940"/>
+                  </a:lnTo>
+                  <a:lnTo>
+                    <a:pt x="1286764" y="287705"/>
+                  </a:lnTo>
+                  <a:lnTo>
+                    <a:pt x="1321269" y="264680"/>
+                  </a:lnTo>
+                  <a:lnTo>
+                    <a:pt x="1356436" y="240944"/>
+                  </a:lnTo>
+                  <a:lnTo>
+                    <a:pt x="1392529" y="217195"/>
+                  </a:lnTo>
+                  <a:lnTo>
+                    <a:pt x="1429791" y="194170"/>
+                  </a:lnTo>
+                  <a:close/>
+                </a:path>
+                <a:path w="1748154" h="1755775">
+                  <a:moveTo>
+                    <a:pt x="1644611" y="1305255"/>
+                  </a:moveTo>
+                  <a:lnTo>
+                    <a:pt x="1599336" y="1290383"/>
+                  </a:lnTo>
+                  <a:lnTo>
+                    <a:pt x="1553476" y="1276311"/>
+                  </a:lnTo>
+                  <a:lnTo>
+                    <a:pt x="1507083" y="1263027"/>
+                  </a:lnTo>
+                  <a:lnTo>
+                    <a:pt x="1460182" y="1250505"/>
+                  </a:lnTo>
+                  <a:lnTo>
+                    <a:pt x="1412824" y="1238719"/>
+                  </a:lnTo>
+                  <a:lnTo>
+                    <a:pt x="1365046" y="1227620"/>
+                  </a:lnTo>
+                  <a:lnTo>
+                    <a:pt x="1316888" y="1217206"/>
+                  </a:lnTo>
+                  <a:lnTo>
+                    <a:pt x="1268399" y="1207427"/>
+                  </a:lnTo>
+                  <a:lnTo>
+                    <a:pt x="1219619" y="1198283"/>
+                  </a:lnTo>
+                  <a:lnTo>
+                    <a:pt x="1170584" y="1189710"/>
+                  </a:lnTo>
+                  <a:lnTo>
+                    <a:pt x="1121346" y="1181709"/>
+                  </a:lnTo>
+                  <a:lnTo>
+                    <a:pt x="1071930" y="1174242"/>
+                  </a:lnTo>
+                  <a:lnTo>
+                    <a:pt x="1022400" y="1167282"/>
+                  </a:lnTo>
+                  <a:lnTo>
+                    <a:pt x="972769" y="1160805"/>
+                  </a:lnTo>
+                  <a:lnTo>
+                    <a:pt x="923099" y="1154772"/>
+                  </a:lnTo>
+                  <a:lnTo>
+                    <a:pt x="873429" y="1149172"/>
+                  </a:lnTo>
+                  <a:lnTo>
+                    <a:pt x="996835" y="1238745"/>
+                  </a:lnTo>
+                  <a:lnTo>
+                    <a:pt x="1093825" y="1313078"/>
+                  </a:lnTo>
+                  <a:lnTo>
+                    <a:pt x="1214678" y="1412189"/>
+                  </a:lnTo>
+                  <a:lnTo>
+                    <a:pt x="1409661" y="1576095"/>
+                  </a:lnTo>
+                  <a:lnTo>
+                    <a:pt x="1449705" y="1543685"/>
+                  </a:lnTo>
+                  <a:lnTo>
+                    <a:pt x="1487728" y="1508988"/>
+                  </a:lnTo>
+                  <a:lnTo>
+                    <a:pt x="1523657" y="1472120"/>
+                  </a:lnTo>
+                  <a:lnTo>
+                    <a:pt x="1557388" y="1433207"/>
+                  </a:lnTo>
+                  <a:lnTo>
+                    <a:pt x="1588858" y="1392339"/>
+                  </a:lnTo>
+                  <a:lnTo>
+                    <a:pt x="1617954" y="1349654"/>
+                  </a:lnTo>
+                  <a:lnTo>
+                    <a:pt x="1644611" y="1305255"/>
+                  </a:lnTo>
+                  <a:close/>
+                </a:path>
+                <a:path w="1748154" h="1755775">
+                  <a:moveTo>
+                    <a:pt x="1747951" y="763028"/>
+                  </a:moveTo>
+                  <a:lnTo>
+                    <a:pt x="1739734" y="712241"/>
+                  </a:lnTo>
+                  <a:lnTo>
+                    <a:pt x="1728685" y="662457"/>
+                  </a:lnTo>
+                  <a:lnTo>
+                    <a:pt x="1714868" y="613791"/>
+                  </a:lnTo>
+                  <a:lnTo>
+                    <a:pt x="1698383" y="566293"/>
+                  </a:lnTo>
+                  <a:lnTo>
+                    <a:pt x="1679308" y="520090"/>
+                  </a:lnTo>
+                  <a:lnTo>
+                    <a:pt x="1657731" y="475234"/>
+                  </a:lnTo>
+                  <a:lnTo>
+                    <a:pt x="1633728" y="431825"/>
+                  </a:lnTo>
+                  <a:lnTo>
+                    <a:pt x="1581404" y="481939"/>
+                  </a:lnTo>
+                  <a:lnTo>
+                    <a:pt x="1529689" y="528878"/>
+                  </a:lnTo>
+                  <a:lnTo>
+                    <a:pt x="1478597" y="572770"/>
+                  </a:lnTo>
+                  <a:lnTo>
+                    <a:pt x="1428153" y="613702"/>
+                  </a:lnTo>
+                  <a:lnTo>
+                    <a:pt x="1378356" y="651802"/>
+                  </a:lnTo>
+                  <a:lnTo>
+                    <a:pt x="1329232" y="687171"/>
+                  </a:lnTo>
+                  <a:lnTo>
+                    <a:pt x="1280795" y="719912"/>
+                  </a:lnTo>
+                  <a:lnTo>
+                    <a:pt x="1233055" y="750125"/>
+                  </a:lnTo>
+                  <a:lnTo>
+                    <a:pt x="1186027" y="777938"/>
+                  </a:lnTo>
+                  <a:lnTo>
+                    <a:pt x="1139723" y="803452"/>
+                  </a:lnTo>
+                  <a:lnTo>
+                    <a:pt x="1094155" y="826770"/>
+                  </a:lnTo>
+                  <a:lnTo>
+                    <a:pt x="1049337" y="847991"/>
+                  </a:lnTo>
+                  <a:lnTo>
+                    <a:pt x="1005293" y="867244"/>
+                  </a:lnTo>
+                  <a:lnTo>
+                    <a:pt x="962025" y="884618"/>
+                  </a:lnTo>
+                  <a:lnTo>
+                    <a:pt x="919556" y="900226"/>
+                  </a:lnTo>
+                  <a:lnTo>
+                    <a:pt x="877887" y="914196"/>
+                  </a:lnTo>
+                  <a:lnTo>
+                    <a:pt x="837044" y="926604"/>
+                  </a:lnTo>
+                  <a:lnTo>
+                    <a:pt x="797039" y="937577"/>
+                  </a:lnTo>
+                  <a:lnTo>
+                    <a:pt x="757885" y="947204"/>
+                  </a:lnTo>
+                  <a:lnTo>
+                    <a:pt x="719607" y="955624"/>
+                  </a:lnTo>
+                  <a:lnTo>
+                    <a:pt x="682193" y="962914"/>
+                  </a:lnTo>
+                  <a:lnTo>
+                    <a:pt x="610057" y="974598"/>
+                  </a:lnTo>
+                  <a:lnTo>
+                    <a:pt x="541616" y="983094"/>
+                  </a:lnTo>
+                  <a:lnTo>
+                    <a:pt x="476948" y="989279"/>
+                  </a:lnTo>
+                  <a:lnTo>
+                    <a:pt x="680504" y="1049058"/>
+                  </a:lnTo>
+                  <a:lnTo>
+                    <a:pt x="816457" y="1075893"/>
+                  </a:lnTo>
+                  <a:lnTo>
+                    <a:pt x="946086" y="1076007"/>
+                  </a:lnTo>
+                  <a:lnTo>
+                    <a:pt x="1130668" y="1055636"/>
+                  </a:lnTo>
+                  <a:lnTo>
+                    <a:pt x="1190002" y="1046251"/>
+                  </a:lnTo>
+                  <a:lnTo>
+                    <a:pt x="1248003" y="1033119"/>
+                  </a:lnTo>
+                  <a:lnTo>
+                    <a:pt x="1304429" y="1016723"/>
+                  </a:lnTo>
+                  <a:lnTo>
+                    <a:pt x="1359027" y="997572"/>
+                  </a:lnTo>
+                  <a:lnTo>
+                    <a:pt x="1411528" y="976160"/>
+                  </a:lnTo>
+                  <a:lnTo>
+                    <a:pt x="1461693" y="952969"/>
+                  </a:lnTo>
+                  <a:lnTo>
+                    <a:pt x="1509268" y="928509"/>
+                  </a:lnTo>
+                  <a:lnTo>
+                    <a:pt x="1553972" y="903262"/>
+                  </a:lnTo>
+                  <a:lnTo>
+                    <a:pt x="1595564" y="877722"/>
+                  </a:lnTo>
+                  <a:lnTo>
+                    <a:pt x="1633804" y="852385"/>
+                  </a:lnTo>
+                  <a:lnTo>
+                    <a:pt x="1668411" y="827760"/>
+                  </a:lnTo>
+                  <a:lnTo>
+                    <a:pt x="1699145" y="804329"/>
+                  </a:lnTo>
+                  <a:lnTo>
+                    <a:pt x="1725739" y="782586"/>
+                  </a:lnTo>
+                  <a:lnTo>
+                    <a:pt x="1747951" y="763028"/>
+                  </a:lnTo>
+                  <a:close/>
+                </a:path>
+              </a:pathLst>
+            </a:custGeom>
+            <a:solidFill>
+              <a:srgbClr val="EE7F00"/>
+            </a:solidFill>
+          </p:spPr>
+          <p:txBody>
+            <a:bodyPr wrap="square" lIns="0" tIns="0" rIns="0" bIns="0" rtlCol="0"/>
+            <a:lstStyle/>
+            <a:p>
+              <a:pPr defTabSz="554478"/>
+              <a:endParaRPr sz="1092" kern="0">
+                <a:solidFill>
+                  <a:sysClr val="windowText" lastClr="000000"/>
+                </a:solidFill>
+              </a:endParaRPr>
+            </a:p>
+          </p:txBody>
+        </p:sp>
+        <p:sp>
+          <p:nvSpPr>
+            <p:cNvPr id="5" name="object 5"/>
+            <p:cNvSpPr/>
+            <p:nvPr/>
+          </p:nvSpPr>
+          <p:spPr>
+            <a:xfrm>
+              <a:off x="9380131" y="5211984"/>
+              <a:ext cx="3391535" cy="892175"/>
+            </a:xfrm>
+            <a:custGeom>
+              <a:avLst/>
+              <a:gdLst/>
+              <a:ahLst/>
+              <a:cxnLst/>
+              <a:rect l="l" t="t" r="r" b="b"/>
+              <a:pathLst>
+                <a:path w="3391534" h="892175">
+                  <a:moveTo>
+                    <a:pt x="704291" y="0"/>
+                  </a:moveTo>
+                  <a:lnTo>
+                    <a:pt x="550926" y="0"/>
+                  </a:lnTo>
+                  <a:lnTo>
+                    <a:pt x="550926" y="347980"/>
+                  </a:lnTo>
+                  <a:lnTo>
+                    <a:pt x="153365" y="347980"/>
+                  </a:lnTo>
+                  <a:lnTo>
+                    <a:pt x="153365" y="0"/>
+                  </a:lnTo>
+                  <a:lnTo>
+                    <a:pt x="0" y="0"/>
+                  </a:lnTo>
+                  <a:lnTo>
+                    <a:pt x="0" y="347980"/>
+                  </a:lnTo>
+                  <a:lnTo>
+                    <a:pt x="0" y="480060"/>
+                  </a:lnTo>
+                  <a:lnTo>
+                    <a:pt x="0" y="875030"/>
+                  </a:lnTo>
+                  <a:lnTo>
+                    <a:pt x="153365" y="875030"/>
+                  </a:lnTo>
+                  <a:lnTo>
+                    <a:pt x="153365" y="480060"/>
+                  </a:lnTo>
+                  <a:lnTo>
+                    <a:pt x="550926" y="480060"/>
+                  </a:lnTo>
+                  <a:lnTo>
+                    <a:pt x="550926" y="875030"/>
+                  </a:lnTo>
+                  <a:lnTo>
+                    <a:pt x="704291" y="875030"/>
+                  </a:lnTo>
+                  <a:lnTo>
+                    <a:pt x="704291" y="480060"/>
+                  </a:lnTo>
+                  <a:lnTo>
+                    <a:pt x="704291" y="347980"/>
+                  </a:lnTo>
+                  <a:lnTo>
+                    <a:pt x="704291" y="0"/>
+                  </a:lnTo>
+                  <a:close/>
+                </a:path>
+                <a:path w="3391534" h="892175">
+                  <a:moveTo>
+                    <a:pt x="1452638" y="779348"/>
+                  </a:moveTo>
+                  <a:lnTo>
+                    <a:pt x="1445564" y="780973"/>
+                  </a:lnTo>
+                  <a:lnTo>
+                    <a:pt x="1439049" y="781519"/>
+                  </a:lnTo>
+                  <a:lnTo>
+                    <a:pt x="1418374" y="781519"/>
+                  </a:lnTo>
+                  <a:lnTo>
+                    <a:pt x="1387373" y="755827"/>
+                  </a:lnTo>
+                  <a:lnTo>
+                    <a:pt x="1385735" y="733653"/>
+                  </a:lnTo>
+                  <a:lnTo>
+                    <a:pt x="1383563" y="733653"/>
+                  </a:lnTo>
+                  <a:lnTo>
+                    <a:pt x="1383563" y="557453"/>
+                  </a:lnTo>
+                  <a:lnTo>
+                    <a:pt x="1383512" y="407555"/>
+                  </a:lnTo>
+                  <a:lnTo>
+                    <a:pt x="1382153" y="384479"/>
+                  </a:lnTo>
+                  <a:lnTo>
+                    <a:pt x="1377924" y="362343"/>
+                  </a:lnTo>
+                  <a:lnTo>
+                    <a:pt x="1370952" y="342049"/>
+                  </a:lnTo>
+                  <a:lnTo>
+                    <a:pt x="1366977" y="334479"/>
+                  </a:lnTo>
+                  <a:lnTo>
+                    <a:pt x="1361262" y="323596"/>
+                  </a:lnTo>
+                  <a:lnTo>
+                    <a:pt x="1335646" y="291782"/>
+                  </a:lnTo>
+                  <a:lnTo>
+                    <a:pt x="1303083" y="266484"/>
+                  </a:lnTo>
+                  <a:lnTo>
+                    <a:pt x="1264323" y="247396"/>
+                  </a:lnTo>
+                  <a:lnTo>
+                    <a:pt x="1221498" y="234403"/>
+                  </a:lnTo>
+                  <a:lnTo>
+                    <a:pt x="1175753" y="227063"/>
+                  </a:lnTo>
+                  <a:lnTo>
+                    <a:pt x="1129588" y="224612"/>
+                  </a:lnTo>
+                  <a:lnTo>
+                    <a:pt x="1103274" y="225234"/>
+                  </a:lnTo>
+                  <a:lnTo>
+                    <a:pt x="1051890" y="230124"/>
+                  </a:lnTo>
+                  <a:lnTo>
+                    <a:pt x="1002525" y="240220"/>
+                  </a:lnTo>
+                  <a:lnTo>
+                    <a:pt x="957656" y="257352"/>
+                  </a:lnTo>
+                  <a:lnTo>
+                    <a:pt x="918298" y="281914"/>
+                  </a:lnTo>
+                  <a:lnTo>
+                    <a:pt x="885672" y="314325"/>
+                  </a:lnTo>
+                  <a:lnTo>
+                    <a:pt x="860475" y="355015"/>
+                  </a:lnTo>
+                  <a:lnTo>
+                    <a:pt x="845794" y="405815"/>
+                  </a:lnTo>
+                  <a:lnTo>
+                    <a:pt x="842429" y="435089"/>
+                  </a:lnTo>
+                  <a:lnTo>
+                    <a:pt x="982205" y="435089"/>
+                  </a:lnTo>
+                  <a:lnTo>
+                    <a:pt x="986701" y="411035"/>
+                  </a:lnTo>
+                  <a:lnTo>
+                    <a:pt x="995324" y="390283"/>
+                  </a:lnTo>
+                  <a:lnTo>
+                    <a:pt x="1025169" y="358952"/>
+                  </a:lnTo>
+                  <a:lnTo>
+                    <a:pt x="1068476" y="340601"/>
+                  </a:lnTo>
+                  <a:lnTo>
+                    <a:pt x="1121981" y="334479"/>
+                  </a:lnTo>
+                  <a:lnTo>
+                    <a:pt x="1132370" y="334683"/>
+                  </a:lnTo>
+                  <a:lnTo>
+                    <a:pt x="1177544" y="339763"/>
+                  </a:lnTo>
+                  <a:lnTo>
+                    <a:pt x="1217739" y="355244"/>
+                  </a:lnTo>
+                  <a:lnTo>
+                    <a:pt x="1246251" y="385533"/>
+                  </a:lnTo>
+                  <a:lnTo>
+                    <a:pt x="1253578" y="420408"/>
+                  </a:lnTo>
+                  <a:lnTo>
+                    <a:pt x="1252664" y="434581"/>
+                  </a:lnTo>
+                  <a:lnTo>
+                    <a:pt x="1249845" y="446913"/>
+                  </a:lnTo>
+                  <a:lnTo>
+                    <a:pt x="1245425" y="456692"/>
+                  </a:lnTo>
+                  <a:lnTo>
+                    <a:pt x="1245425" y="557758"/>
+                  </a:lnTo>
+                  <a:lnTo>
+                    <a:pt x="1245425" y="661873"/>
+                  </a:lnTo>
+                  <a:lnTo>
+                    <a:pt x="1244422" y="677583"/>
+                  </a:lnTo>
+                  <a:lnTo>
+                    <a:pt x="1229652" y="717346"/>
+                  </a:lnTo>
+                  <a:lnTo>
+                    <a:pt x="1201356" y="747026"/>
+                  </a:lnTo>
+                  <a:lnTo>
+                    <a:pt x="1165479" y="767448"/>
+                  </a:lnTo>
+                  <a:lnTo>
+                    <a:pt x="1126134" y="778078"/>
+                  </a:lnTo>
+                  <a:lnTo>
+                    <a:pt x="1089342" y="781519"/>
+                  </a:lnTo>
+                  <a:lnTo>
+                    <a:pt x="1080058" y="781304"/>
+                  </a:lnTo>
+                  <a:lnTo>
+                    <a:pt x="1037348" y="775373"/>
+                  </a:lnTo>
+                  <a:lnTo>
+                    <a:pt x="997292" y="759764"/>
+                  </a:lnTo>
+                  <a:lnTo>
+                    <a:pt x="968019" y="731393"/>
+                  </a:lnTo>
+                  <a:lnTo>
+                    <a:pt x="960450" y="700493"/>
+                  </a:lnTo>
+                  <a:lnTo>
+                    <a:pt x="961059" y="687539"/>
+                  </a:lnTo>
+                  <a:lnTo>
+                    <a:pt x="974598" y="645845"/>
+                  </a:lnTo>
+                  <a:lnTo>
+                    <a:pt x="1003096" y="618858"/>
+                  </a:lnTo>
+                  <a:lnTo>
+                    <a:pt x="1042301" y="602792"/>
+                  </a:lnTo>
+                  <a:lnTo>
+                    <a:pt x="1097915" y="591337"/>
+                  </a:lnTo>
+                  <a:lnTo>
+                    <a:pt x="1144409" y="584822"/>
+                  </a:lnTo>
+                  <a:lnTo>
+                    <a:pt x="1167663" y="582472"/>
+                  </a:lnTo>
+                  <a:lnTo>
+                    <a:pt x="1189990" y="579399"/>
+                  </a:lnTo>
+                  <a:lnTo>
+                    <a:pt x="1210487" y="574243"/>
+                  </a:lnTo>
+                  <a:lnTo>
+                    <a:pt x="1229144" y="566940"/>
+                  </a:lnTo>
+                  <a:lnTo>
+                    <a:pt x="1245425" y="557758"/>
+                  </a:lnTo>
+                  <a:lnTo>
+                    <a:pt x="1245425" y="456692"/>
+                  </a:lnTo>
+                  <a:lnTo>
+                    <a:pt x="1245095" y="457415"/>
+                  </a:lnTo>
+                  <a:lnTo>
+                    <a:pt x="1238364" y="466090"/>
+                  </a:lnTo>
+                  <a:lnTo>
+                    <a:pt x="1196479" y="488937"/>
+                  </a:lnTo>
+                  <a:lnTo>
+                    <a:pt x="1152740" y="497420"/>
+                  </a:lnTo>
+                  <a:lnTo>
+                    <a:pt x="1118692" y="501103"/>
+                  </a:lnTo>
+                  <a:lnTo>
+                    <a:pt x="1100759" y="503402"/>
+                  </a:lnTo>
+                  <a:lnTo>
+                    <a:pt x="1082421" y="506222"/>
+                  </a:lnTo>
+                  <a:lnTo>
+                    <a:pt x="1063777" y="509587"/>
+                  </a:lnTo>
+                  <a:lnTo>
+                    <a:pt x="1041768" y="512343"/>
+                  </a:lnTo>
+                  <a:lnTo>
+                    <a:pt x="997927" y="519455"/>
+                  </a:lnTo>
+                  <a:lnTo>
+                    <a:pt x="955116" y="529018"/>
+                  </a:lnTo>
+                  <a:lnTo>
+                    <a:pt x="915949" y="544080"/>
+                  </a:lnTo>
+                  <a:lnTo>
+                    <a:pt x="881189" y="565175"/>
+                  </a:lnTo>
+                  <a:lnTo>
+                    <a:pt x="852855" y="593953"/>
+                  </a:lnTo>
+                  <a:lnTo>
+                    <a:pt x="832065" y="631075"/>
+                  </a:lnTo>
+                  <a:lnTo>
+                    <a:pt x="821461" y="678980"/>
+                  </a:lnTo>
+                  <a:lnTo>
+                    <a:pt x="820127" y="707009"/>
+                  </a:lnTo>
+                  <a:lnTo>
+                    <a:pt x="821258" y="729551"/>
+                  </a:lnTo>
+                  <a:lnTo>
+                    <a:pt x="830224" y="770343"/>
+                  </a:lnTo>
+                  <a:lnTo>
+                    <a:pt x="847775" y="805319"/>
+                  </a:lnTo>
+                  <a:lnTo>
+                    <a:pt x="885939" y="846239"/>
+                  </a:lnTo>
+                  <a:lnTo>
+                    <a:pt x="936028" y="874077"/>
+                  </a:lnTo>
+                  <a:lnTo>
+                    <a:pt x="974801" y="885494"/>
+                  </a:lnTo>
+                  <a:lnTo>
+                    <a:pt x="1015809" y="891209"/>
+                  </a:lnTo>
+                  <a:lnTo>
+                    <a:pt x="1037132" y="891921"/>
+                  </a:lnTo>
+                  <a:lnTo>
+                    <a:pt x="1065568" y="890714"/>
+                  </a:lnTo>
+                  <a:lnTo>
+                    <a:pt x="1124089" y="881380"/>
+                  </a:lnTo>
+                  <a:lnTo>
+                    <a:pt x="1183119" y="863028"/>
+                  </a:lnTo>
+                  <a:lnTo>
+                    <a:pt x="1234287" y="833666"/>
+                  </a:lnTo>
+                  <a:lnTo>
+                    <a:pt x="1256309" y="814692"/>
+                  </a:lnTo>
+                  <a:lnTo>
+                    <a:pt x="1261935" y="834364"/>
+                  </a:lnTo>
+                  <a:lnTo>
+                    <a:pt x="1293291" y="874522"/>
+                  </a:lnTo>
+                  <a:lnTo>
+                    <a:pt x="1343914" y="890816"/>
+                  </a:lnTo>
+                  <a:lnTo>
+                    <a:pt x="1364538" y="891921"/>
+                  </a:lnTo>
+                  <a:lnTo>
+                    <a:pt x="1377035" y="891921"/>
+                  </a:lnTo>
+                  <a:lnTo>
+                    <a:pt x="1401521" y="888657"/>
+                  </a:lnTo>
+                  <a:lnTo>
+                    <a:pt x="1425981" y="883767"/>
+                  </a:lnTo>
+                  <a:lnTo>
+                    <a:pt x="1441208" y="879411"/>
+                  </a:lnTo>
+                  <a:lnTo>
+                    <a:pt x="1447749" y="877785"/>
+                  </a:lnTo>
+                  <a:lnTo>
+                    <a:pt x="1452638" y="876160"/>
+                  </a:lnTo>
+                  <a:lnTo>
+                    <a:pt x="1452638" y="814692"/>
+                  </a:lnTo>
+                  <a:lnTo>
+                    <a:pt x="1452638" y="781519"/>
+                  </a:lnTo>
+                  <a:lnTo>
+                    <a:pt x="1452638" y="779348"/>
+                  </a:lnTo>
+                  <a:close/>
+                </a:path>
+                <a:path w="3391534" h="892175">
+                  <a:moveTo>
+                    <a:pt x="2079155" y="439432"/>
+                  </a:moveTo>
+                  <a:lnTo>
+                    <a:pt x="2075383" y="388962"/>
+                  </a:lnTo>
+                  <a:lnTo>
+                    <a:pt x="2064131" y="345211"/>
+                  </a:lnTo>
+                  <a:lnTo>
+                    <a:pt x="2045423" y="308203"/>
+                  </a:lnTo>
+                  <a:lnTo>
+                    <a:pt x="2019338" y="277914"/>
+                  </a:lnTo>
+                  <a:lnTo>
+                    <a:pt x="1986483" y="254355"/>
+                  </a:lnTo>
+                  <a:lnTo>
+                    <a:pt x="1948230" y="237528"/>
+                  </a:lnTo>
+                  <a:lnTo>
+                    <a:pt x="1904466" y="227431"/>
+                  </a:lnTo>
+                  <a:lnTo>
+                    <a:pt x="1855089" y="224078"/>
+                  </a:lnTo>
+                  <a:lnTo>
+                    <a:pt x="1824710" y="225920"/>
+                  </a:lnTo>
+                  <a:lnTo>
+                    <a:pt x="1767827" y="240817"/>
+                  </a:lnTo>
+                  <a:lnTo>
+                    <a:pt x="1716951" y="270497"/>
+                  </a:lnTo>
+                  <a:lnTo>
+                    <a:pt x="1675345" y="311873"/>
+                  </a:lnTo>
+                  <a:lnTo>
+                    <a:pt x="1658213" y="336651"/>
+                  </a:lnTo>
+                  <a:lnTo>
+                    <a:pt x="1656029" y="334479"/>
+                  </a:lnTo>
+                  <a:lnTo>
+                    <a:pt x="1656029" y="241477"/>
+                  </a:lnTo>
+                  <a:lnTo>
+                    <a:pt x="1523885" y="241477"/>
+                  </a:lnTo>
+                  <a:lnTo>
+                    <a:pt x="1522793" y="241477"/>
+                  </a:lnTo>
+                  <a:lnTo>
+                    <a:pt x="1522793" y="874522"/>
+                  </a:lnTo>
+                  <a:lnTo>
+                    <a:pt x="1662569" y="874522"/>
+                  </a:lnTo>
+                  <a:lnTo>
+                    <a:pt x="1662569" y="500888"/>
+                  </a:lnTo>
+                  <a:lnTo>
+                    <a:pt x="1663268" y="484047"/>
+                  </a:lnTo>
+                  <a:lnTo>
+                    <a:pt x="1673440" y="436168"/>
+                  </a:lnTo>
+                  <a:lnTo>
+                    <a:pt x="1694624" y="394728"/>
+                  </a:lnTo>
+                  <a:lnTo>
+                    <a:pt x="1725587" y="362953"/>
+                  </a:lnTo>
+                  <a:lnTo>
+                    <a:pt x="1766138" y="341820"/>
+                  </a:lnTo>
+                  <a:lnTo>
+                    <a:pt x="1815388" y="334479"/>
+                  </a:lnTo>
+                  <a:lnTo>
+                    <a:pt x="1844662" y="336613"/>
+                  </a:lnTo>
+                  <a:lnTo>
+                    <a:pt x="1890560" y="353517"/>
+                  </a:lnTo>
+                  <a:lnTo>
+                    <a:pt x="1920341" y="387477"/>
+                  </a:lnTo>
+                  <a:lnTo>
+                    <a:pt x="1936432" y="441540"/>
+                  </a:lnTo>
+                  <a:lnTo>
+                    <a:pt x="1939391" y="476415"/>
+                  </a:lnTo>
+                  <a:lnTo>
+                    <a:pt x="1939391" y="873975"/>
+                  </a:lnTo>
+                  <a:lnTo>
+                    <a:pt x="2079155" y="873975"/>
+                  </a:lnTo>
+                  <a:lnTo>
+                    <a:pt x="2079155" y="439432"/>
+                  </a:lnTo>
+                  <a:close/>
+                </a:path>
+                <a:path w="3391534" h="892175">
+                  <a:moveTo>
+                    <a:pt x="2724708" y="764120"/>
+                  </a:moveTo>
+                  <a:lnTo>
+                    <a:pt x="2344013" y="764120"/>
+                  </a:lnTo>
+                  <a:lnTo>
+                    <a:pt x="2706217" y="339369"/>
+                  </a:lnTo>
+                  <a:lnTo>
+                    <a:pt x="2706217" y="241477"/>
+                  </a:lnTo>
+                  <a:lnTo>
+                    <a:pt x="2192274" y="241477"/>
+                  </a:lnTo>
+                  <a:lnTo>
+                    <a:pt x="2192274" y="351332"/>
+                  </a:lnTo>
+                  <a:lnTo>
+                    <a:pt x="2518041" y="351332"/>
+                  </a:lnTo>
+                  <a:lnTo>
+                    <a:pt x="2167801" y="776630"/>
+                  </a:lnTo>
+                  <a:lnTo>
+                    <a:pt x="2167801" y="874522"/>
+                  </a:lnTo>
+                  <a:lnTo>
+                    <a:pt x="2724708" y="874522"/>
+                  </a:lnTo>
+                  <a:lnTo>
+                    <a:pt x="2724708" y="764120"/>
+                  </a:lnTo>
+                  <a:close/>
+                </a:path>
+                <a:path w="3391534" h="892175">
+                  <a:moveTo>
+                    <a:pt x="3391293" y="558165"/>
+                  </a:moveTo>
+                  <a:lnTo>
+                    <a:pt x="3388207" y="501980"/>
+                  </a:lnTo>
+                  <a:lnTo>
+                    <a:pt x="3379520" y="455752"/>
+                  </a:lnTo>
+                  <a:lnTo>
+                    <a:pt x="3356267" y="392874"/>
+                  </a:lnTo>
+                  <a:lnTo>
+                    <a:pt x="3322409" y="337731"/>
+                  </a:lnTo>
+                  <a:lnTo>
+                    <a:pt x="3319170" y="333933"/>
+                  </a:lnTo>
+                  <a:lnTo>
+                    <a:pt x="3301593" y="313270"/>
+                  </a:lnTo>
+                  <a:lnTo>
+                    <a:pt x="3278289" y="291299"/>
+                  </a:lnTo>
+                  <a:lnTo>
+                    <a:pt x="3252432" y="271881"/>
+                  </a:lnTo>
+                  <a:lnTo>
+                    <a:pt x="3248444" y="269532"/>
+                  </a:lnTo>
+                  <a:lnTo>
+                    <a:pt x="3248444" y="501980"/>
+                  </a:lnTo>
+                  <a:lnTo>
+                    <a:pt x="2922130" y="501980"/>
+                  </a:lnTo>
+                  <a:lnTo>
+                    <a:pt x="2930550" y="451345"/>
+                  </a:lnTo>
+                  <a:lnTo>
+                    <a:pt x="2951365" y="406946"/>
+                  </a:lnTo>
+                  <a:lnTo>
+                    <a:pt x="2981972" y="371843"/>
+                  </a:lnTo>
+                  <a:lnTo>
+                    <a:pt x="3022193" y="346976"/>
+                  </a:lnTo>
+                  <a:lnTo>
+                    <a:pt x="3071152" y="334746"/>
+                  </a:lnTo>
+                  <a:lnTo>
+                    <a:pt x="3089097" y="333933"/>
+                  </a:lnTo>
+                  <a:lnTo>
+                    <a:pt x="3106318" y="334848"/>
+                  </a:lnTo>
+                  <a:lnTo>
+                    <a:pt x="3153270" y="348068"/>
+                  </a:lnTo>
+                  <a:lnTo>
+                    <a:pt x="3191510" y="374230"/>
+                  </a:lnTo>
+                  <a:lnTo>
+                    <a:pt x="3220504" y="409867"/>
+                  </a:lnTo>
+                  <a:lnTo>
+                    <a:pt x="3239503" y="453720"/>
+                  </a:lnTo>
+                  <a:lnTo>
+                    <a:pt x="3248444" y="501980"/>
+                  </a:lnTo>
+                  <a:lnTo>
+                    <a:pt x="3248444" y="269532"/>
+                  </a:lnTo>
+                  <a:lnTo>
+                    <a:pt x="3193580" y="241503"/>
+                  </a:lnTo>
+                  <a:lnTo>
+                    <a:pt x="3126689" y="226009"/>
+                  </a:lnTo>
+                  <a:lnTo>
+                    <a:pt x="3090189" y="224078"/>
+                  </a:lnTo>
+                  <a:lnTo>
+                    <a:pt x="3055620" y="225793"/>
+                  </a:lnTo>
+                  <a:lnTo>
+                    <a:pt x="2991980" y="239445"/>
+                  </a:lnTo>
+                  <a:lnTo>
+                    <a:pt x="2935795" y="265938"/>
+                  </a:lnTo>
+                  <a:lnTo>
+                    <a:pt x="2887662" y="302425"/>
+                  </a:lnTo>
+                  <a:lnTo>
+                    <a:pt x="2847746" y="348068"/>
+                  </a:lnTo>
+                  <a:lnTo>
+                    <a:pt x="2817025" y="401383"/>
+                  </a:lnTo>
+                  <a:lnTo>
+                    <a:pt x="2795917" y="461340"/>
+                  </a:lnTo>
+                  <a:lnTo>
+                    <a:pt x="2785326" y="525195"/>
+                  </a:lnTo>
+                  <a:lnTo>
+                    <a:pt x="2783992" y="558546"/>
+                  </a:lnTo>
+                  <a:lnTo>
+                    <a:pt x="2785224" y="594525"/>
+                  </a:lnTo>
+                  <a:lnTo>
+                    <a:pt x="2795232" y="662012"/>
+                  </a:lnTo>
+                  <a:lnTo>
+                    <a:pt x="2815221" y="722985"/>
+                  </a:lnTo>
+                  <a:lnTo>
+                    <a:pt x="2845193" y="775779"/>
+                  </a:lnTo>
+                  <a:lnTo>
+                    <a:pt x="2884970" y="819734"/>
+                  </a:lnTo>
+                  <a:lnTo>
+                    <a:pt x="2933535" y="853986"/>
+                  </a:lnTo>
+                  <a:lnTo>
+                    <a:pt x="2990964" y="878154"/>
+                  </a:lnTo>
+                  <a:lnTo>
+                    <a:pt x="3057042" y="890397"/>
+                  </a:lnTo>
+                  <a:lnTo>
+                    <a:pt x="3093440" y="891933"/>
+                  </a:lnTo>
+                  <a:lnTo>
+                    <a:pt x="3118840" y="891019"/>
+                  </a:lnTo>
+                  <a:lnTo>
+                    <a:pt x="3168015" y="883894"/>
+                  </a:lnTo>
+                  <a:lnTo>
+                    <a:pt x="3214624" y="869708"/>
+                  </a:lnTo>
+                  <a:lnTo>
+                    <a:pt x="3257042" y="848880"/>
+                  </a:lnTo>
+                  <a:lnTo>
+                    <a:pt x="3294862" y="821232"/>
+                  </a:lnTo>
+                  <a:lnTo>
+                    <a:pt x="3327285" y="787196"/>
+                  </a:lnTo>
+                  <a:lnTo>
+                    <a:pt x="3331845" y="780973"/>
+                  </a:lnTo>
+                  <a:lnTo>
+                    <a:pt x="3341446" y="767918"/>
+                  </a:lnTo>
+                  <a:lnTo>
+                    <a:pt x="3353892" y="746912"/>
+                  </a:lnTo>
+                  <a:lnTo>
+                    <a:pt x="3364357" y="724623"/>
+                  </a:lnTo>
+                  <a:lnTo>
+                    <a:pt x="3372878" y="701014"/>
+                  </a:lnTo>
+                  <a:lnTo>
+                    <a:pt x="3379520" y="676021"/>
+                  </a:lnTo>
+                  <a:lnTo>
+                    <a:pt x="3247352" y="676021"/>
+                  </a:lnTo>
+                  <a:lnTo>
+                    <a:pt x="3237153" y="700570"/>
+                  </a:lnTo>
+                  <a:lnTo>
+                    <a:pt x="3224517" y="721969"/>
+                  </a:lnTo>
+                  <a:lnTo>
+                    <a:pt x="3191878" y="754875"/>
+                  </a:lnTo>
+                  <a:lnTo>
+                    <a:pt x="3148584" y="774458"/>
+                  </a:lnTo>
+                  <a:lnTo>
+                    <a:pt x="3093440" y="780973"/>
+                  </a:lnTo>
+                  <a:lnTo>
+                    <a:pt x="3072142" y="780046"/>
+                  </a:lnTo>
+                  <a:lnTo>
+                    <a:pt x="3034017" y="772490"/>
+                  </a:lnTo>
+                  <a:lnTo>
+                    <a:pt x="2988272" y="748207"/>
+                  </a:lnTo>
+                  <a:lnTo>
+                    <a:pt x="2954959" y="711708"/>
+                  </a:lnTo>
+                  <a:lnTo>
+                    <a:pt x="2933547" y="665137"/>
+                  </a:lnTo>
+                  <a:lnTo>
+                    <a:pt x="2923844" y="612140"/>
+                  </a:lnTo>
+                  <a:lnTo>
+                    <a:pt x="2923222" y="593356"/>
+                  </a:lnTo>
+                  <a:lnTo>
+                    <a:pt x="3388753" y="593356"/>
+                  </a:lnTo>
+                  <a:lnTo>
+                    <a:pt x="3391293" y="558165"/>
+                  </a:lnTo>
+                  <a:close/>
+                </a:path>
+              </a:pathLst>
+            </a:custGeom>
+            <a:solidFill>
+              <a:srgbClr val="FFFFFF"/>
+            </a:solidFill>
+          </p:spPr>
+          <p:txBody>
+            <a:bodyPr wrap="square" lIns="0" tIns="0" rIns="0" bIns="0" rtlCol="0"/>
+            <a:lstStyle/>
+            <a:p>
+              <a:pPr defTabSz="554478"/>
+              <a:endParaRPr sz="1092" kern="0">
+                <a:solidFill>
+                  <a:sysClr val="windowText" lastClr="000000"/>
+                </a:solidFill>
+              </a:endParaRPr>
+            </a:p>
+          </p:txBody>
+        </p:sp>
+      </p:grpSp>
       <p:sp>
         <p:nvSpPr>
-          <p:cNvPr id="11266" name="Tijdelijke aanduiding voor tekst 1"/>
+          <p:cNvPr id="6" name="Tijdelijke aanduiding voor tekst 1">
+            <a:extLst>
+              <a:ext uri="{FF2B5EF4-FFF2-40B4-BE49-F238E27FC236}">
+                <a16:creationId xmlns:a16="http://schemas.microsoft.com/office/drawing/2014/main" id="{47C0F05F-034B-FC03-E1DE-694A7E58A431}"/>
+              </a:ext>
+            </a:extLst>
+          </p:cNvPr>
           <p:cNvSpPr>
             <a:spLocks noGrp="1"/>
           </p:cNvSpPr>
@@ -7248,8 +10609,8 @@
         </p:nvSpPr>
         <p:spPr bwMode="auto">
           <a:xfrm>
-            <a:off x="1528234" y="5226051"/>
-            <a:ext cx="10081684" cy="415094"/>
+            <a:off x="4387939" y="5124411"/>
+            <a:ext cx="5335852" cy="429204"/>
           </a:xfrm>
           <a:noFill/>
           <a:extLst>
@@ -7280,16 +10641,24 @@
           </a:bodyPr>
           <a:lstStyle/>
           <a:p>
-            <a:r>
-              <a:rPr lang="nl-NL" altLang="nl-NL" sz="2667" dirty="0">
+            <a:pPr marL="0" indent="0">
+              <a:buNone/>
+            </a:pPr>
+            <a:r>
+              <a:rPr lang="nl-NL" altLang="nl-NL" sz="2667">
                 <a:latin typeface="Arial" panose="020B0604020202020204" pitchFamily="34" charset="0"/>
                 <a:ea typeface="ＭＳ Ｐゴシック" panose="020B0600070205080204" pitchFamily="34" charset="-128"/>
                 <a:cs typeface="Arial" panose="020B0604020202020204" pitchFamily="34" charset="0"/>
               </a:rPr>
-              <a:t>Keuze college cryptografie (</a:t>
-            </a:r>
-            <a:r>
-              <a:rPr lang="nl-NL" altLang="nl-NL" sz="2667" dirty="0" err="1">
+              <a:t>Keuzecollege cryptografie</a:t>
+            </a:r>
+          </a:p>
+          <a:p>
+            <a:pPr marL="0" indent="0">
+              <a:buNone/>
+            </a:pPr>
+            <a:r>
+              <a:rPr lang="nl-NL" altLang="nl-NL" sz="2667">
                 <a:latin typeface="Arial" panose="020B0604020202020204" pitchFamily="34" charset="0"/>
                 <a:ea typeface="ＭＳ Ｐゴシック" panose="020B0600070205080204" pitchFamily="34" charset="-128"/>
                 <a:cs typeface="Arial" panose="020B0604020202020204" pitchFamily="34" charset="0"/>
@@ -7297,7 +10666,7 @@
               <a:t>Vigen</a:t>
             </a:r>
             <a:r>
-              <a:rPr lang="nl-NL" sz="2667" dirty="0" err="1">
+              <a:rPr lang="nl-NL" sz="2667">
                 <a:latin typeface="Arial" panose="020B0604020202020204" pitchFamily="34" charset="0"/>
                 <a:ea typeface="ＭＳ Ｐゴシック" panose="020B0600070205080204" pitchFamily="34" charset="-128"/>
                 <a:cs typeface="Arial" panose="020B0604020202020204" pitchFamily="34" charset="0"/>
@@ -7305,37 +10674,30 @@
               <a:t>è</a:t>
             </a:r>
             <a:r>
-              <a:rPr lang="nl-NL" altLang="nl-NL" sz="2667" dirty="0" err="1">
+              <a:rPr lang="nl-NL" altLang="nl-NL" sz="2667">
                 <a:latin typeface="Arial" panose="020B0604020202020204" pitchFamily="34" charset="0"/>
                 <a:ea typeface="ＭＳ Ｐゴシック" panose="020B0600070205080204" pitchFamily="34" charset="-128"/>
                 <a:cs typeface="Arial" panose="020B0604020202020204" pitchFamily="34" charset="0"/>
               </a:rPr>
-              <a:t>re</a:t>
-            </a:r>
-            <a:r>
-              <a:rPr lang="nl-NL" altLang="nl-NL" sz="2667" dirty="0">
-                <a:latin typeface="Arial" panose="020B0604020202020204" pitchFamily="34" charset="0"/>
-                <a:ea typeface="ＭＳ Ｐゴシック" panose="020B0600070205080204" pitchFamily="34" charset="-128"/>
-                <a:cs typeface="Arial" panose="020B0604020202020204" pitchFamily="34" charset="0"/>
-              </a:rPr>
-              <a:t> versleuteling)</a:t>
-            </a:r>
-          </a:p>
-          <a:p>
-            <a:r>
-              <a:rPr lang="nl-NL" altLang="nl-NL" sz="2667" dirty="0">
-                <a:latin typeface="Arial" panose="020B0604020202020204" pitchFamily="34" charset="0"/>
-                <a:ea typeface="ＭＳ Ｐゴシック" panose="020B0600070205080204" pitchFamily="34" charset="-128"/>
-                <a:cs typeface="Arial" panose="020B0604020202020204" pitchFamily="34" charset="0"/>
-              </a:rPr>
-              <a:t> </a:t>
-            </a:r>
+              <a:t>re versleuteling</a:t>
+            </a:r>
+            <a:endParaRPr lang="nl-NL" altLang="nl-NL" sz="2667" dirty="0">
+              <a:latin typeface="Arial" panose="020B0604020202020204" pitchFamily="34" charset="0"/>
+              <a:ea typeface="ＭＳ Ｐゴシック" panose="020B0600070205080204" pitchFamily="34" charset="-128"/>
+              <a:cs typeface="Arial" panose="020B0604020202020204" pitchFamily="34" charset="0"/>
+            </a:endParaRPr>
           </a:p>
         </p:txBody>
       </p:sp>
       <p:sp>
         <p:nvSpPr>
-          <p:cNvPr id="11267" name="Titel 2"/>
+          <p:cNvPr id="7" name="Titel 2">
+            <a:extLst>
+              <a:ext uri="{FF2B5EF4-FFF2-40B4-BE49-F238E27FC236}">
+                <a16:creationId xmlns:a16="http://schemas.microsoft.com/office/drawing/2014/main" id="{33A70FD7-15D7-B275-964E-9218850C8A16}"/>
+              </a:ext>
+            </a:extLst>
+          </p:cNvPr>
           <p:cNvSpPr>
             <a:spLocks noGrp="1"/>
           </p:cNvSpPr>
@@ -7345,8 +10707,8 @@
         </p:nvSpPr>
         <p:spPr bwMode="auto">
           <a:xfrm>
-            <a:off x="1528234" y="4326467"/>
-            <a:ext cx="10081684" cy="865717"/>
+            <a:off x="4367810" y="4258694"/>
+            <a:ext cx="7242109" cy="865717"/>
           </a:xfrm>
           <a:noFill/>
           <a:extLst>
@@ -7378,7 +10740,10 @@
           <a:lstStyle/>
           <a:p>
             <a:r>
-              <a:rPr lang="nl-NL" altLang="nl-NL" sz="5333" dirty="0">
+              <a:rPr lang="nl-NL" altLang="nl-NL" sz="5333">
+                <a:solidFill>
+                  <a:schemeClr val="bg1"/>
+                </a:solidFill>
                 <a:latin typeface="Arial" panose="020B0604020202020204" pitchFamily="34" charset="0"/>
                 <a:ea typeface="ＭＳ Ｐゴシック" panose="020B0600070205080204" pitchFamily="34" charset="-128"/>
                 <a:cs typeface="Arial" panose="020B0604020202020204" pitchFamily="34" charset="0"/>
@@ -7393,6 +10758,18 @@
   <p:clrMapOvr>
     <a:masterClrMapping/>
   </p:clrMapOvr>
+  <mc:AlternateContent xmlns:mc="http://schemas.openxmlformats.org/markup-compatibility/2006" xmlns:p14="http://schemas.microsoft.com/office/powerpoint/2010/main">
+    <mc:Choice Requires="p14">
+      <p:transition spd="med" p14:dur="700">
+        <p:fade/>
+      </p:transition>
+    </mc:Choice>
+    <mc:Fallback xmlns="">
+      <p:transition spd="med">
+        <p:fade/>
+      </p:transition>
+    </mc:Fallback>
+  </mc:AlternateContent>
 </p:sld>
 </file>
 
